--- a/Proposal Presentation/Proposal presentation.pptx
+++ b/Proposal Presentation/Proposal presentation.pptx
@@ -119,10 +119,10 @@
   </p:defaultTextStyle>
   <p:extLst>
     <p:ext uri="{EFAFB233-063F-42B5-8137-9DF3F51BA10A}">
-      <p15:sldGuideLst xmlns:p15="http://schemas.microsoft.com/office/powerpoint/2012/main"/>
+      <p15:sldGuideLst xmlns:p15="http://schemas.microsoft.com/office/powerpoint/2012/main" xmlns=""/>
     </p:ext>
     <p:ext uri="{2D200454-40CA-4A62-9FC3-DE9A4176ACB9}">
-      <p15:notesGuideLst xmlns:p15="http://schemas.microsoft.com/office/powerpoint/2012/main"/>
+      <p15:notesGuideLst xmlns:p15="http://schemas.microsoft.com/office/powerpoint/2012/main" xmlns=""/>
     </p:ext>
   </p:extLst>
 </p:presentation>
@@ -612,7 +612,7 @@
           <p:cNvPr id="2" name="Header Placeholder 1">
             <a:extLst>
               <a:ext uri="{FF2B5EF4-FFF2-40B4-BE49-F238E27FC236}">
-                <a16:creationId xmlns:a16="http://schemas.microsoft.com/office/drawing/2014/main" id="{3E7F456E-01A6-4013-ACA5-F5492591A24D}"/>
+                <a16:creationId xmlns:a16="http://schemas.microsoft.com/office/drawing/2014/main" xmlns="" id="{3E7F456E-01A6-4013-ACA5-F5492591A24D}"/>
               </a:ext>
             </a:extLst>
           </p:cNvPr>
@@ -649,7 +649,7 @@
           <p:cNvPr id="3" name="Date Placeholder 2">
             <a:extLst>
               <a:ext uri="{FF2B5EF4-FFF2-40B4-BE49-F238E27FC236}">
-                <a16:creationId xmlns:a16="http://schemas.microsoft.com/office/drawing/2014/main" id="{484983A3-9B9B-4D61-97C9-B9E239A31598}"/>
+                <a16:creationId xmlns:a16="http://schemas.microsoft.com/office/drawing/2014/main" xmlns="" id="{484983A3-9B9B-4D61-97C9-B9E239A31598}"/>
               </a:ext>
             </a:extLst>
           </p:cNvPr>
@@ -679,6 +679,7 @@
           <a:p>
             <a:fld id="{B56F32FC-4BD9-442A-A8C6-51598C909FE3}" type="datetimeFigureOut">
               <a:rPr lang="en-US" smtClean="0"/>
+              <a:pPr/>
               <a:t>6/29/2023</a:t>
             </a:fld>
             <a:endParaRPr lang="en-US" dirty="0"/>
@@ -690,7 +691,7 @@
           <p:cNvPr id="4" name="Footer Placeholder 3">
             <a:extLst>
               <a:ext uri="{FF2B5EF4-FFF2-40B4-BE49-F238E27FC236}">
-                <a16:creationId xmlns:a16="http://schemas.microsoft.com/office/drawing/2014/main" id="{5EEABE74-7A97-4D17-8390-42ADD25C33C3}"/>
+                <a16:creationId xmlns:a16="http://schemas.microsoft.com/office/drawing/2014/main" xmlns="" id="{5EEABE74-7A97-4D17-8390-42ADD25C33C3}"/>
               </a:ext>
             </a:extLst>
           </p:cNvPr>
@@ -727,7 +728,7 @@
           <p:cNvPr id="5" name="Slide Number Placeholder 4">
             <a:extLst>
               <a:ext uri="{FF2B5EF4-FFF2-40B4-BE49-F238E27FC236}">
-                <a16:creationId xmlns:a16="http://schemas.microsoft.com/office/drawing/2014/main" id="{B42C1DBD-1052-425E-BF3C-983304BED571}"/>
+                <a16:creationId xmlns:a16="http://schemas.microsoft.com/office/drawing/2014/main" xmlns="" id="{B42C1DBD-1052-425E-BF3C-983304BED571}"/>
               </a:ext>
             </a:extLst>
           </p:cNvPr>
@@ -757,6 +758,7 @@
           <a:p>
             <a:fld id="{28EEFA9E-C190-4F5C-8394-BD5F1CD55C02}" type="slidenum">
               <a:rPr lang="en-US" smtClean="0"/>
+              <a:pPr/>
               <a:t>‹#›</a:t>
             </a:fld>
             <a:endParaRPr lang="en-US" dirty="0"/>
@@ -766,7 +768,7 @@
     </p:spTree>
     <p:extLst>
       <p:ext uri="{BB962C8B-B14F-4D97-AF65-F5344CB8AC3E}">
-        <p14:creationId xmlns:p14="http://schemas.microsoft.com/office/powerpoint/2010/main" val="2324801919"/>
+        <p14:creationId xmlns:p14="http://schemas.microsoft.com/office/powerpoint/2010/main" xmlns="" val="2324801919"/>
       </p:ext>
     </p:extLst>
   </p:cSld>
@@ -856,6 +858,7 @@
           <a:p>
             <a:fld id="{056371FA-A98D-41E8-93F4-09945841298A}" type="datetimeFigureOut">
               <a:rPr lang="en-US" smtClean="0"/>
+              <a:pPr/>
               <a:t>6/29/2023</a:t>
             </a:fld>
             <a:endParaRPr lang="en-US" dirty="0"/>
@@ -1014,6 +1017,7 @@
           <a:p>
             <a:fld id="{22289C57-55D7-40A4-A101-E74FAC7A092B}" type="slidenum">
               <a:rPr lang="en-US" smtClean="0"/>
+              <a:pPr/>
               <a:t>‹#›</a:t>
             </a:fld>
             <a:endParaRPr lang="en-US" dirty="0"/>
@@ -1023,7 +1027,7 @@
     </p:spTree>
     <p:extLst>
       <p:ext uri="{BB962C8B-B14F-4D97-AF65-F5344CB8AC3E}">
-        <p14:creationId xmlns:p14="http://schemas.microsoft.com/office/powerpoint/2010/main" val="2839902369"/>
+        <p14:creationId xmlns:p14="http://schemas.microsoft.com/office/powerpoint/2010/main" xmlns="" val="2839902369"/>
       </p:ext>
     </p:extLst>
   </p:cSld>
@@ -1145,7 +1149,7 @@
           <p:cNvPr id="2" name="Title 1">
             <a:extLst>
               <a:ext uri="{FF2B5EF4-FFF2-40B4-BE49-F238E27FC236}">
-                <a16:creationId xmlns:a16="http://schemas.microsoft.com/office/drawing/2014/main" id="{415B3628-62D7-4A6D-A79F-34DE91DBA31E}"/>
+                <a16:creationId xmlns:a16="http://schemas.microsoft.com/office/drawing/2014/main" xmlns="" id="{415B3628-62D7-4A6D-A79F-34DE91DBA31E}"/>
               </a:ext>
             </a:extLst>
           </p:cNvPr>
@@ -1184,7 +1188,7 @@
           <p:cNvPr id="3" name="Subtitle 2">
             <a:extLst>
               <a:ext uri="{FF2B5EF4-FFF2-40B4-BE49-F238E27FC236}">
-                <a16:creationId xmlns:a16="http://schemas.microsoft.com/office/drawing/2014/main" id="{55457758-A125-4CEA-A3D5-CBD010417BD2}"/>
+                <a16:creationId xmlns:a16="http://schemas.microsoft.com/office/drawing/2014/main" xmlns="" id="{55457758-A125-4CEA-A3D5-CBD010417BD2}"/>
               </a:ext>
             </a:extLst>
           </p:cNvPr>
@@ -1257,7 +1261,7 @@
           <p:cNvPr id="8" name="Graphic 7">
             <a:extLst>
               <a:ext uri="{FF2B5EF4-FFF2-40B4-BE49-F238E27FC236}">
-                <a16:creationId xmlns:a16="http://schemas.microsoft.com/office/drawing/2014/main" id="{A04F1E16-9A84-4D0E-9706-79C396AF6AE6}"/>
+                <a16:creationId xmlns:a16="http://schemas.microsoft.com/office/drawing/2014/main" xmlns="" id="{A04F1E16-9A84-4D0E-9706-79C396AF6AE6}"/>
               </a:ext>
             </a:extLst>
           </p:cNvPr>
@@ -1270,7 +1274,7 @@
           <a:blip r:embed="rId2">
             <a:extLst>
               <a:ext uri="{96DAC541-7B7A-43D3-8B79-37D633B846F1}">
-                <asvg:svgBlip xmlns:asvg="http://schemas.microsoft.com/office/drawing/2016/SVG/main" r:embed="rId3"/>
+                <asvg:svgBlip xmlns:asvg="http://schemas.microsoft.com/office/drawing/2016/SVG/main" xmlns="" r:embed="rId3"/>
               </a:ext>
             </a:extLst>
           </a:blip>
@@ -1290,7 +1294,7 @@
     </p:spTree>
     <p:extLst>
       <p:ext uri="{BB962C8B-B14F-4D97-AF65-F5344CB8AC3E}">
-        <p14:creationId xmlns:p14="http://schemas.microsoft.com/office/powerpoint/2010/main" val="1776826555"/>
+        <p14:creationId xmlns:p14="http://schemas.microsoft.com/office/powerpoint/2010/main" xmlns="" val="1776826555"/>
       </p:ext>
     </p:extLst>
   </p:cSld>
@@ -1327,10 +1331,10 @@
           <p:cNvPr id="6" name="Group 5">
             <a:extLst>
               <a:ext uri="{FF2B5EF4-FFF2-40B4-BE49-F238E27FC236}">
-                <a16:creationId xmlns:a16="http://schemas.microsoft.com/office/drawing/2014/main" id="{E786F69D-D4FA-4075-A7EC-8D31A184F630}"/>
+                <a16:creationId xmlns:a16="http://schemas.microsoft.com/office/drawing/2014/main" xmlns="" id="{E786F69D-D4FA-4075-A7EC-8D31A184F630}"/>
               </a:ext>
               <a:ext uri="{C183D7F6-B498-43B3-948B-1728B52AA6E4}">
-                <adec:decorative xmlns:adec="http://schemas.microsoft.com/office/drawing/2017/decorative" val="1"/>
+                <adec:decorative xmlns:adec="http://schemas.microsoft.com/office/drawing/2017/decorative" xmlns="" val="1"/>
               </a:ext>
             </a:extLst>
           </p:cNvPr>
@@ -1350,7 +1354,7 @@
             <p:cNvPr id="10" name="Straight Connector 9">
               <a:extLst>
                 <a:ext uri="{FF2B5EF4-FFF2-40B4-BE49-F238E27FC236}">
-                  <a16:creationId xmlns:a16="http://schemas.microsoft.com/office/drawing/2014/main" id="{66988B2D-0240-4256-8268-4B9FF1E72363}"/>
+                  <a16:creationId xmlns:a16="http://schemas.microsoft.com/office/drawing/2014/main" xmlns="" id="{66988B2D-0240-4256-8268-4B9FF1E72363}"/>
                 </a:ext>
               </a:extLst>
             </p:cNvPr>
@@ -1393,7 +1397,7 @@
             <p:cNvPr id="12" name="Straight Connector 11">
               <a:extLst>
                 <a:ext uri="{FF2B5EF4-FFF2-40B4-BE49-F238E27FC236}">
-                  <a16:creationId xmlns:a16="http://schemas.microsoft.com/office/drawing/2014/main" id="{D8EEAAE1-3D04-41C3-B2D2-B3BEF34C3B27}"/>
+                  <a16:creationId xmlns:a16="http://schemas.microsoft.com/office/drawing/2014/main" xmlns="" id="{D8EEAAE1-3D04-41C3-B2D2-B3BEF34C3B27}"/>
                 </a:ext>
               </a:extLst>
             </p:cNvPr>
@@ -1437,7 +1441,7 @@
           <p:cNvPr id="2" name="Title 1">
             <a:extLst>
               <a:ext uri="{FF2B5EF4-FFF2-40B4-BE49-F238E27FC236}">
-                <a16:creationId xmlns:a16="http://schemas.microsoft.com/office/drawing/2014/main" id="{EE5C4E19-B78B-4E39-B661-7E6A2E6C5002}"/>
+                <a16:creationId xmlns:a16="http://schemas.microsoft.com/office/drawing/2014/main" xmlns="" id="{EE5C4E19-B78B-4E39-B661-7E6A2E6C5002}"/>
               </a:ext>
             </a:extLst>
           </p:cNvPr>
@@ -1478,7 +1482,7 @@
           <p:cNvPr id="7" name="SmartArt Placeholder 6">
             <a:extLst>
               <a:ext uri="{FF2B5EF4-FFF2-40B4-BE49-F238E27FC236}">
-                <a16:creationId xmlns:a16="http://schemas.microsoft.com/office/drawing/2014/main" id="{156CA116-0F6E-4EE9-B34F-03BA07161A7A}"/>
+                <a16:creationId xmlns:a16="http://schemas.microsoft.com/office/drawing/2014/main" xmlns="" id="{156CA116-0F6E-4EE9-B34F-03BA07161A7A}"/>
               </a:ext>
             </a:extLst>
           </p:cNvPr>
@@ -1512,7 +1516,7 @@
           <p:cNvPr id="3" name="Date Placeholder 2">
             <a:extLst>
               <a:ext uri="{FF2B5EF4-FFF2-40B4-BE49-F238E27FC236}">
-                <a16:creationId xmlns:a16="http://schemas.microsoft.com/office/drawing/2014/main" id="{7E085D26-FA83-4414-959E-98936A772670}"/>
+                <a16:creationId xmlns:a16="http://schemas.microsoft.com/office/drawing/2014/main" xmlns="" id="{7E085D26-FA83-4414-959E-98936A772670}"/>
               </a:ext>
             </a:extLst>
           </p:cNvPr>
@@ -1544,7 +1548,7 @@
           <p:cNvPr id="4" name="Footer Placeholder 3">
             <a:extLst>
               <a:ext uri="{FF2B5EF4-FFF2-40B4-BE49-F238E27FC236}">
-                <a16:creationId xmlns:a16="http://schemas.microsoft.com/office/drawing/2014/main" id="{1FB52E93-DE4C-4341-8D83-F0230E38B1A1}"/>
+                <a16:creationId xmlns:a16="http://schemas.microsoft.com/office/drawing/2014/main" xmlns="" id="{1FB52E93-DE4C-4341-8D83-F0230E38B1A1}"/>
               </a:ext>
             </a:extLst>
           </p:cNvPr>
@@ -1576,7 +1580,7 @@
           <p:cNvPr id="5" name="Slide Number Placeholder 4">
             <a:extLst>
               <a:ext uri="{FF2B5EF4-FFF2-40B4-BE49-F238E27FC236}">
-                <a16:creationId xmlns:a16="http://schemas.microsoft.com/office/drawing/2014/main" id="{AC467230-4A0F-4B18-8BA9-C3B2FDD59CB0}"/>
+                <a16:creationId xmlns:a16="http://schemas.microsoft.com/office/drawing/2014/main" xmlns="" id="{AC467230-4A0F-4B18-8BA9-C3B2FDD59CB0}"/>
               </a:ext>
             </a:extLst>
           </p:cNvPr>
@@ -1608,7 +1612,7 @@
     </p:spTree>
     <p:extLst>
       <p:ext uri="{BB962C8B-B14F-4D97-AF65-F5344CB8AC3E}">
-        <p14:creationId xmlns:p14="http://schemas.microsoft.com/office/powerpoint/2010/main" val="268311559"/>
+        <p14:creationId xmlns:p14="http://schemas.microsoft.com/office/powerpoint/2010/main" xmlns="" val="268311559"/>
       </p:ext>
     </p:extLst>
   </p:cSld>
@@ -1640,10 +1644,10 @@
           <p:cNvPr id="12" name="Graphic 10">
             <a:extLst>
               <a:ext uri="{FF2B5EF4-FFF2-40B4-BE49-F238E27FC236}">
-                <a16:creationId xmlns:a16="http://schemas.microsoft.com/office/drawing/2014/main" id="{9D2AF524-D4B4-4A3A-9CE4-EDAFE1D5A37B}"/>
+                <a16:creationId xmlns:a16="http://schemas.microsoft.com/office/drawing/2014/main" xmlns="" id="{9D2AF524-D4B4-4A3A-9CE4-EDAFE1D5A37B}"/>
               </a:ext>
               <a:ext uri="{C183D7F6-B498-43B3-948B-1728B52AA6E4}">
-                <adec:decorative xmlns:adec="http://schemas.microsoft.com/office/drawing/2017/decorative" val="1"/>
+                <adec:decorative xmlns:adec="http://schemas.microsoft.com/office/drawing/2017/decorative" xmlns="" val="1"/>
               </a:ext>
             </a:extLst>
           </p:cNvPr>
@@ -1723,7 +1727,7 @@
           <p:cNvPr id="2" name="Title 1">
             <a:extLst>
               <a:ext uri="{FF2B5EF4-FFF2-40B4-BE49-F238E27FC236}">
-                <a16:creationId xmlns:a16="http://schemas.microsoft.com/office/drawing/2014/main" id="{6E3987A5-99A6-4B33-BAAF-53159635382E}"/>
+                <a16:creationId xmlns:a16="http://schemas.microsoft.com/office/drawing/2014/main" xmlns="" id="{6E3987A5-99A6-4B33-BAAF-53159635382E}"/>
               </a:ext>
             </a:extLst>
           </p:cNvPr>
@@ -1769,7 +1773,7 @@
           <p:cNvPr id="16" name="Text Placeholder 15">
             <a:extLst>
               <a:ext uri="{FF2B5EF4-FFF2-40B4-BE49-F238E27FC236}">
-                <a16:creationId xmlns:a16="http://schemas.microsoft.com/office/drawing/2014/main" id="{3BABF6CA-407C-4BF0-8234-1321A676E756}"/>
+                <a16:creationId xmlns:a16="http://schemas.microsoft.com/office/drawing/2014/main" xmlns="" id="{3BABF6CA-407C-4BF0-8234-1321A676E756}"/>
               </a:ext>
             </a:extLst>
           </p:cNvPr>
@@ -1810,7 +1814,7 @@
           <p:cNvPr id="17" name="Text Placeholder 15">
             <a:extLst>
               <a:ext uri="{FF2B5EF4-FFF2-40B4-BE49-F238E27FC236}">
-                <a16:creationId xmlns:a16="http://schemas.microsoft.com/office/drawing/2014/main" id="{76D8129B-5B68-421C-968C-3663C86EFC7C}"/>
+                <a16:creationId xmlns:a16="http://schemas.microsoft.com/office/drawing/2014/main" xmlns="" id="{76D8129B-5B68-421C-968C-3663C86EFC7C}"/>
               </a:ext>
             </a:extLst>
           </p:cNvPr>
@@ -1851,7 +1855,7 @@
           <p:cNvPr id="18" name="Text Placeholder 15">
             <a:extLst>
               <a:ext uri="{FF2B5EF4-FFF2-40B4-BE49-F238E27FC236}">
-                <a16:creationId xmlns:a16="http://schemas.microsoft.com/office/drawing/2014/main" id="{6C741DCA-8EBD-44F5-9D38-E938A628ADCD}"/>
+                <a16:creationId xmlns:a16="http://schemas.microsoft.com/office/drawing/2014/main" xmlns="" id="{6C741DCA-8EBD-44F5-9D38-E938A628ADCD}"/>
               </a:ext>
             </a:extLst>
           </p:cNvPr>
@@ -1892,7 +1896,7 @@
           <p:cNvPr id="19" name="Text Placeholder 15">
             <a:extLst>
               <a:ext uri="{FF2B5EF4-FFF2-40B4-BE49-F238E27FC236}">
-                <a16:creationId xmlns:a16="http://schemas.microsoft.com/office/drawing/2014/main" id="{5C43C6B1-A1BD-4A90-8B4B-F361C1BEDD26}"/>
+                <a16:creationId xmlns:a16="http://schemas.microsoft.com/office/drawing/2014/main" xmlns="" id="{5C43C6B1-A1BD-4A90-8B4B-F361C1BEDD26}"/>
               </a:ext>
             </a:extLst>
           </p:cNvPr>
@@ -1933,7 +1937,7 @@
           <p:cNvPr id="34" name="Text Placeholder 15">
             <a:extLst>
               <a:ext uri="{FF2B5EF4-FFF2-40B4-BE49-F238E27FC236}">
-                <a16:creationId xmlns:a16="http://schemas.microsoft.com/office/drawing/2014/main" id="{0C66E1BD-33F0-4B94-BF94-CD4698F85C3D}"/>
+                <a16:creationId xmlns:a16="http://schemas.microsoft.com/office/drawing/2014/main" xmlns="" id="{0C66E1BD-33F0-4B94-BF94-CD4698F85C3D}"/>
               </a:ext>
             </a:extLst>
           </p:cNvPr>
@@ -1977,7 +1981,7 @@
           <p:cNvPr id="35" name="Text Placeholder 15">
             <a:extLst>
               <a:ext uri="{FF2B5EF4-FFF2-40B4-BE49-F238E27FC236}">
-                <a16:creationId xmlns:a16="http://schemas.microsoft.com/office/drawing/2014/main" id="{2D4661B1-6559-407A-9AEC-A46A0570AE8F}"/>
+                <a16:creationId xmlns:a16="http://schemas.microsoft.com/office/drawing/2014/main" xmlns="" id="{2D4661B1-6559-407A-9AEC-A46A0570AE8F}"/>
               </a:ext>
             </a:extLst>
           </p:cNvPr>
@@ -2021,7 +2025,7 @@
           <p:cNvPr id="36" name="Text Placeholder 15">
             <a:extLst>
               <a:ext uri="{FF2B5EF4-FFF2-40B4-BE49-F238E27FC236}">
-                <a16:creationId xmlns:a16="http://schemas.microsoft.com/office/drawing/2014/main" id="{DCC983F7-6A25-42C0-811C-EA32138C5B80}"/>
+                <a16:creationId xmlns:a16="http://schemas.microsoft.com/office/drawing/2014/main" xmlns="" id="{DCC983F7-6A25-42C0-811C-EA32138C5B80}"/>
               </a:ext>
             </a:extLst>
           </p:cNvPr>
@@ -2065,7 +2069,7 @@
           <p:cNvPr id="37" name="Text Placeholder 15">
             <a:extLst>
               <a:ext uri="{FF2B5EF4-FFF2-40B4-BE49-F238E27FC236}">
-                <a16:creationId xmlns:a16="http://schemas.microsoft.com/office/drawing/2014/main" id="{E83DA0EB-27DD-416A-8DA5-4AFDC8587E5C}"/>
+                <a16:creationId xmlns:a16="http://schemas.microsoft.com/office/drawing/2014/main" xmlns="" id="{E83DA0EB-27DD-416A-8DA5-4AFDC8587E5C}"/>
               </a:ext>
             </a:extLst>
           </p:cNvPr>
@@ -2109,7 +2113,7 @@
           <p:cNvPr id="5" name="Date Placeholder 4">
             <a:extLst>
               <a:ext uri="{FF2B5EF4-FFF2-40B4-BE49-F238E27FC236}">
-                <a16:creationId xmlns:a16="http://schemas.microsoft.com/office/drawing/2014/main" id="{874DC36F-5D3E-439D-80B5-32633FC34434}"/>
+                <a16:creationId xmlns:a16="http://schemas.microsoft.com/office/drawing/2014/main" xmlns="" id="{874DC36F-5D3E-439D-80B5-32633FC34434}"/>
               </a:ext>
             </a:extLst>
           </p:cNvPr>
@@ -2145,7 +2149,7 @@
           <p:cNvPr id="6" name="Footer Placeholder 5">
             <a:extLst>
               <a:ext uri="{FF2B5EF4-FFF2-40B4-BE49-F238E27FC236}">
-                <a16:creationId xmlns:a16="http://schemas.microsoft.com/office/drawing/2014/main" id="{6C710A8A-CEC9-4787-A745-C28DD965F7DD}"/>
+                <a16:creationId xmlns:a16="http://schemas.microsoft.com/office/drawing/2014/main" xmlns="" id="{6C710A8A-CEC9-4787-A745-C28DD965F7DD}"/>
               </a:ext>
             </a:extLst>
           </p:cNvPr>
@@ -2182,7 +2186,7 @@
           <p:cNvPr id="7" name="Slide Number Placeholder 6">
             <a:extLst>
               <a:ext uri="{FF2B5EF4-FFF2-40B4-BE49-F238E27FC236}">
-                <a16:creationId xmlns:a16="http://schemas.microsoft.com/office/drawing/2014/main" id="{4162BD04-8F01-472A-9456-4702A2218BB5}"/>
+                <a16:creationId xmlns:a16="http://schemas.microsoft.com/office/drawing/2014/main" xmlns="" id="{4162BD04-8F01-472A-9456-4702A2218BB5}"/>
               </a:ext>
             </a:extLst>
           </p:cNvPr>
@@ -2221,10 +2225,10 @@
           <p:cNvPr id="3" name="Straight Connector 2">
             <a:extLst>
               <a:ext uri="{FF2B5EF4-FFF2-40B4-BE49-F238E27FC236}">
-                <a16:creationId xmlns:a16="http://schemas.microsoft.com/office/drawing/2014/main" id="{D3795F91-C721-4363-956D-756673AE7957}"/>
+                <a16:creationId xmlns:a16="http://schemas.microsoft.com/office/drawing/2014/main" xmlns="" id="{D3795F91-C721-4363-956D-756673AE7957}"/>
               </a:ext>
               <a:ext uri="{C183D7F6-B498-43B3-948B-1728B52AA6E4}">
-                <adec:decorative xmlns:adec="http://schemas.microsoft.com/office/drawing/2017/decorative" val="1"/>
+                <adec:decorative xmlns:adec="http://schemas.microsoft.com/office/drawing/2017/decorative" xmlns="" val="1"/>
               </a:ext>
             </a:extLst>
           </p:cNvPr>
@@ -2267,10 +2271,10 @@
           <p:cNvPr id="4" name="Straight Connector 3">
             <a:extLst>
               <a:ext uri="{FF2B5EF4-FFF2-40B4-BE49-F238E27FC236}">
-                <a16:creationId xmlns:a16="http://schemas.microsoft.com/office/drawing/2014/main" id="{8AC14461-E27D-413D-B31A-47B74646AF25}"/>
+                <a16:creationId xmlns:a16="http://schemas.microsoft.com/office/drawing/2014/main" xmlns="" id="{8AC14461-E27D-413D-B31A-47B74646AF25}"/>
               </a:ext>
               <a:ext uri="{C183D7F6-B498-43B3-948B-1728B52AA6E4}">
-                <adec:decorative xmlns:adec="http://schemas.microsoft.com/office/drawing/2017/decorative" val="1"/>
+                <adec:decorative xmlns:adec="http://schemas.microsoft.com/office/drawing/2017/decorative" xmlns="" val="1"/>
               </a:ext>
             </a:extLst>
           </p:cNvPr>
@@ -2313,10 +2317,10 @@
           <p:cNvPr id="8" name="Straight Connector 7">
             <a:extLst>
               <a:ext uri="{FF2B5EF4-FFF2-40B4-BE49-F238E27FC236}">
-                <a16:creationId xmlns:a16="http://schemas.microsoft.com/office/drawing/2014/main" id="{4D6AEA4C-7710-4829-BA87-8DD77F15932C}"/>
+                <a16:creationId xmlns:a16="http://schemas.microsoft.com/office/drawing/2014/main" xmlns="" id="{4D6AEA4C-7710-4829-BA87-8DD77F15932C}"/>
               </a:ext>
               <a:ext uri="{C183D7F6-B498-43B3-948B-1728B52AA6E4}">
-                <adec:decorative xmlns:adec="http://schemas.microsoft.com/office/drawing/2017/decorative" val="1"/>
+                <adec:decorative xmlns:adec="http://schemas.microsoft.com/office/drawing/2017/decorative" xmlns="" val="1"/>
               </a:ext>
             </a:extLst>
           </p:cNvPr>
@@ -2359,10 +2363,10 @@
           <p:cNvPr id="9" name="Straight Connector 8">
             <a:extLst>
               <a:ext uri="{FF2B5EF4-FFF2-40B4-BE49-F238E27FC236}">
-                <a16:creationId xmlns:a16="http://schemas.microsoft.com/office/drawing/2014/main" id="{E9BD473E-6203-491C-87AC-54AC0AB23333}"/>
+                <a16:creationId xmlns:a16="http://schemas.microsoft.com/office/drawing/2014/main" xmlns="" id="{E9BD473E-6203-491C-87AC-54AC0AB23333}"/>
               </a:ext>
               <a:ext uri="{C183D7F6-B498-43B3-948B-1728B52AA6E4}">
-                <adec:decorative xmlns:adec="http://schemas.microsoft.com/office/drawing/2017/decorative" val="1"/>
+                <adec:decorative xmlns:adec="http://schemas.microsoft.com/office/drawing/2017/decorative" xmlns="" val="1"/>
               </a:ext>
             </a:extLst>
           </p:cNvPr>
@@ -2403,7 +2407,7 @@
     </p:spTree>
     <p:extLst>
       <p:ext uri="{BB962C8B-B14F-4D97-AF65-F5344CB8AC3E}">
-        <p14:creationId xmlns:p14="http://schemas.microsoft.com/office/powerpoint/2010/main" val="1165259451"/>
+        <p14:creationId xmlns:p14="http://schemas.microsoft.com/office/powerpoint/2010/main" xmlns="" val="1165259451"/>
       </p:ext>
     </p:extLst>
   </p:cSld>
@@ -2443,7 +2447,7 @@
           <p:cNvPr id="2" name="Title 1">
             <a:extLst>
               <a:ext uri="{FF2B5EF4-FFF2-40B4-BE49-F238E27FC236}">
-                <a16:creationId xmlns:a16="http://schemas.microsoft.com/office/drawing/2014/main" id="{81CF3B5C-31C4-46BA-9FAD-72DF917A84DA}"/>
+                <a16:creationId xmlns:a16="http://schemas.microsoft.com/office/drawing/2014/main" xmlns="" id="{81CF3B5C-31C4-46BA-9FAD-72DF917A84DA}"/>
               </a:ext>
             </a:extLst>
           </p:cNvPr>
@@ -2489,7 +2493,7 @@
           <p:cNvPr id="3" name="Text Placeholder 2">
             <a:extLst>
               <a:ext uri="{FF2B5EF4-FFF2-40B4-BE49-F238E27FC236}">
-                <a16:creationId xmlns:a16="http://schemas.microsoft.com/office/drawing/2014/main" id="{B659CD1F-9DFB-4048-9B9B-2BD7D4EC6400}"/>
+                <a16:creationId xmlns:a16="http://schemas.microsoft.com/office/drawing/2014/main" xmlns="" id="{B659CD1F-9DFB-4048-9B9B-2BD7D4EC6400}"/>
               </a:ext>
             </a:extLst>
           </p:cNvPr>
@@ -2569,7 +2573,7 @@
           <p:cNvPr id="4" name="Content Placeholder 3">
             <a:extLst>
               <a:ext uri="{FF2B5EF4-FFF2-40B4-BE49-F238E27FC236}">
-                <a16:creationId xmlns:a16="http://schemas.microsoft.com/office/drawing/2014/main" id="{AC9B20CF-6B91-4562-B799-0ABDAEBC0D2A}"/>
+                <a16:creationId xmlns:a16="http://schemas.microsoft.com/office/drawing/2014/main" xmlns="" id="{AC9B20CF-6B91-4562-B799-0ABDAEBC0D2A}"/>
               </a:ext>
             </a:extLst>
           </p:cNvPr>
@@ -2669,7 +2673,7 @@
           <p:cNvPr id="5" name="Text Placeholder 4">
             <a:extLst>
               <a:ext uri="{FF2B5EF4-FFF2-40B4-BE49-F238E27FC236}">
-                <a16:creationId xmlns:a16="http://schemas.microsoft.com/office/drawing/2014/main" id="{B374FC39-67F6-42EA-BCD1-F69AE2F0F22D}"/>
+                <a16:creationId xmlns:a16="http://schemas.microsoft.com/office/drawing/2014/main" xmlns="" id="{B374FC39-67F6-42EA-BCD1-F69AE2F0F22D}"/>
               </a:ext>
             </a:extLst>
           </p:cNvPr>
@@ -2758,7 +2762,7 @@
           <p:cNvPr id="6" name="Content Placeholder 5">
             <a:extLst>
               <a:ext uri="{FF2B5EF4-FFF2-40B4-BE49-F238E27FC236}">
-                <a16:creationId xmlns:a16="http://schemas.microsoft.com/office/drawing/2014/main" id="{B36EE64B-44BF-4634-97BC-5ED74C6DF280}"/>
+                <a16:creationId xmlns:a16="http://schemas.microsoft.com/office/drawing/2014/main" xmlns="" id="{B36EE64B-44BF-4634-97BC-5ED74C6DF280}"/>
               </a:ext>
             </a:extLst>
           </p:cNvPr>
@@ -2858,7 +2862,7 @@
           <p:cNvPr id="7" name="Date Placeholder 6">
             <a:extLst>
               <a:ext uri="{FF2B5EF4-FFF2-40B4-BE49-F238E27FC236}">
-                <a16:creationId xmlns:a16="http://schemas.microsoft.com/office/drawing/2014/main" id="{F255C16C-AA88-4BBF-8040-11ECFED618E0}"/>
+                <a16:creationId xmlns:a16="http://schemas.microsoft.com/office/drawing/2014/main" xmlns="" id="{F255C16C-AA88-4BBF-8040-11ECFED618E0}"/>
               </a:ext>
             </a:extLst>
           </p:cNvPr>
@@ -2890,7 +2894,7 @@
           <p:cNvPr id="8" name="Footer Placeholder 7">
             <a:extLst>
               <a:ext uri="{FF2B5EF4-FFF2-40B4-BE49-F238E27FC236}">
-                <a16:creationId xmlns:a16="http://schemas.microsoft.com/office/drawing/2014/main" id="{CBE560E3-F935-488F-8F0E-191D7B6B54B8}"/>
+                <a16:creationId xmlns:a16="http://schemas.microsoft.com/office/drawing/2014/main" xmlns="" id="{CBE560E3-F935-488F-8F0E-191D7B6B54B8}"/>
               </a:ext>
             </a:extLst>
           </p:cNvPr>
@@ -2922,7 +2926,7 @@
           <p:cNvPr id="9" name="Slide Number Placeholder 8">
             <a:extLst>
               <a:ext uri="{FF2B5EF4-FFF2-40B4-BE49-F238E27FC236}">
-                <a16:creationId xmlns:a16="http://schemas.microsoft.com/office/drawing/2014/main" id="{9B9CD8B2-CC23-467F-B0EE-2CC06D6308BD}"/>
+                <a16:creationId xmlns:a16="http://schemas.microsoft.com/office/drawing/2014/main" xmlns="" id="{9B9CD8B2-CC23-467F-B0EE-2CC06D6308BD}"/>
               </a:ext>
             </a:extLst>
           </p:cNvPr>
@@ -2956,7 +2960,7 @@
           <p:cNvPr id="11" name="Graphic 10">
             <a:extLst>
               <a:ext uri="{FF2B5EF4-FFF2-40B4-BE49-F238E27FC236}">
-                <a16:creationId xmlns:a16="http://schemas.microsoft.com/office/drawing/2014/main" id="{EE24E1DB-1F20-4C28-8069-D9219D1F8BBD}"/>
+                <a16:creationId xmlns:a16="http://schemas.microsoft.com/office/drawing/2014/main" xmlns="" id="{EE24E1DB-1F20-4C28-8069-D9219D1F8BBD}"/>
               </a:ext>
             </a:extLst>
           </p:cNvPr>
@@ -2969,7 +2973,7 @@
           <a:blip r:embed="rId2">
             <a:extLst>
               <a:ext uri="{96DAC541-7B7A-43D3-8B79-37D633B846F1}">
-                <asvg:svgBlip xmlns:asvg="http://schemas.microsoft.com/office/drawing/2016/SVG/main" r:embed="rId3"/>
+                <asvg:svgBlip xmlns:asvg="http://schemas.microsoft.com/office/drawing/2016/SVG/main" xmlns="" r:embed="rId3"/>
               </a:ext>
             </a:extLst>
           </a:blip>
@@ -2989,7 +2993,7 @@
     </p:spTree>
     <p:extLst>
       <p:ext uri="{BB962C8B-B14F-4D97-AF65-F5344CB8AC3E}">
-        <p14:creationId xmlns:p14="http://schemas.microsoft.com/office/powerpoint/2010/main" val="2432451945"/>
+        <p14:creationId xmlns:p14="http://schemas.microsoft.com/office/powerpoint/2010/main" xmlns="" val="2432451945"/>
       </p:ext>
     </p:extLst>
   </p:cSld>
@@ -3026,7 +3030,7 @@
           <p:cNvPr id="2" name="Title 1">
             <a:extLst>
               <a:ext uri="{FF2B5EF4-FFF2-40B4-BE49-F238E27FC236}">
-                <a16:creationId xmlns:a16="http://schemas.microsoft.com/office/drawing/2014/main" id="{81CF3B5C-31C4-46BA-9FAD-72DF917A84DA}"/>
+                <a16:creationId xmlns:a16="http://schemas.microsoft.com/office/drawing/2014/main" xmlns="" id="{81CF3B5C-31C4-46BA-9FAD-72DF917A84DA}"/>
               </a:ext>
             </a:extLst>
           </p:cNvPr>
@@ -3072,7 +3076,7 @@
           <p:cNvPr id="3" name="Text Placeholder 2">
             <a:extLst>
               <a:ext uri="{FF2B5EF4-FFF2-40B4-BE49-F238E27FC236}">
-                <a16:creationId xmlns:a16="http://schemas.microsoft.com/office/drawing/2014/main" id="{B659CD1F-9DFB-4048-9B9B-2BD7D4EC6400}"/>
+                <a16:creationId xmlns:a16="http://schemas.microsoft.com/office/drawing/2014/main" xmlns="" id="{B659CD1F-9DFB-4048-9B9B-2BD7D4EC6400}"/>
               </a:ext>
             </a:extLst>
           </p:cNvPr>
@@ -3152,7 +3156,7 @@
           <p:cNvPr id="4" name="Content Placeholder 3">
             <a:extLst>
               <a:ext uri="{FF2B5EF4-FFF2-40B4-BE49-F238E27FC236}">
-                <a16:creationId xmlns:a16="http://schemas.microsoft.com/office/drawing/2014/main" id="{AC9B20CF-6B91-4562-B799-0ABDAEBC0D2A}"/>
+                <a16:creationId xmlns:a16="http://schemas.microsoft.com/office/drawing/2014/main" xmlns="" id="{AC9B20CF-6B91-4562-B799-0ABDAEBC0D2A}"/>
               </a:ext>
             </a:extLst>
           </p:cNvPr>
@@ -3252,7 +3256,7 @@
           <p:cNvPr id="5" name="Text Placeholder 4">
             <a:extLst>
               <a:ext uri="{FF2B5EF4-FFF2-40B4-BE49-F238E27FC236}">
-                <a16:creationId xmlns:a16="http://schemas.microsoft.com/office/drawing/2014/main" id="{B374FC39-67F6-42EA-BCD1-F69AE2F0F22D}"/>
+                <a16:creationId xmlns:a16="http://schemas.microsoft.com/office/drawing/2014/main" xmlns="" id="{B374FC39-67F6-42EA-BCD1-F69AE2F0F22D}"/>
               </a:ext>
             </a:extLst>
           </p:cNvPr>
@@ -3341,7 +3345,7 @@
           <p:cNvPr id="6" name="Content Placeholder 5">
             <a:extLst>
               <a:ext uri="{FF2B5EF4-FFF2-40B4-BE49-F238E27FC236}">
-                <a16:creationId xmlns:a16="http://schemas.microsoft.com/office/drawing/2014/main" id="{B36EE64B-44BF-4634-97BC-5ED74C6DF280}"/>
+                <a16:creationId xmlns:a16="http://schemas.microsoft.com/office/drawing/2014/main" xmlns="" id="{B36EE64B-44BF-4634-97BC-5ED74C6DF280}"/>
               </a:ext>
             </a:extLst>
           </p:cNvPr>
@@ -3442,7 +3446,7 @@
           <p:cNvPr id="21" name="Text Placeholder 2">
             <a:extLst>
               <a:ext uri="{FF2B5EF4-FFF2-40B4-BE49-F238E27FC236}">
-                <a16:creationId xmlns:a16="http://schemas.microsoft.com/office/drawing/2014/main" id="{1F60A771-8BBC-4565-AB09-402DA7CB2780}"/>
+                <a16:creationId xmlns:a16="http://schemas.microsoft.com/office/drawing/2014/main" xmlns="" id="{1F60A771-8BBC-4565-AB09-402DA7CB2780}"/>
               </a:ext>
             </a:extLst>
           </p:cNvPr>
@@ -3522,7 +3526,7 @@
           <p:cNvPr id="22" name="Content Placeholder 3">
             <a:extLst>
               <a:ext uri="{FF2B5EF4-FFF2-40B4-BE49-F238E27FC236}">
-                <a16:creationId xmlns:a16="http://schemas.microsoft.com/office/drawing/2014/main" id="{C464A9BD-B815-4632-8F54-6EB70E48BAFF}"/>
+                <a16:creationId xmlns:a16="http://schemas.microsoft.com/office/drawing/2014/main" xmlns="" id="{C464A9BD-B815-4632-8F54-6EB70E48BAFF}"/>
               </a:ext>
             </a:extLst>
           </p:cNvPr>
@@ -3622,7 +3626,7 @@
           <p:cNvPr id="7" name="Date Placeholder 6">
             <a:extLst>
               <a:ext uri="{FF2B5EF4-FFF2-40B4-BE49-F238E27FC236}">
-                <a16:creationId xmlns:a16="http://schemas.microsoft.com/office/drawing/2014/main" id="{F255C16C-AA88-4BBF-8040-11ECFED618E0}"/>
+                <a16:creationId xmlns:a16="http://schemas.microsoft.com/office/drawing/2014/main" xmlns="" id="{F255C16C-AA88-4BBF-8040-11ECFED618E0}"/>
               </a:ext>
             </a:extLst>
           </p:cNvPr>
@@ -3654,7 +3658,7 @@
           <p:cNvPr id="8" name="Footer Placeholder 7">
             <a:extLst>
               <a:ext uri="{FF2B5EF4-FFF2-40B4-BE49-F238E27FC236}">
-                <a16:creationId xmlns:a16="http://schemas.microsoft.com/office/drawing/2014/main" id="{CBE560E3-F935-488F-8F0E-191D7B6B54B8}"/>
+                <a16:creationId xmlns:a16="http://schemas.microsoft.com/office/drawing/2014/main" xmlns="" id="{CBE560E3-F935-488F-8F0E-191D7B6B54B8}"/>
               </a:ext>
             </a:extLst>
           </p:cNvPr>
@@ -3686,7 +3690,7 @@
           <p:cNvPr id="9" name="Slide Number Placeholder 8">
             <a:extLst>
               <a:ext uri="{FF2B5EF4-FFF2-40B4-BE49-F238E27FC236}">
-                <a16:creationId xmlns:a16="http://schemas.microsoft.com/office/drawing/2014/main" id="{9B9CD8B2-CC23-467F-B0EE-2CC06D6308BD}"/>
+                <a16:creationId xmlns:a16="http://schemas.microsoft.com/office/drawing/2014/main" xmlns="" id="{9B9CD8B2-CC23-467F-B0EE-2CC06D6308BD}"/>
               </a:ext>
             </a:extLst>
           </p:cNvPr>
@@ -3720,10 +3724,10 @@
           <p:cNvPr id="10" name="Group 9">
             <a:extLst>
               <a:ext uri="{FF2B5EF4-FFF2-40B4-BE49-F238E27FC236}">
-                <a16:creationId xmlns:a16="http://schemas.microsoft.com/office/drawing/2014/main" id="{B2368EF4-1233-48C7-8DB5-75844BFCD594}"/>
+                <a16:creationId xmlns:a16="http://schemas.microsoft.com/office/drawing/2014/main" xmlns="" id="{B2368EF4-1233-48C7-8DB5-75844BFCD594}"/>
               </a:ext>
               <a:ext uri="{C183D7F6-B498-43B3-948B-1728B52AA6E4}">
-                <adec:decorative xmlns:adec="http://schemas.microsoft.com/office/drawing/2017/decorative" val="1"/>
+                <adec:decorative xmlns:adec="http://schemas.microsoft.com/office/drawing/2017/decorative" xmlns="" val="1"/>
               </a:ext>
             </a:extLst>
           </p:cNvPr>
@@ -3743,7 +3747,7 @@
             <p:cNvPr id="16" name="Straight Connector 15">
               <a:extLst>
                 <a:ext uri="{FF2B5EF4-FFF2-40B4-BE49-F238E27FC236}">
-                  <a16:creationId xmlns:a16="http://schemas.microsoft.com/office/drawing/2014/main" id="{463D7850-C2A6-43CE-BBE4-8E81A0A593BF}"/>
+                  <a16:creationId xmlns:a16="http://schemas.microsoft.com/office/drawing/2014/main" xmlns="" id="{463D7850-C2A6-43CE-BBE4-8E81A0A593BF}"/>
                 </a:ext>
               </a:extLst>
             </p:cNvPr>
@@ -3786,7 +3790,7 @@
             <p:cNvPr id="20" name="Straight Connector 19">
               <a:extLst>
                 <a:ext uri="{FF2B5EF4-FFF2-40B4-BE49-F238E27FC236}">
-                  <a16:creationId xmlns:a16="http://schemas.microsoft.com/office/drawing/2014/main" id="{EBAD3E03-2E3B-440C-9105-6F9D33006D66}"/>
+                  <a16:creationId xmlns:a16="http://schemas.microsoft.com/office/drawing/2014/main" xmlns="" id="{EBAD3E03-2E3B-440C-9105-6F9D33006D66}"/>
                 </a:ext>
               </a:extLst>
             </p:cNvPr>
@@ -3828,7 +3832,7 @@
     </p:spTree>
     <p:extLst>
       <p:ext uri="{BB962C8B-B14F-4D97-AF65-F5344CB8AC3E}">
-        <p14:creationId xmlns:p14="http://schemas.microsoft.com/office/powerpoint/2010/main" val="3118896713"/>
+        <p14:creationId xmlns:p14="http://schemas.microsoft.com/office/powerpoint/2010/main" xmlns="" val="3118896713"/>
       </p:ext>
     </p:extLst>
   </p:cSld>
@@ -3860,7 +3864,7 @@
           <p:cNvPr id="2" name="Title 1">
             <a:extLst>
               <a:ext uri="{FF2B5EF4-FFF2-40B4-BE49-F238E27FC236}">
-                <a16:creationId xmlns:a16="http://schemas.microsoft.com/office/drawing/2014/main" id="{23A3821F-4537-4AE7-8829-C2E3AE60F6E1}"/>
+                <a16:creationId xmlns:a16="http://schemas.microsoft.com/office/drawing/2014/main" xmlns="" id="{23A3821F-4537-4AE7-8829-C2E3AE60F6E1}"/>
               </a:ext>
             </a:extLst>
           </p:cNvPr>
@@ -3906,7 +3910,7 @@
           <p:cNvPr id="3" name="Text Placeholder 2">
             <a:extLst>
               <a:ext uri="{FF2B5EF4-FFF2-40B4-BE49-F238E27FC236}">
-                <a16:creationId xmlns:a16="http://schemas.microsoft.com/office/drawing/2014/main" id="{92FD4279-EA62-4397-878A-73F4948DB176}"/>
+                <a16:creationId xmlns:a16="http://schemas.microsoft.com/office/drawing/2014/main" xmlns="" id="{92FD4279-EA62-4397-878A-73F4948DB176}"/>
               </a:ext>
             </a:extLst>
           </p:cNvPr>
@@ -4034,7 +4038,7 @@
           <p:cNvPr id="4" name="Group 3">
             <a:extLst>
               <a:ext uri="{FF2B5EF4-FFF2-40B4-BE49-F238E27FC236}">
-                <a16:creationId xmlns:a16="http://schemas.microsoft.com/office/drawing/2014/main" id="{D74AA03A-263D-4B5F-B05B-7D6923A9A4D3}"/>
+                <a16:creationId xmlns:a16="http://schemas.microsoft.com/office/drawing/2014/main" xmlns="" id="{D74AA03A-263D-4B5F-B05B-7D6923A9A4D3}"/>
               </a:ext>
             </a:extLst>
           </p:cNvPr>
@@ -4054,7 +4058,7 @@
             <p:cNvPr id="23" name="Straight Connector 22">
               <a:extLst>
                 <a:ext uri="{FF2B5EF4-FFF2-40B4-BE49-F238E27FC236}">
-                  <a16:creationId xmlns:a16="http://schemas.microsoft.com/office/drawing/2014/main" id="{D87F08D6-2CA7-4A5A-BE34-07113DCA535D}"/>
+                  <a16:creationId xmlns:a16="http://schemas.microsoft.com/office/drawing/2014/main" xmlns="" id="{D87F08D6-2CA7-4A5A-BE34-07113DCA535D}"/>
                 </a:ext>
               </a:extLst>
             </p:cNvPr>
@@ -4097,7 +4101,7 @@
             <p:cNvPr id="12" name="Straight Connector 11">
               <a:extLst>
                 <a:ext uri="{FF2B5EF4-FFF2-40B4-BE49-F238E27FC236}">
-                  <a16:creationId xmlns:a16="http://schemas.microsoft.com/office/drawing/2014/main" id="{A768C87F-B9C3-4DFF-8454-F3F52CE4346B}"/>
+                  <a16:creationId xmlns:a16="http://schemas.microsoft.com/office/drawing/2014/main" xmlns="" id="{A768C87F-B9C3-4DFF-8454-F3F52CE4346B}"/>
                 </a:ext>
               </a:extLst>
             </p:cNvPr>
@@ -4141,7 +4145,7 @@
           <p:cNvPr id="21" name="Date Placeholder 6">
             <a:extLst>
               <a:ext uri="{FF2B5EF4-FFF2-40B4-BE49-F238E27FC236}">
-                <a16:creationId xmlns:a16="http://schemas.microsoft.com/office/drawing/2014/main" id="{71F34533-9677-48AF-9374-976825F4BB7E}"/>
+                <a16:creationId xmlns:a16="http://schemas.microsoft.com/office/drawing/2014/main" xmlns="" id="{71F34533-9677-48AF-9374-976825F4BB7E}"/>
               </a:ext>
             </a:extLst>
           </p:cNvPr>
@@ -4178,7 +4182,7 @@
           <p:cNvPr id="22" name="Footer Placeholder 7">
             <a:extLst>
               <a:ext uri="{FF2B5EF4-FFF2-40B4-BE49-F238E27FC236}">
-                <a16:creationId xmlns:a16="http://schemas.microsoft.com/office/drawing/2014/main" id="{4FAB8A26-B99E-4F96-8327-A932A14F2C03}"/>
+                <a16:creationId xmlns:a16="http://schemas.microsoft.com/office/drawing/2014/main" xmlns="" id="{4FAB8A26-B99E-4F96-8327-A932A14F2C03}"/>
               </a:ext>
             </a:extLst>
           </p:cNvPr>
@@ -4215,7 +4219,7 @@
           <p:cNvPr id="24" name="Slide Number Placeholder 8">
             <a:extLst>
               <a:ext uri="{FF2B5EF4-FFF2-40B4-BE49-F238E27FC236}">
-                <a16:creationId xmlns:a16="http://schemas.microsoft.com/office/drawing/2014/main" id="{EB0962D2-BCC3-48AB-A769-2A7327D29191}"/>
+                <a16:creationId xmlns:a16="http://schemas.microsoft.com/office/drawing/2014/main" xmlns="" id="{EB0962D2-BCC3-48AB-A769-2A7327D29191}"/>
               </a:ext>
             </a:extLst>
           </p:cNvPr>
@@ -4252,7 +4256,7 @@
     </p:spTree>
     <p:extLst>
       <p:ext uri="{BB962C8B-B14F-4D97-AF65-F5344CB8AC3E}">
-        <p14:creationId xmlns:p14="http://schemas.microsoft.com/office/powerpoint/2010/main" val="917780591"/>
+        <p14:creationId xmlns:p14="http://schemas.microsoft.com/office/powerpoint/2010/main" xmlns="" val="917780591"/>
       </p:ext>
     </p:extLst>
   </p:cSld>
@@ -4261,7 +4265,7 @@
   </p:clrMapOvr>
   <p:extLst>
     <p:ext uri="{DCECCB84-F9BA-43D5-87BE-67443E8EF086}">
-      <p15:sldGuideLst xmlns:p15="http://schemas.microsoft.com/office/powerpoint/2012/main">
+      <p15:sldGuideLst xmlns:p15="http://schemas.microsoft.com/office/powerpoint/2012/main" xmlns="">
         <p15:guide id="1" pos="3000">
           <p15:clr>
             <a:srgbClr val="FBAE40"/>
@@ -4303,7 +4307,7 @@
           <p:cNvPr id="2" name="Title 1">
             <a:extLst>
               <a:ext uri="{FF2B5EF4-FFF2-40B4-BE49-F238E27FC236}">
-                <a16:creationId xmlns:a16="http://schemas.microsoft.com/office/drawing/2014/main" id="{415B3628-62D7-4A6D-A79F-34DE91DBA31E}"/>
+                <a16:creationId xmlns:a16="http://schemas.microsoft.com/office/drawing/2014/main" xmlns="" id="{415B3628-62D7-4A6D-A79F-34DE91DBA31E}"/>
               </a:ext>
             </a:extLst>
           </p:cNvPr>
@@ -4346,7 +4350,7 @@
           <p:cNvPr id="3" name="Subtitle 2">
             <a:extLst>
               <a:ext uri="{FF2B5EF4-FFF2-40B4-BE49-F238E27FC236}">
-                <a16:creationId xmlns:a16="http://schemas.microsoft.com/office/drawing/2014/main" id="{55457758-A125-4CEA-A3D5-CBD010417BD2}"/>
+                <a16:creationId xmlns:a16="http://schemas.microsoft.com/office/drawing/2014/main" xmlns="" id="{55457758-A125-4CEA-A3D5-CBD010417BD2}"/>
               </a:ext>
             </a:extLst>
           </p:cNvPr>
@@ -4425,7 +4429,7 @@
           <p:cNvPr id="6" name="Graphic 5">
             <a:extLst>
               <a:ext uri="{FF2B5EF4-FFF2-40B4-BE49-F238E27FC236}">
-                <a16:creationId xmlns:a16="http://schemas.microsoft.com/office/drawing/2014/main" id="{ED3361C9-310A-4255-A94E-B77588962DA5}"/>
+                <a16:creationId xmlns:a16="http://schemas.microsoft.com/office/drawing/2014/main" xmlns="" id="{ED3361C9-310A-4255-A94E-B77588962DA5}"/>
               </a:ext>
             </a:extLst>
           </p:cNvPr>
@@ -4438,7 +4442,7 @@
           <a:blip r:embed="rId2">
             <a:extLst>
               <a:ext uri="{96DAC541-7B7A-43D3-8B79-37D633B846F1}">
-                <asvg:svgBlip xmlns:asvg="http://schemas.microsoft.com/office/drawing/2016/SVG/main" r:embed="rId3"/>
+                <asvg:svgBlip xmlns:asvg="http://schemas.microsoft.com/office/drawing/2016/SVG/main" xmlns="" r:embed="rId3"/>
               </a:ext>
             </a:extLst>
           </a:blip>
@@ -4461,7 +4465,7 @@
           <p:cNvPr id="9" name="Date Placeholder 6">
             <a:extLst>
               <a:ext uri="{FF2B5EF4-FFF2-40B4-BE49-F238E27FC236}">
-                <a16:creationId xmlns:a16="http://schemas.microsoft.com/office/drawing/2014/main" id="{BF358517-D7B7-40D0-A9D0-B650C80898AC}"/>
+                <a16:creationId xmlns:a16="http://schemas.microsoft.com/office/drawing/2014/main" xmlns="" id="{BF358517-D7B7-40D0-A9D0-B650C80898AC}"/>
               </a:ext>
             </a:extLst>
           </p:cNvPr>
@@ -4498,7 +4502,7 @@
           <p:cNvPr id="10" name="Footer Placeholder 7">
             <a:extLst>
               <a:ext uri="{FF2B5EF4-FFF2-40B4-BE49-F238E27FC236}">
-                <a16:creationId xmlns:a16="http://schemas.microsoft.com/office/drawing/2014/main" id="{6026D44C-0B39-4DE1-A0FC-5615DDAAE3CE}"/>
+                <a16:creationId xmlns:a16="http://schemas.microsoft.com/office/drawing/2014/main" xmlns="" id="{6026D44C-0B39-4DE1-A0FC-5615DDAAE3CE}"/>
               </a:ext>
             </a:extLst>
           </p:cNvPr>
@@ -4535,7 +4539,7 @@
           <p:cNvPr id="11" name="Slide Number Placeholder 8">
             <a:extLst>
               <a:ext uri="{FF2B5EF4-FFF2-40B4-BE49-F238E27FC236}">
-                <a16:creationId xmlns:a16="http://schemas.microsoft.com/office/drawing/2014/main" id="{0F8222B4-B618-42C4-8BDB-D2E4DF2F22C3}"/>
+                <a16:creationId xmlns:a16="http://schemas.microsoft.com/office/drawing/2014/main" xmlns="" id="{0F8222B4-B618-42C4-8BDB-D2E4DF2F22C3}"/>
               </a:ext>
             </a:extLst>
           </p:cNvPr>
@@ -4572,7 +4576,7 @@
     </p:spTree>
     <p:extLst>
       <p:ext uri="{BB962C8B-B14F-4D97-AF65-F5344CB8AC3E}">
-        <p14:creationId xmlns:p14="http://schemas.microsoft.com/office/powerpoint/2010/main" val="1291140423"/>
+        <p14:creationId xmlns:p14="http://schemas.microsoft.com/office/powerpoint/2010/main" xmlns="" val="1291140423"/>
       </p:ext>
     </p:extLst>
   </p:cSld>
@@ -4612,7 +4616,7 @@
           <p:cNvPr id="8" name="Graphic 7">
             <a:extLst>
               <a:ext uri="{FF2B5EF4-FFF2-40B4-BE49-F238E27FC236}">
-                <a16:creationId xmlns:a16="http://schemas.microsoft.com/office/drawing/2014/main" id="{D514C6BF-376E-43E8-881D-2E767426990A}"/>
+                <a16:creationId xmlns:a16="http://schemas.microsoft.com/office/drawing/2014/main" xmlns="" id="{D514C6BF-376E-43E8-881D-2E767426990A}"/>
               </a:ext>
             </a:extLst>
           </p:cNvPr>
@@ -4625,7 +4629,7 @@
           <a:blip r:embed="rId2">
             <a:extLst>
               <a:ext uri="{96DAC541-7B7A-43D3-8B79-37D633B846F1}">
-                <asvg:svgBlip xmlns:asvg="http://schemas.microsoft.com/office/drawing/2016/SVG/main" r:embed="rId3"/>
+                <asvg:svgBlip xmlns:asvg="http://schemas.microsoft.com/office/drawing/2016/SVG/main" xmlns="" r:embed="rId3"/>
               </a:ext>
             </a:extLst>
           </a:blip>
@@ -4647,7 +4651,7 @@
           <p:cNvPr id="2" name="Title 1">
             <a:extLst>
               <a:ext uri="{FF2B5EF4-FFF2-40B4-BE49-F238E27FC236}">
-                <a16:creationId xmlns:a16="http://schemas.microsoft.com/office/drawing/2014/main" id="{3F0A9B92-C2D0-466A-A680-A35832C452B3}"/>
+                <a16:creationId xmlns:a16="http://schemas.microsoft.com/office/drawing/2014/main" xmlns="" id="{3F0A9B92-C2D0-466A-A680-A35832C452B3}"/>
               </a:ext>
             </a:extLst>
           </p:cNvPr>
@@ -4690,7 +4694,7 @@
           <p:cNvPr id="3" name="Content Placeholder 2">
             <a:extLst>
               <a:ext uri="{FF2B5EF4-FFF2-40B4-BE49-F238E27FC236}">
-                <a16:creationId xmlns:a16="http://schemas.microsoft.com/office/drawing/2014/main" id="{2DA41CE6-5A88-4C5C-B2A4-6A5D2153B16F}"/>
+                <a16:creationId xmlns:a16="http://schemas.microsoft.com/office/drawing/2014/main" xmlns="" id="{2DA41CE6-5A88-4C5C-B2A4-6A5D2153B16F}"/>
               </a:ext>
             </a:extLst>
           </p:cNvPr>
@@ -4810,7 +4814,7 @@
           <p:cNvPr id="4" name="Date Placeholder 3">
             <a:extLst>
               <a:ext uri="{FF2B5EF4-FFF2-40B4-BE49-F238E27FC236}">
-                <a16:creationId xmlns:a16="http://schemas.microsoft.com/office/drawing/2014/main" id="{A39F5093-3C53-4152-B8FE-0522E0795269}"/>
+                <a16:creationId xmlns:a16="http://schemas.microsoft.com/office/drawing/2014/main" xmlns="" id="{A39F5093-3C53-4152-B8FE-0522E0795269}"/>
               </a:ext>
             </a:extLst>
           </p:cNvPr>
@@ -4847,7 +4851,7 @@
           <p:cNvPr id="5" name="Footer Placeholder 4">
             <a:extLst>
               <a:ext uri="{FF2B5EF4-FFF2-40B4-BE49-F238E27FC236}">
-                <a16:creationId xmlns:a16="http://schemas.microsoft.com/office/drawing/2014/main" id="{7727F11D-8AF8-44D6-A48B-D8C7779B8B08}"/>
+                <a16:creationId xmlns:a16="http://schemas.microsoft.com/office/drawing/2014/main" xmlns="" id="{7727F11D-8AF8-44D6-A48B-D8C7779B8B08}"/>
               </a:ext>
             </a:extLst>
           </p:cNvPr>
@@ -4884,7 +4888,7 @@
           <p:cNvPr id="6" name="Slide Number Placeholder 5">
             <a:extLst>
               <a:ext uri="{FF2B5EF4-FFF2-40B4-BE49-F238E27FC236}">
-                <a16:creationId xmlns:a16="http://schemas.microsoft.com/office/drawing/2014/main" id="{658C0879-6B0F-4AF6-A997-EC61DA8964AE}"/>
+                <a16:creationId xmlns:a16="http://schemas.microsoft.com/office/drawing/2014/main" xmlns="" id="{658C0879-6B0F-4AF6-A997-EC61DA8964AE}"/>
               </a:ext>
             </a:extLst>
           </p:cNvPr>
@@ -4921,7 +4925,7 @@
     </p:spTree>
     <p:extLst>
       <p:ext uri="{BB962C8B-B14F-4D97-AF65-F5344CB8AC3E}">
-        <p14:creationId xmlns:p14="http://schemas.microsoft.com/office/powerpoint/2010/main" val="982124936"/>
+        <p14:creationId xmlns:p14="http://schemas.microsoft.com/office/powerpoint/2010/main" xmlns="" val="982124936"/>
       </p:ext>
     </p:extLst>
   </p:cSld>
@@ -4953,7 +4957,7 @@
           <p:cNvPr id="2" name="Title 1">
             <a:extLst>
               <a:ext uri="{FF2B5EF4-FFF2-40B4-BE49-F238E27FC236}">
-                <a16:creationId xmlns:a16="http://schemas.microsoft.com/office/drawing/2014/main" id="{23A3821F-4537-4AE7-8829-C2E3AE60F6E1}"/>
+                <a16:creationId xmlns:a16="http://schemas.microsoft.com/office/drawing/2014/main" xmlns="" id="{23A3821F-4537-4AE7-8829-C2E3AE60F6E1}"/>
               </a:ext>
             </a:extLst>
           </p:cNvPr>
@@ -4999,7 +5003,7 @@
           <p:cNvPr id="3" name="Text Placeholder 2">
             <a:extLst>
               <a:ext uri="{FF2B5EF4-FFF2-40B4-BE49-F238E27FC236}">
-                <a16:creationId xmlns:a16="http://schemas.microsoft.com/office/drawing/2014/main" id="{92FD4279-EA62-4397-878A-73F4948DB176}"/>
+                <a16:creationId xmlns:a16="http://schemas.microsoft.com/office/drawing/2014/main" xmlns="" id="{92FD4279-EA62-4397-878A-73F4948DB176}"/>
               </a:ext>
             </a:extLst>
           </p:cNvPr>
@@ -5127,7 +5131,7 @@
           <p:cNvPr id="4" name="Date Placeholder 3">
             <a:extLst>
               <a:ext uri="{FF2B5EF4-FFF2-40B4-BE49-F238E27FC236}">
-                <a16:creationId xmlns:a16="http://schemas.microsoft.com/office/drawing/2014/main" id="{9C11EBF9-6826-475B-8079-C11128991BAE}"/>
+                <a16:creationId xmlns:a16="http://schemas.microsoft.com/office/drawing/2014/main" xmlns="" id="{9C11EBF9-6826-475B-8079-C11128991BAE}"/>
               </a:ext>
             </a:extLst>
           </p:cNvPr>
@@ -5164,7 +5168,7 @@
           <p:cNvPr id="5" name="Footer Placeholder 4">
             <a:extLst>
               <a:ext uri="{FF2B5EF4-FFF2-40B4-BE49-F238E27FC236}">
-                <a16:creationId xmlns:a16="http://schemas.microsoft.com/office/drawing/2014/main" id="{3FB726A3-DF54-47D2-8C3A-34FD43A19E8E}"/>
+                <a16:creationId xmlns:a16="http://schemas.microsoft.com/office/drawing/2014/main" xmlns="" id="{3FB726A3-DF54-47D2-8C3A-34FD43A19E8E}"/>
               </a:ext>
             </a:extLst>
           </p:cNvPr>
@@ -5201,7 +5205,7 @@
           <p:cNvPr id="6" name="Slide Number Placeholder 5">
             <a:extLst>
               <a:ext uri="{FF2B5EF4-FFF2-40B4-BE49-F238E27FC236}">
-                <a16:creationId xmlns:a16="http://schemas.microsoft.com/office/drawing/2014/main" id="{D0CD125A-4493-4967-9146-841D0EF3BC63}"/>
+                <a16:creationId xmlns:a16="http://schemas.microsoft.com/office/drawing/2014/main" xmlns="" id="{D0CD125A-4493-4967-9146-841D0EF3BC63}"/>
               </a:ext>
             </a:extLst>
           </p:cNvPr>
@@ -5235,7 +5239,7 @@
           <p:cNvPr id="7" name="Group 6">
             <a:extLst>
               <a:ext uri="{FF2B5EF4-FFF2-40B4-BE49-F238E27FC236}">
-                <a16:creationId xmlns:a16="http://schemas.microsoft.com/office/drawing/2014/main" id="{D7A1CF8B-3479-49A3-A30E-2F2ECE962075}"/>
+                <a16:creationId xmlns:a16="http://schemas.microsoft.com/office/drawing/2014/main" xmlns="" id="{D7A1CF8B-3479-49A3-A30E-2F2ECE962075}"/>
               </a:ext>
             </a:extLst>
           </p:cNvPr>
@@ -5255,7 +5259,7 @@
             <p:cNvPr id="14" name="Straight Connector 13">
               <a:extLst>
                 <a:ext uri="{FF2B5EF4-FFF2-40B4-BE49-F238E27FC236}">
-                  <a16:creationId xmlns:a16="http://schemas.microsoft.com/office/drawing/2014/main" id="{49FBD260-5143-4B12-B9F8-33E48D548909}"/>
+                  <a16:creationId xmlns:a16="http://schemas.microsoft.com/office/drawing/2014/main" xmlns="" id="{49FBD260-5143-4B12-B9F8-33E48D548909}"/>
                 </a:ext>
               </a:extLst>
             </p:cNvPr>
@@ -5296,7 +5300,7 @@
             <p:cNvPr id="23" name="Straight Connector 22">
               <a:extLst>
                 <a:ext uri="{FF2B5EF4-FFF2-40B4-BE49-F238E27FC236}">
-                  <a16:creationId xmlns:a16="http://schemas.microsoft.com/office/drawing/2014/main" id="{D87F08D6-2CA7-4A5A-BE34-07113DCA535D}"/>
+                  <a16:creationId xmlns:a16="http://schemas.microsoft.com/office/drawing/2014/main" xmlns="" id="{D87F08D6-2CA7-4A5A-BE34-07113DCA535D}"/>
                 </a:ext>
               </a:extLst>
             </p:cNvPr>
@@ -5336,7 +5340,7 @@
     </p:spTree>
     <p:extLst>
       <p:ext uri="{BB962C8B-B14F-4D97-AF65-F5344CB8AC3E}">
-        <p14:creationId xmlns:p14="http://schemas.microsoft.com/office/powerpoint/2010/main" val="4249735939"/>
+        <p14:creationId xmlns:p14="http://schemas.microsoft.com/office/powerpoint/2010/main" xmlns="" val="4249735939"/>
       </p:ext>
     </p:extLst>
   </p:cSld>
@@ -5376,7 +5380,7 @@
           <p:cNvPr id="2" name="Title 1">
             <a:extLst>
               <a:ext uri="{FF2B5EF4-FFF2-40B4-BE49-F238E27FC236}">
-                <a16:creationId xmlns:a16="http://schemas.microsoft.com/office/drawing/2014/main" id="{415B3628-62D7-4A6D-A79F-34DE91DBA31E}"/>
+                <a16:creationId xmlns:a16="http://schemas.microsoft.com/office/drawing/2014/main" xmlns="" id="{415B3628-62D7-4A6D-A79F-34DE91DBA31E}"/>
               </a:ext>
             </a:extLst>
           </p:cNvPr>
@@ -5419,7 +5423,7 @@
           <p:cNvPr id="3" name="Subtitle 2">
             <a:extLst>
               <a:ext uri="{FF2B5EF4-FFF2-40B4-BE49-F238E27FC236}">
-                <a16:creationId xmlns:a16="http://schemas.microsoft.com/office/drawing/2014/main" id="{55457758-A125-4CEA-A3D5-CBD010417BD2}"/>
+                <a16:creationId xmlns:a16="http://schemas.microsoft.com/office/drawing/2014/main" xmlns="" id="{55457758-A125-4CEA-A3D5-CBD010417BD2}"/>
               </a:ext>
             </a:extLst>
           </p:cNvPr>
@@ -5495,7 +5499,7 @@
           <p:cNvPr id="5" name="Graphic 4">
             <a:extLst>
               <a:ext uri="{FF2B5EF4-FFF2-40B4-BE49-F238E27FC236}">
-                <a16:creationId xmlns:a16="http://schemas.microsoft.com/office/drawing/2014/main" id="{F05D2CCB-CCFC-4A8A-ADA9-C1E4D13B9681}"/>
+                <a16:creationId xmlns:a16="http://schemas.microsoft.com/office/drawing/2014/main" xmlns="" id="{F05D2CCB-CCFC-4A8A-ADA9-C1E4D13B9681}"/>
               </a:ext>
             </a:extLst>
           </p:cNvPr>
@@ -5508,7 +5512,7 @@
           <a:blip r:embed="rId2">
             <a:extLst>
               <a:ext uri="{96DAC541-7B7A-43D3-8B79-37D633B846F1}">
-                <asvg:svgBlip xmlns:asvg="http://schemas.microsoft.com/office/drawing/2016/SVG/main" r:embed="rId3"/>
+                <asvg:svgBlip xmlns:asvg="http://schemas.microsoft.com/office/drawing/2016/SVG/main" xmlns="" r:embed="rId3"/>
               </a:ext>
             </a:extLst>
           </a:blip>
@@ -5529,7 +5533,7 @@
     </p:spTree>
     <p:extLst>
       <p:ext uri="{BB962C8B-B14F-4D97-AF65-F5344CB8AC3E}">
-        <p14:creationId xmlns:p14="http://schemas.microsoft.com/office/powerpoint/2010/main" val="2699512310"/>
+        <p14:creationId xmlns:p14="http://schemas.microsoft.com/office/powerpoint/2010/main" xmlns="" val="2699512310"/>
       </p:ext>
     </p:extLst>
   </p:cSld>
@@ -5569,7 +5573,7 @@
           <p:cNvPr id="2" name="Title 1">
             <a:extLst>
               <a:ext uri="{FF2B5EF4-FFF2-40B4-BE49-F238E27FC236}">
-                <a16:creationId xmlns:a16="http://schemas.microsoft.com/office/drawing/2014/main" id="{EE5C4E19-B78B-4E39-B661-7E6A2E6C5002}"/>
+                <a16:creationId xmlns:a16="http://schemas.microsoft.com/office/drawing/2014/main" xmlns="" id="{EE5C4E19-B78B-4E39-B661-7E6A2E6C5002}"/>
               </a:ext>
             </a:extLst>
           </p:cNvPr>
@@ -5610,7 +5614,7 @@
           <p:cNvPr id="3" name="Date Placeholder 2">
             <a:extLst>
               <a:ext uri="{FF2B5EF4-FFF2-40B4-BE49-F238E27FC236}">
-                <a16:creationId xmlns:a16="http://schemas.microsoft.com/office/drawing/2014/main" id="{7E085D26-FA83-4414-959E-98936A772670}"/>
+                <a16:creationId xmlns:a16="http://schemas.microsoft.com/office/drawing/2014/main" xmlns="" id="{7E085D26-FA83-4414-959E-98936A772670}"/>
               </a:ext>
             </a:extLst>
           </p:cNvPr>
@@ -5642,7 +5646,7 @@
           <p:cNvPr id="4" name="Footer Placeholder 3">
             <a:extLst>
               <a:ext uri="{FF2B5EF4-FFF2-40B4-BE49-F238E27FC236}">
-                <a16:creationId xmlns:a16="http://schemas.microsoft.com/office/drawing/2014/main" id="{1FB52E93-DE4C-4341-8D83-F0230E38B1A1}"/>
+                <a16:creationId xmlns:a16="http://schemas.microsoft.com/office/drawing/2014/main" xmlns="" id="{1FB52E93-DE4C-4341-8D83-F0230E38B1A1}"/>
               </a:ext>
             </a:extLst>
           </p:cNvPr>
@@ -5674,7 +5678,7 @@
           <p:cNvPr id="5" name="Slide Number Placeholder 4">
             <a:extLst>
               <a:ext uri="{FF2B5EF4-FFF2-40B4-BE49-F238E27FC236}">
-                <a16:creationId xmlns:a16="http://schemas.microsoft.com/office/drawing/2014/main" id="{AC467230-4A0F-4B18-8BA9-C3B2FDD59CB0}"/>
+                <a16:creationId xmlns:a16="http://schemas.microsoft.com/office/drawing/2014/main" xmlns="" id="{AC467230-4A0F-4B18-8BA9-C3B2FDD59CB0}"/>
               </a:ext>
             </a:extLst>
           </p:cNvPr>
@@ -5708,7 +5712,7 @@
           <p:cNvPr id="7" name="Chart Placeholder 6">
             <a:extLst>
               <a:ext uri="{FF2B5EF4-FFF2-40B4-BE49-F238E27FC236}">
-                <a16:creationId xmlns:a16="http://schemas.microsoft.com/office/drawing/2014/main" id="{08AF2DB4-A973-4307-B59C-6058A138835C}"/>
+                <a16:creationId xmlns:a16="http://schemas.microsoft.com/office/drawing/2014/main" xmlns="" id="{08AF2DB4-A973-4307-B59C-6058A138835C}"/>
               </a:ext>
             </a:extLst>
           </p:cNvPr>
@@ -5740,7 +5744,7 @@
     </p:spTree>
     <p:extLst>
       <p:ext uri="{BB962C8B-B14F-4D97-AF65-F5344CB8AC3E}">
-        <p14:creationId xmlns:p14="http://schemas.microsoft.com/office/powerpoint/2010/main" val="1485277703"/>
+        <p14:creationId xmlns:p14="http://schemas.microsoft.com/office/powerpoint/2010/main" xmlns="" val="1485277703"/>
       </p:ext>
     </p:extLst>
   </p:cSld>
@@ -5777,7 +5781,7 @@
           <p:cNvPr id="2" name="Title 1">
             <a:extLst>
               <a:ext uri="{FF2B5EF4-FFF2-40B4-BE49-F238E27FC236}">
-                <a16:creationId xmlns:a16="http://schemas.microsoft.com/office/drawing/2014/main" id="{EE5C4E19-B78B-4E39-B661-7E6A2E6C5002}"/>
+                <a16:creationId xmlns:a16="http://schemas.microsoft.com/office/drawing/2014/main" xmlns="" id="{EE5C4E19-B78B-4E39-B661-7E6A2E6C5002}"/>
               </a:ext>
             </a:extLst>
           </p:cNvPr>
@@ -5818,7 +5822,7 @@
           <p:cNvPr id="8" name="Table Placeholder 7">
             <a:extLst>
               <a:ext uri="{FF2B5EF4-FFF2-40B4-BE49-F238E27FC236}">
-                <a16:creationId xmlns:a16="http://schemas.microsoft.com/office/drawing/2014/main" id="{C3975522-461E-4D79-B5B9-BF9471B54688}"/>
+                <a16:creationId xmlns:a16="http://schemas.microsoft.com/office/drawing/2014/main" xmlns="" id="{C3975522-461E-4D79-B5B9-BF9471B54688}"/>
               </a:ext>
             </a:extLst>
           </p:cNvPr>
@@ -5852,7 +5856,7 @@
           <p:cNvPr id="3" name="Date Placeholder 2">
             <a:extLst>
               <a:ext uri="{FF2B5EF4-FFF2-40B4-BE49-F238E27FC236}">
-                <a16:creationId xmlns:a16="http://schemas.microsoft.com/office/drawing/2014/main" id="{7E085D26-FA83-4414-959E-98936A772670}"/>
+                <a16:creationId xmlns:a16="http://schemas.microsoft.com/office/drawing/2014/main" xmlns="" id="{7E085D26-FA83-4414-959E-98936A772670}"/>
               </a:ext>
             </a:extLst>
           </p:cNvPr>
@@ -5884,7 +5888,7 @@
           <p:cNvPr id="4" name="Footer Placeholder 3">
             <a:extLst>
               <a:ext uri="{FF2B5EF4-FFF2-40B4-BE49-F238E27FC236}">
-                <a16:creationId xmlns:a16="http://schemas.microsoft.com/office/drawing/2014/main" id="{1FB52E93-DE4C-4341-8D83-F0230E38B1A1}"/>
+                <a16:creationId xmlns:a16="http://schemas.microsoft.com/office/drawing/2014/main" xmlns="" id="{1FB52E93-DE4C-4341-8D83-F0230E38B1A1}"/>
               </a:ext>
             </a:extLst>
           </p:cNvPr>
@@ -5916,7 +5920,7 @@
           <p:cNvPr id="5" name="Slide Number Placeholder 4">
             <a:extLst>
               <a:ext uri="{FF2B5EF4-FFF2-40B4-BE49-F238E27FC236}">
-                <a16:creationId xmlns:a16="http://schemas.microsoft.com/office/drawing/2014/main" id="{AC467230-4A0F-4B18-8BA9-C3B2FDD59CB0}"/>
+                <a16:creationId xmlns:a16="http://schemas.microsoft.com/office/drawing/2014/main" xmlns="" id="{AC467230-4A0F-4B18-8BA9-C3B2FDD59CB0}"/>
               </a:ext>
             </a:extLst>
           </p:cNvPr>
@@ -5948,7 +5952,7 @@
     </p:spTree>
     <p:extLst>
       <p:ext uri="{BB962C8B-B14F-4D97-AF65-F5344CB8AC3E}">
-        <p14:creationId xmlns:p14="http://schemas.microsoft.com/office/powerpoint/2010/main" val="3370680036"/>
+        <p14:creationId xmlns:p14="http://schemas.microsoft.com/office/powerpoint/2010/main" xmlns="" val="3370680036"/>
       </p:ext>
     </p:extLst>
   </p:cSld>
@@ -5980,10 +5984,10 @@
           <p:cNvPr id="7" name="Graphic 6">
             <a:extLst>
               <a:ext uri="{FF2B5EF4-FFF2-40B4-BE49-F238E27FC236}">
-                <a16:creationId xmlns:a16="http://schemas.microsoft.com/office/drawing/2014/main" id="{AEE644D4-F9A4-4237-BD5C-4B97ABA9337E}"/>
+                <a16:creationId xmlns:a16="http://schemas.microsoft.com/office/drawing/2014/main" xmlns="" id="{AEE644D4-F9A4-4237-BD5C-4B97ABA9337E}"/>
               </a:ext>
               <a:ext uri="{C183D7F6-B498-43B3-948B-1728B52AA6E4}">
-                <adec:decorative xmlns:adec="http://schemas.microsoft.com/office/drawing/2017/decorative" val="1"/>
+                <adec:decorative xmlns:adec="http://schemas.microsoft.com/office/drawing/2017/decorative" xmlns="" val="1"/>
               </a:ext>
             </a:extLst>
           </p:cNvPr>
@@ -5996,7 +6000,7 @@
           <a:blip r:embed="rId2">
             <a:extLst>
               <a:ext uri="{96DAC541-7B7A-43D3-8B79-37D633B846F1}">
-                <asvg:svgBlip xmlns:asvg="http://schemas.microsoft.com/office/drawing/2016/SVG/main" r:embed="rId3"/>
+                <asvg:svgBlip xmlns:asvg="http://schemas.microsoft.com/office/drawing/2016/SVG/main" xmlns="" r:embed="rId3"/>
               </a:ext>
             </a:extLst>
           </a:blip>
@@ -6019,7 +6023,7 @@
           <p:cNvPr id="2" name="Title 1">
             <a:extLst>
               <a:ext uri="{FF2B5EF4-FFF2-40B4-BE49-F238E27FC236}">
-                <a16:creationId xmlns:a16="http://schemas.microsoft.com/office/drawing/2014/main" id="{C2FF67A8-55FA-435D-A18C-96D63D22B53E}"/>
+                <a16:creationId xmlns:a16="http://schemas.microsoft.com/office/drawing/2014/main" xmlns="" id="{C2FF67A8-55FA-435D-A18C-96D63D22B53E}"/>
               </a:ext>
             </a:extLst>
           </p:cNvPr>
@@ -6065,7 +6069,7 @@
           <p:cNvPr id="10" name="Subtitle 2">
             <a:extLst>
               <a:ext uri="{FF2B5EF4-FFF2-40B4-BE49-F238E27FC236}">
-                <a16:creationId xmlns:a16="http://schemas.microsoft.com/office/drawing/2014/main" id="{104828DA-5EC5-4A00-9A7B-CD9668EF24D1}"/>
+                <a16:creationId xmlns:a16="http://schemas.microsoft.com/office/drawing/2014/main" xmlns="" id="{104828DA-5EC5-4A00-9A7B-CD9668EF24D1}"/>
               </a:ext>
             </a:extLst>
           </p:cNvPr>
@@ -6143,7 +6147,7 @@
           <p:cNvPr id="3" name="Date Placeholder 2">
             <a:extLst>
               <a:ext uri="{FF2B5EF4-FFF2-40B4-BE49-F238E27FC236}">
-                <a16:creationId xmlns:a16="http://schemas.microsoft.com/office/drawing/2014/main" id="{D9303E9A-96BC-4283-A6E1-5948AEB119F4}"/>
+                <a16:creationId xmlns:a16="http://schemas.microsoft.com/office/drawing/2014/main" xmlns="" id="{D9303E9A-96BC-4283-A6E1-5948AEB119F4}"/>
               </a:ext>
             </a:extLst>
           </p:cNvPr>
@@ -6180,7 +6184,7 @@
           <p:cNvPr id="4" name="Footer Placeholder 3">
             <a:extLst>
               <a:ext uri="{FF2B5EF4-FFF2-40B4-BE49-F238E27FC236}">
-                <a16:creationId xmlns:a16="http://schemas.microsoft.com/office/drawing/2014/main" id="{45A19C49-052B-4D3E-B227-1D787463CE96}"/>
+                <a16:creationId xmlns:a16="http://schemas.microsoft.com/office/drawing/2014/main" xmlns="" id="{45A19C49-052B-4D3E-B227-1D787463CE96}"/>
               </a:ext>
             </a:extLst>
           </p:cNvPr>
@@ -6217,7 +6221,7 @@
           <p:cNvPr id="5" name="Slide Number Placeholder 4">
             <a:extLst>
               <a:ext uri="{FF2B5EF4-FFF2-40B4-BE49-F238E27FC236}">
-                <a16:creationId xmlns:a16="http://schemas.microsoft.com/office/drawing/2014/main" id="{4E5E724A-95F0-41B6-A77E-EDD067272C27}"/>
+                <a16:creationId xmlns:a16="http://schemas.microsoft.com/office/drawing/2014/main" xmlns="" id="{4E5E724A-95F0-41B6-A77E-EDD067272C27}"/>
               </a:ext>
             </a:extLst>
           </p:cNvPr>
@@ -6256,10 +6260,10 @@
           <p:cNvPr id="9" name="Straight Connector 8">
             <a:extLst>
               <a:ext uri="{FF2B5EF4-FFF2-40B4-BE49-F238E27FC236}">
-                <a16:creationId xmlns:a16="http://schemas.microsoft.com/office/drawing/2014/main" id="{BDAC7E4E-FE06-4E90-8107-6B543E5515ED}"/>
+                <a16:creationId xmlns:a16="http://schemas.microsoft.com/office/drawing/2014/main" xmlns="" id="{BDAC7E4E-FE06-4E90-8107-6B543E5515ED}"/>
               </a:ext>
               <a:ext uri="{C183D7F6-B498-43B3-948B-1728B52AA6E4}">
-                <adec:decorative xmlns:adec="http://schemas.microsoft.com/office/drawing/2017/decorative" val="1"/>
+                <adec:decorative xmlns:adec="http://schemas.microsoft.com/office/drawing/2017/decorative" xmlns="" val="1"/>
               </a:ext>
             </a:extLst>
           </p:cNvPr>
@@ -6298,7 +6302,7 @@
     </p:spTree>
     <p:extLst>
       <p:ext uri="{BB962C8B-B14F-4D97-AF65-F5344CB8AC3E}">
-        <p14:creationId xmlns:p14="http://schemas.microsoft.com/office/powerpoint/2010/main" val="3203065686"/>
+        <p14:creationId xmlns:p14="http://schemas.microsoft.com/office/powerpoint/2010/main" xmlns="" val="3203065686"/>
       </p:ext>
     </p:extLst>
   </p:cSld>
@@ -6335,7 +6339,7 @@
           <p:cNvPr id="2" name="Title 1">
             <a:extLst>
               <a:ext uri="{FF2B5EF4-FFF2-40B4-BE49-F238E27FC236}">
-                <a16:creationId xmlns:a16="http://schemas.microsoft.com/office/drawing/2014/main" id="{81CF3B5C-31C4-46BA-9FAD-72DF917A84DA}"/>
+                <a16:creationId xmlns:a16="http://schemas.microsoft.com/office/drawing/2014/main" xmlns="" id="{81CF3B5C-31C4-46BA-9FAD-72DF917A84DA}"/>
               </a:ext>
             </a:extLst>
           </p:cNvPr>
@@ -6381,7 +6385,7 @@
           <p:cNvPr id="11" name="Picture Placeholder 10">
             <a:extLst>
               <a:ext uri="{FF2B5EF4-FFF2-40B4-BE49-F238E27FC236}">
-                <a16:creationId xmlns:a16="http://schemas.microsoft.com/office/drawing/2014/main" id="{B0BDE76A-30A6-4268-9656-28A484C3DCC9}"/>
+                <a16:creationId xmlns:a16="http://schemas.microsoft.com/office/drawing/2014/main" xmlns="" id="{B0BDE76A-30A6-4268-9656-28A484C3DCC9}"/>
               </a:ext>
             </a:extLst>
           </p:cNvPr>
@@ -6420,7 +6424,7 @@
           <p:cNvPr id="3" name="Text Placeholder 2">
             <a:extLst>
               <a:ext uri="{FF2B5EF4-FFF2-40B4-BE49-F238E27FC236}">
-                <a16:creationId xmlns:a16="http://schemas.microsoft.com/office/drawing/2014/main" id="{B659CD1F-9DFB-4048-9B9B-2BD7D4EC6400}"/>
+                <a16:creationId xmlns:a16="http://schemas.microsoft.com/office/drawing/2014/main" xmlns="" id="{B659CD1F-9DFB-4048-9B9B-2BD7D4EC6400}"/>
               </a:ext>
             </a:extLst>
           </p:cNvPr>
@@ -6500,7 +6504,7 @@
           <p:cNvPr id="26" name="Text Placeholder 2">
             <a:extLst>
               <a:ext uri="{FF2B5EF4-FFF2-40B4-BE49-F238E27FC236}">
-                <a16:creationId xmlns:a16="http://schemas.microsoft.com/office/drawing/2014/main" id="{A02C0876-23F7-41FA-9AC9-721097D1A3CD}"/>
+                <a16:creationId xmlns:a16="http://schemas.microsoft.com/office/drawing/2014/main" xmlns="" id="{A02C0876-23F7-41FA-9AC9-721097D1A3CD}"/>
               </a:ext>
             </a:extLst>
           </p:cNvPr>
@@ -6580,7 +6584,7 @@
           <p:cNvPr id="17" name="Picture Placeholder 10">
             <a:extLst>
               <a:ext uri="{FF2B5EF4-FFF2-40B4-BE49-F238E27FC236}">
-                <a16:creationId xmlns:a16="http://schemas.microsoft.com/office/drawing/2014/main" id="{C4CA5C9C-91D5-44B1-A82A-A49732B4691A}"/>
+                <a16:creationId xmlns:a16="http://schemas.microsoft.com/office/drawing/2014/main" xmlns="" id="{C4CA5C9C-91D5-44B1-A82A-A49732B4691A}"/>
               </a:ext>
             </a:extLst>
           </p:cNvPr>
@@ -6619,7 +6623,7 @@
           <p:cNvPr id="23" name="Text Placeholder 2">
             <a:extLst>
               <a:ext uri="{FF2B5EF4-FFF2-40B4-BE49-F238E27FC236}">
-                <a16:creationId xmlns:a16="http://schemas.microsoft.com/office/drawing/2014/main" id="{572D0301-10F1-41B4-BEF8-C53FA4D66214}"/>
+                <a16:creationId xmlns:a16="http://schemas.microsoft.com/office/drawing/2014/main" xmlns="" id="{572D0301-10F1-41B4-BEF8-C53FA4D66214}"/>
               </a:ext>
             </a:extLst>
           </p:cNvPr>
@@ -6699,7 +6703,7 @@
           <p:cNvPr id="27" name="Text Placeholder 2">
             <a:extLst>
               <a:ext uri="{FF2B5EF4-FFF2-40B4-BE49-F238E27FC236}">
-                <a16:creationId xmlns:a16="http://schemas.microsoft.com/office/drawing/2014/main" id="{7ADEB263-F204-4A78-A5E0-7361EFE0B921}"/>
+                <a16:creationId xmlns:a16="http://schemas.microsoft.com/office/drawing/2014/main" xmlns="" id="{7ADEB263-F204-4A78-A5E0-7361EFE0B921}"/>
               </a:ext>
             </a:extLst>
           </p:cNvPr>
@@ -6779,7 +6783,7 @@
           <p:cNvPr id="18" name="Picture Placeholder 10">
             <a:extLst>
               <a:ext uri="{FF2B5EF4-FFF2-40B4-BE49-F238E27FC236}">
-                <a16:creationId xmlns:a16="http://schemas.microsoft.com/office/drawing/2014/main" id="{4EBC7D6F-397D-4C5A-AA62-F683F88531A2}"/>
+                <a16:creationId xmlns:a16="http://schemas.microsoft.com/office/drawing/2014/main" xmlns="" id="{4EBC7D6F-397D-4C5A-AA62-F683F88531A2}"/>
               </a:ext>
             </a:extLst>
           </p:cNvPr>
@@ -6819,7 +6823,7 @@
           <p:cNvPr id="24" name="Text Placeholder 2">
             <a:extLst>
               <a:ext uri="{FF2B5EF4-FFF2-40B4-BE49-F238E27FC236}">
-                <a16:creationId xmlns:a16="http://schemas.microsoft.com/office/drawing/2014/main" id="{E767B9DE-7410-43CC-90CF-52D67EF03D48}"/>
+                <a16:creationId xmlns:a16="http://schemas.microsoft.com/office/drawing/2014/main" xmlns="" id="{E767B9DE-7410-43CC-90CF-52D67EF03D48}"/>
               </a:ext>
             </a:extLst>
           </p:cNvPr>
@@ -6899,7 +6903,7 @@
           <p:cNvPr id="28" name="Text Placeholder 2">
             <a:extLst>
               <a:ext uri="{FF2B5EF4-FFF2-40B4-BE49-F238E27FC236}">
-                <a16:creationId xmlns:a16="http://schemas.microsoft.com/office/drawing/2014/main" id="{103678F5-B025-46E2-BD45-E77861487165}"/>
+                <a16:creationId xmlns:a16="http://schemas.microsoft.com/office/drawing/2014/main" xmlns="" id="{103678F5-B025-46E2-BD45-E77861487165}"/>
               </a:ext>
             </a:extLst>
           </p:cNvPr>
@@ -6979,7 +6983,7 @@
           <p:cNvPr id="19" name="Picture Placeholder 10">
             <a:extLst>
               <a:ext uri="{FF2B5EF4-FFF2-40B4-BE49-F238E27FC236}">
-                <a16:creationId xmlns:a16="http://schemas.microsoft.com/office/drawing/2014/main" id="{92E6B581-A522-4758-A9A4-8B9C7B860CF2}"/>
+                <a16:creationId xmlns:a16="http://schemas.microsoft.com/office/drawing/2014/main" xmlns="" id="{92E6B581-A522-4758-A9A4-8B9C7B860CF2}"/>
               </a:ext>
             </a:extLst>
           </p:cNvPr>
@@ -7018,7 +7022,7 @@
           <p:cNvPr id="25" name="Text Placeholder 2">
             <a:extLst>
               <a:ext uri="{FF2B5EF4-FFF2-40B4-BE49-F238E27FC236}">
-                <a16:creationId xmlns:a16="http://schemas.microsoft.com/office/drawing/2014/main" id="{E13DFE1F-4534-4828-990E-B052F51FC65C}"/>
+                <a16:creationId xmlns:a16="http://schemas.microsoft.com/office/drawing/2014/main" xmlns="" id="{E13DFE1F-4534-4828-990E-B052F51FC65C}"/>
               </a:ext>
             </a:extLst>
           </p:cNvPr>
@@ -7098,7 +7102,7 @@
           <p:cNvPr id="29" name="Text Placeholder 2">
             <a:extLst>
               <a:ext uri="{FF2B5EF4-FFF2-40B4-BE49-F238E27FC236}">
-                <a16:creationId xmlns:a16="http://schemas.microsoft.com/office/drawing/2014/main" id="{7E3F385B-4DD9-4F3C-A02B-179B9FA61292}"/>
+                <a16:creationId xmlns:a16="http://schemas.microsoft.com/office/drawing/2014/main" xmlns="" id="{7E3F385B-4DD9-4F3C-A02B-179B9FA61292}"/>
               </a:ext>
             </a:extLst>
           </p:cNvPr>
@@ -7178,7 +7182,7 @@
           <p:cNvPr id="7" name="Date Placeholder 6">
             <a:extLst>
               <a:ext uri="{FF2B5EF4-FFF2-40B4-BE49-F238E27FC236}">
-                <a16:creationId xmlns:a16="http://schemas.microsoft.com/office/drawing/2014/main" id="{F255C16C-AA88-4BBF-8040-11ECFED618E0}"/>
+                <a16:creationId xmlns:a16="http://schemas.microsoft.com/office/drawing/2014/main" xmlns="" id="{F255C16C-AA88-4BBF-8040-11ECFED618E0}"/>
               </a:ext>
             </a:extLst>
           </p:cNvPr>
@@ -7210,7 +7214,7 @@
           <p:cNvPr id="8" name="Footer Placeholder 7">
             <a:extLst>
               <a:ext uri="{FF2B5EF4-FFF2-40B4-BE49-F238E27FC236}">
-                <a16:creationId xmlns:a16="http://schemas.microsoft.com/office/drawing/2014/main" id="{CBE560E3-F935-488F-8F0E-191D7B6B54B8}"/>
+                <a16:creationId xmlns:a16="http://schemas.microsoft.com/office/drawing/2014/main" xmlns="" id="{CBE560E3-F935-488F-8F0E-191D7B6B54B8}"/>
               </a:ext>
             </a:extLst>
           </p:cNvPr>
@@ -7242,7 +7246,7 @@
           <p:cNvPr id="9" name="Slide Number Placeholder 8">
             <a:extLst>
               <a:ext uri="{FF2B5EF4-FFF2-40B4-BE49-F238E27FC236}">
-                <a16:creationId xmlns:a16="http://schemas.microsoft.com/office/drawing/2014/main" id="{9B9CD8B2-CC23-467F-B0EE-2CC06D6308BD}"/>
+                <a16:creationId xmlns:a16="http://schemas.microsoft.com/office/drawing/2014/main" xmlns="" id="{9B9CD8B2-CC23-467F-B0EE-2CC06D6308BD}"/>
               </a:ext>
             </a:extLst>
           </p:cNvPr>
@@ -7276,10 +7280,10 @@
           <p:cNvPr id="4" name="Group 3">
             <a:extLst>
               <a:ext uri="{FF2B5EF4-FFF2-40B4-BE49-F238E27FC236}">
-                <a16:creationId xmlns:a16="http://schemas.microsoft.com/office/drawing/2014/main" id="{73C911F2-9041-416A-B83C-F23B354E063B}"/>
+                <a16:creationId xmlns:a16="http://schemas.microsoft.com/office/drawing/2014/main" xmlns="" id="{73C911F2-9041-416A-B83C-F23B354E063B}"/>
               </a:ext>
               <a:ext uri="{C183D7F6-B498-43B3-948B-1728B52AA6E4}">
-                <adec:decorative xmlns:adec="http://schemas.microsoft.com/office/drawing/2017/decorative" val="1"/>
+                <adec:decorative xmlns:adec="http://schemas.microsoft.com/office/drawing/2017/decorative" xmlns="" val="1"/>
               </a:ext>
             </a:extLst>
           </p:cNvPr>
@@ -7299,7 +7303,7 @@
             <p:cNvPr id="10" name="Straight Connector 9">
               <a:extLst>
                 <a:ext uri="{FF2B5EF4-FFF2-40B4-BE49-F238E27FC236}">
-                  <a16:creationId xmlns:a16="http://schemas.microsoft.com/office/drawing/2014/main" id="{4E4B72DA-52CB-4D39-A342-8857B4D959B2}"/>
+                  <a16:creationId xmlns:a16="http://schemas.microsoft.com/office/drawing/2014/main" xmlns="" id="{4E4B72DA-52CB-4D39-A342-8857B4D959B2}"/>
                 </a:ext>
               </a:extLst>
             </p:cNvPr>
@@ -7340,7 +7344,7 @@
             <p:cNvPr id="15" name="Straight Connector 14">
               <a:extLst>
                 <a:ext uri="{FF2B5EF4-FFF2-40B4-BE49-F238E27FC236}">
-                  <a16:creationId xmlns:a16="http://schemas.microsoft.com/office/drawing/2014/main" id="{21D9BCDA-DFB7-41A4-A7C7-CEE86CEDCBE5}"/>
+                  <a16:creationId xmlns:a16="http://schemas.microsoft.com/office/drawing/2014/main" xmlns="" id="{21D9BCDA-DFB7-41A4-A7C7-CEE86CEDCBE5}"/>
                 </a:ext>
               </a:extLst>
             </p:cNvPr>
@@ -7382,7 +7386,7 @@
     </p:spTree>
     <p:extLst>
       <p:ext uri="{BB962C8B-B14F-4D97-AF65-F5344CB8AC3E}">
-        <p14:creationId xmlns:p14="http://schemas.microsoft.com/office/powerpoint/2010/main" val="2951227852"/>
+        <p14:creationId xmlns:p14="http://schemas.microsoft.com/office/powerpoint/2010/main" xmlns="" val="2951227852"/>
       </p:ext>
     </p:extLst>
   </p:cSld>
@@ -7422,10 +7426,10 @@
           <p:cNvPr id="4" name="Group 3">
             <a:extLst>
               <a:ext uri="{FF2B5EF4-FFF2-40B4-BE49-F238E27FC236}">
-                <a16:creationId xmlns:a16="http://schemas.microsoft.com/office/drawing/2014/main" id="{187AAB93-862D-455E-9E73-3D0DAEFDEDB4}"/>
+                <a16:creationId xmlns:a16="http://schemas.microsoft.com/office/drawing/2014/main" xmlns="" id="{187AAB93-862D-455E-9E73-3D0DAEFDEDB4}"/>
               </a:ext>
               <a:ext uri="{C183D7F6-B498-43B3-948B-1728B52AA6E4}">
-                <adec:decorative xmlns:adec="http://schemas.microsoft.com/office/drawing/2017/decorative" val="1"/>
+                <adec:decorative xmlns:adec="http://schemas.microsoft.com/office/drawing/2017/decorative" xmlns="" val="1"/>
               </a:ext>
             </a:extLst>
           </p:cNvPr>
@@ -7445,7 +7449,7 @@
             <p:cNvPr id="13" name="Graphic 12">
               <a:extLst>
                 <a:ext uri="{FF2B5EF4-FFF2-40B4-BE49-F238E27FC236}">
-                  <a16:creationId xmlns:a16="http://schemas.microsoft.com/office/drawing/2014/main" id="{B0DFD584-E5CF-41EF-B51E-679CE22DDF93}"/>
+                  <a16:creationId xmlns:a16="http://schemas.microsoft.com/office/drawing/2014/main" xmlns="" id="{B0DFD584-E5CF-41EF-B51E-679CE22DDF93}"/>
                 </a:ext>
               </a:extLst>
             </p:cNvPr>
@@ -7458,7 +7462,7 @@
             <a:blip r:embed="rId2">
               <a:extLst>
                 <a:ext uri="{96DAC541-7B7A-43D3-8B79-37D633B846F1}">
-                  <asvg:svgBlip xmlns:asvg="http://schemas.microsoft.com/office/drawing/2016/SVG/main" r:embed="rId3"/>
+                  <asvg:svgBlip xmlns:asvg="http://schemas.microsoft.com/office/drawing/2016/SVG/main" xmlns="" r:embed="rId3"/>
                 </a:ext>
               </a:extLst>
             </a:blip>
@@ -7481,7 +7485,7 @@
             <p:cNvPr id="14" name="Graphic 13">
               <a:extLst>
                 <a:ext uri="{FF2B5EF4-FFF2-40B4-BE49-F238E27FC236}">
-                  <a16:creationId xmlns:a16="http://schemas.microsoft.com/office/drawing/2014/main" id="{E5C02DDF-25A6-42C7-9525-F279CE2095C0}"/>
+                  <a16:creationId xmlns:a16="http://schemas.microsoft.com/office/drawing/2014/main" xmlns="" id="{E5C02DDF-25A6-42C7-9525-F279CE2095C0}"/>
                 </a:ext>
               </a:extLst>
             </p:cNvPr>
@@ -7494,7 +7498,7 @@
             <a:blip r:embed="rId4">
               <a:extLst>
                 <a:ext uri="{96DAC541-7B7A-43D3-8B79-37D633B846F1}">
-                  <asvg:svgBlip xmlns:asvg="http://schemas.microsoft.com/office/drawing/2016/SVG/main" r:embed="rId5"/>
+                  <asvg:svgBlip xmlns:asvg="http://schemas.microsoft.com/office/drawing/2016/SVG/main" xmlns="" r:embed="rId5"/>
                 </a:ext>
               </a:extLst>
             </a:blip>
@@ -7518,7 +7522,7 @@
           <p:cNvPr id="2" name="Title 1">
             <a:extLst>
               <a:ext uri="{FF2B5EF4-FFF2-40B4-BE49-F238E27FC236}">
-                <a16:creationId xmlns:a16="http://schemas.microsoft.com/office/drawing/2014/main" id="{81CF3B5C-31C4-46BA-9FAD-72DF917A84DA}"/>
+                <a16:creationId xmlns:a16="http://schemas.microsoft.com/office/drawing/2014/main" xmlns="" id="{81CF3B5C-31C4-46BA-9FAD-72DF917A84DA}"/>
               </a:ext>
             </a:extLst>
           </p:cNvPr>
@@ -7564,7 +7568,7 @@
           <p:cNvPr id="11" name="Picture Placeholder 10">
             <a:extLst>
               <a:ext uri="{FF2B5EF4-FFF2-40B4-BE49-F238E27FC236}">
-                <a16:creationId xmlns:a16="http://schemas.microsoft.com/office/drawing/2014/main" id="{B0BDE76A-30A6-4268-9656-28A484C3DCC9}"/>
+                <a16:creationId xmlns:a16="http://schemas.microsoft.com/office/drawing/2014/main" xmlns="" id="{B0BDE76A-30A6-4268-9656-28A484C3DCC9}"/>
               </a:ext>
             </a:extLst>
           </p:cNvPr>
@@ -7616,7 +7620,7 @@
           <p:cNvPr id="3" name="Text Placeholder 2">
             <a:extLst>
               <a:ext uri="{FF2B5EF4-FFF2-40B4-BE49-F238E27FC236}">
-                <a16:creationId xmlns:a16="http://schemas.microsoft.com/office/drawing/2014/main" id="{B659CD1F-9DFB-4048-9B9B-2BD7D4EC6400}"/>
+                <a16:creationId xmlns:a16="http://schemas.microsoft.com/office/drawing/2014/main" xmlns="" id="{B659CD1F-9DFB-4048-9B9B-2BD7D4EC6400}"/>
               </a:ext>
             </a:extLst>
           </p:cNvPr>
@@ -7696,7 +7700,7 @@
           <p:cNvPr id="26" name="Text Placeholder 2">
             <a:extLst>
               <a:ext uri="{FF2B5EF4-FFF2-40B4-BE49-F238E27FC236}">
-                <a16:creationId xmlns:a16="http://schemas.microsoft.com/office/drawing/2014/main" id="{A02C0876-23F7-41FA-9AC9-721097D1A3CD}"/>
+                <a16:creationId xmlns:a16="http://schemas.microsoft.com/office/drawing/2014/main" xmlns="" id="{A02C0876-23F7-41FA-9AC9-721097D1A3CD}"/>
               </a:ext>
             </a:extLst>
           </p:cNvPr>
@@ -7776,7 +7780,7 @@
           <p:cNvPr id="17" name="Picture Placeholder 10">
             <a:extLst>
               <a:ext uri="{FF2B5EF4-FFF2-40B4-BE49-F238E27FC236}">
-                <a16:creationId xmlns:a16="http://schemas.microsoft.com/office/drawing/2014/main" id="{C4CA5C9C-91D5-44B1-A82A-A49732B4691A}"/>
+                <a16:creationId xmlns:a16="http://schemas.microsoft.com/office/drawing/2014/main" xmlns="" id="{C4CA5C9C-91D5-44B1-A82A-A49732B4691A}"/>
               </a:ext>
             </a:extLst>
           </p:cNvPr>
@@ -7827,7 +7831,7 @@
           <p:cNvPr id="23" name="Text Placeholder 2">
             <a:extLst>
               <a:ext uri="{FF2B5EF4-FFF2-40B4-BE49-F238E27FC236}">
-                <a16:creationId xmlns:a16="http://schemas.microsoft.com/office/drawing/2014/main" id="{572D0301-10F1-41B4-BEF8-C53FA4D66214}"/>
+                <a16:creationId xmlns:a16="http://schemas.microsoft.com/office/drawing/2014/main" xmlns="" id="{572D0301-10F1-41B4-BEF8-C53FA4D66214}"/>
               </a:ext>
             </a:extLst>
           </p:cNvPr>
@@ -7907,7 +7911,7 @@
           <p:cNvPr id="27" name="Text Placeholder 2">
             <a:extLst>
               <a:ext uri="{FF2B5EF4-FFF2-40B4-BE49-F238E27FC236}">
-                <a16:creationId xmlns:a16="http://schemas.microsoft.com/office/drawing/2014/main" id="{7ADEB263-F204-4A78-A5E0-7361EFE0B921}"/>
+                <a16:creationId xmlns:a16="http://schemas.microsoft.com/office/drawing/2014/main" xmlns="" id="{7ADEB263-F204-4A78-A5E0-7361EFE0B921}"/>
               </a:ext>
             </a:extLst>
           </p:cNvPr>
@@ -7987,7 +7991,7 @@
           <p:cNvPr id="32" name="Picture Placeholder 10">
             <a:extLst>
               <a:ext uri="{FF2B5EF4-FFF2-40B4-BE49-F238E27FC236}">
-                <a16:creationId xmlns:a16="http://schemas.microsoft.com/office/drawing/2014/main" id="{1938DB4D-239F-4E8E-8802-0470B0131189}"/>
+                <a16:creationId xmlns:a16="http://schemas.microsoft.com/office/drawing/2014/main" xmlns="" id="{1938DB4D-239F-4E8E-8802-0470B0131189}"/>
               </a:ext>
             </a:extLst>
           </p:cNvPr>
@@ -8038,7 +8042,7 @@
           <p:cNvPr id="24" name="Text Placeholder 2">
             <a:extLst>
               <a:ext uri="{FF2B5EF4-FFF2-40B4-BE49-F238E27FC236}">
-                <a16:creationId xmlns:a16="http://schemas.microsoft.com/office/drawing/2014/main" id="{E767B9DE-7410-43CC-90CF-52D67EF03D48}"/>
+                <a16:creationId xmlns:a16="http://schemas.microsoft.com/office/drawing/2014/main" xmlns="" id="{E767B9DE-7410-43CC-90CF-52D67EF03D48}"/>
               </a:ext>
             </a:extLst>
           </p:cNvPr>
@@ -8118,7 +8122,7 @@
           <p:cNvPr id="28" name="Text Placeholder 2">
             <a:extLst>
               <a:ext uri="{FF2B5EF4-FFF2-40B4-BE49-F238E27FC236}">
-                <a16:creationId xmlns:a16="http://schemas.microsoft.com/office/drawing/2014/main" id="{103678F5-B025-46E2-BD45-E77861487165}"/>
+                <a16:creationId xmlns:a16="http://schemas.microsoft.com/office/drawing/2014/main" xmlns="" id="{103678F5-B025-46E2-BD45-E77861487165}"/>
               </a:ext>
             </a:extLst>
           </p:cNvPr>
@@ -8198,7 +8202,7 @@
           <p:cNvPr id="19" name="Picture Placeholder 10">
             <a:extLst>
               <a:ext uri="{FF2B5EF4-FFF2-40B4-BE49-F238E27FC236}">
-                <a16:creationId xmlns:a16="http://schemas.microsoft.com/office/drawing/2014/main" id="{92E6B581-A522-4758-A9A4-8B9C7B860CF2}"/>
+                <a16:creationId xmlns:a16="http://schemas.microsoft.com/office/drawing/2014/main" xmlns="" id="{92E6B581-A522-4758-A9A4-8B9C7B860CF2}"/>
               </a:ext>
             </a:extLst>
           </p:cNvPr>
@@ -8249,7 +8253,7 @@
           <p:cNvPr id="25" name="Text Placeholder 2">
             <a:extLst>
               <a:ext uri="{FF2B5EF4-FFF2-40B4-BE49-F238E27FC236}">
-                <a16:creationId xmlns:a16="http://schemas.microsoft.com/office/drawing/2014/main" id="{E13DFE1F-4534-4828-990E-B052F51FC65C}"/>
+                <a16:creationId xmlns:a16="http://schemas.microsoft.com/office/drawing/2014/main" xmlns="" id="{E13DFE1F-4534-4828-990E-B052F51FC65C}"/>
               </a:ext>
             </a:extLst>
           </p:cNvPr>
@@ -8329,7 +8333,7 @@
           <p:cNvPr id="29" name="Text Placeholder 2">
             <a:extLst>
               <a:ext uri="{FF2B5EF4-FFF2-40B4-BE49-F238E27FC236}">
-                <a16:creationId xmlns:a16="http://schemas.microsoft.com/office/drawing/2014/main" id="{7E3F385B-4DD9-4F3C-A02B-179B9FA61292}"/>
+                <a16:creationId xmlns:a16="http://schemas.microsoft.com/office/drawing/2014/main" xmlns="" id="{7E3F385B-4DD9-4F3C-A02B-179B9FA61292}"/>
               </a:ext>
             </a:extLst>
           </p:cNvPr>
@@ -8409,7 +8413,7 @@
           <p:cNvPr id="55" name="Picture Placeholder 10">
             <a:extLst>
               <a:ext uri="{FF2B5EF4-FFF2-40B4-BE49-F238E27FC236}">
-                <a16:creationId xmlns:a16="http://schemas.microsoft.com/office/drawing/2014/main" id="{1EBAEB1D-A7F9-4F90-B642-4277D3802BAB}"/>
+                <a16:creationId xmlns:a16="http://schemas.microsoft.com/office/drawing/2014/main" xmlns="" id="{1EBAEB1D-A7F9-4F90-B642-4277D3802BAB}"/>
               </a:ext>
             </a:extLst>
           </p:cNvPr>
@@ -8460,7 +8464,7 @@
           <p:cNvPr id="54" name="Text Placeholder 2">
             <a:extLst>
               <a:ext uri="{FF2B5EF4-FFF2-40B4-BE49-F238E27FC236}">
-                <a16:creationId xmlns:a16="http://schemas.microsoft.com/office/drawing/2014/main" id="{22930C5B-603C-494E-A467-8B394D01D406}"/>
+                <a16:creationId xmlns:a16="http://schemas.microsoft.com/office/drawing/2014/main" xmlns="" id="{22930C5B-603C-494E-A467-8B394D01D406}"/>
               </a:ext>
             </a:extLst>
           </p:cNvPr>
@@ -8540,7 +8544,7 @@
           <p:cNvPr id="62" name="Text Placeholder 2">
             <a:extLst>
               <a:ext uri="{FF2B5EF4-FFF2-40B4-BE49-F238E27FC236}">
-                <a16:creationId xmlns:a16="http://schemas.microsoft.com/office/drawing/2014/main" id="{540C455F-A23B-493F-B95E-AB485D91DA6A}"/>
+                <a16:creationId xmlns:a16="http://schemas.microsoft.com/office/drawing/2014/main" xmlns="" id="{540C455F-A23B-493F-B95E-AB485D91DA6A}"/>
               </a:ext>
             </a:extLst>
           </p:cNvPr>
@@ -8620,7 +8624,7 @@
           <p:cNvPr id="56" name="Picture Placeholder 10">
             <a:extLst>
               <a:ext uri="{FF2B5EF4-FFF2-40B4-BE49-F238E27FC236}">
-                <a16:creationId xmlns:a16="http://schemas.microsoft.com/office/drawing/2014/main" id="{9461A69E-14C8-4325-89AF-D4257C1C05BA}"/>
+                <a16:creationId xmlns:a16="http://schemas.microsoft.com/office/drawing/2014/main" xmlns="" id="{9461A69E-14C8-4325-89AF-D4257C1C05BA}"/>
               </a:ext>
             </a:extLst>
           </p:cNvPr>
@@ -8671,7 +8675,7 @@
           <p:cNvPr id="59" name="Text Placeholder 2">
             <a:extLst>
               <a:ext uri="{FF2B5EF4-FFF2-40B4-BE49-F238E27FC236}">
-                <a16:creationId xmlns:a16="http://schemas.microsoft.com/office/drawing/2014/main" id="{6D1C374C-DAF7-40EF-B279-4EC7A2AFE6A2}"/>
+                <a16:creationId xmlns:a16="http://schemas.microsoft.com/office/drawing/2014/main" xmlns="" id="{6D1C374C-DAF7-40EF-B279-4EC7A2AFE6A2}"/>
               </a:ext>
             </a:extLst>
           </p:cNvPr>
@@ -8751,7 +8755,7 @@
           <p:cNvPr id="63" name="Text Placeholder 2">
             <a:extLst>
               <a:ext uri="{FF2B5EF4-FFF2-40B4-BE49-F238E27FC236}">
-                <a16:creationId xmlns:a16="http://schemas.microsoft.com/office/drawing/2014/main" id="{421FF438-E4E8-4643-BCB3-4A1C12429042}"/>
+                <a16:creationId xmlns:a16="http://schemas.microsoft.com/office/drawing/2014/main" xmlns="" id="{421FF438-E4E8-4643-BCB3-4A1C12429042}"/>
               </a:ext>
             </a:extLst>
           </p:cNvPr>
@@ -8831,7 +8835,7 @@
           <p:cNvPr id="33" name="Picture Placeholder 10">
             <a:extLst>
               <a:ext uri="{FF2B5EF4-FFF2-40B4-BE49-F238E27FC236}">
-                <a16:creationId xmlns:a16="http://schemas.microsoft.com/office/drawing/2014/main" id="{E029C5CA-EDDA-4BF9-9051-8B09E98EE1E2}"/>
+                <a16:creationId xmlns:a16="http://schemas.microsoft.com/office/drawing/2014/main" xmlns="" id="{E029C5CA-EDDA-4BF9-9051-8B09E98EE1E2}"/>
               </a:ext>
             </a:extLst>
           </p:cNvPr>
@@ -8882,7 +8886,7 @@
           <p:cNvPr id="60" name="Text Placeholder 2">
             <a:extLst>
               <a:ext uri="{FF2B5EF4-FFF2-40B4-BE49-F238E27FC236}">
-                <a16:creationId xmlns:a16="http://schemas.microsoft.com/office/drawing/2014/main" id="{D4FEDD19-A7BA-45BB-93A0-F1E896C9F26D}"/>
+                <a16:creationId xmlns:a16="http://schemas.microsoft.com/office/drawing/2014/main" xmlns="" id="{D4FEDD19-A7BA-45BB-93A0-F1E896C9F26D}"/>
               </a:ext>
             </a:extLst>
           </p:cNvPr>
@@ -8962,7 +8966,7 @@
           <p:cNvPr id="64" name="Text Placeholder 2">
             <a:extLst>
               <a:ext uri="{FF2B5EF4-FFF2-40B4-BE49-F238E27FC236}">
-                <a16:creationId xmlns:a16="http://schemas.microsoft.com/office/drawing/2014/main" id="{A12F0175-7AEE-46B1-9590-D4A427680DC7}"/>
+                <a16:creationId xmlns:a16="http://schemas.microsoft.com/office/drawing/2014/main" xmlns="" id="{A12F0175-7AEE-46B1-9590-D4A427680DC7}"/>
               </a:ext>
             </a:extLst>
           </p:cNvPr>
@@ -9042,7 +9046,7 @@
           <p:cNvPr id="58" name="Picture Placeholder 10">
             <a:extLst>
               <a:ext uri="{FF2B5EF4-FFF2-40B4-BE49-F238E27FC236}">
-                <a16:creationId xmlns:a16="http://schemas.microsoft.com/office/drawing/2014/main" id="{622ED9F4-EB9B-4588-8501-BFECB846EE73}"/>
+                <a16:creationId xmlns:a16="http://schemas.microsoft.com/office/drawing/2014/main" xmlns="" id="{622ED9F4-EB9B-4588-8501-BFECB846EE73}"/>
               </a:ext>
             </a:extLst>
           </p:cNvPr>
@@ -9093,7 +9097,7 @@
           <p:cNvPr id="61" name="Text Placeholder 2">
             <a:extLst>
               <a:ext uri="{FF2B5EF4-FFF2-40B4-BE49-F238E27FC236}">
-                <a16:creationId xmlns:a16="http://schemas.microsoft.com/office/drawing/2014/main" id="{5026D39F-46AB-4680-9A52-F367344A3531}"/>
+                <a16:creationId xmlns:a16="http://schemas.microsoft.com/office/drawing/2014/main" xmlns="" id="{5026D39F-46AB-4680-9A52-F367344A3531}"/>
               </a:ext>
             </a:extLst>
           </p:cNvPr>
@@ -9173,7 +9177,7 @@
           <p:cNvPr id="65" name="Text Placeholder 2">
             <a:extLst>
               <a:ext uri="{FF2B5EF4-FFF2-40B4-BE49-F238E27FC236}">
-                <a16:creationId xmlns:a16="http://schemas.microsoft.com/office/drawing/2014/main" id="{04E11FE2-6320-4E8C-A5B3-8104AF329ADA}"/>
+                <a16:creationId xmlns:a16="http://schemas.microsoft.com/office/drawing/2014/main" xmlns="" id="{04E11FE2-6320-4E8C-A5B3-8104AF329ADA}"/>
               </a:ext>
             </a:extLst>
           </p:cNvPr>
@@ -9253,7 +9257,7 @@
           <p:cNvPr id="7" name="Date Placeholder 6">
             <a:extLst>
               <a:ext uri="{FF2B5EF4-FFF2-40B4-BE49-F238E27FC236}">
-                <a16:creationId xmlns:a16="http://schemas.microsoft.com/office/drawing/2014/main" id="{F255C16C-AA88-4BBF-8040-11ECFED618E0}"/>
+                <a16:creationId xmlns:a16="http://schemas.microsoft.com/office/drawing/2014/main" xmlns="" id="{F255C16C-AA88-4BBF-8040-11ECFED618E0}"/>
               </a:ext>
             </a:extLst>
           </p:cNvPr>
@@ -9289,7 +9293,7 @@
           <p:cNvPr id="8" name="Footer Placeholder 7">
             <a:extLst>
               <a:ext uri="{FF2B5EF4-FFF2-40B4-BE49-F238E27FC236}">
-                <a16:creationId xmlns:a16="http://schemas.microsoft.com/office/drawing/2014/main" id="{CBE560E3-F935-488F-8F0E-191D7B6B54B8}"/>
+                <a16:creationId xmlns:a16="http://schemas.microsoft.com/office/drawing/2014/main" xmlns="" id="{CBE560E3-F935-488F-8F0E-191D7B6B54B8}"/>
               </a:ext>
             </a:extLst>
           </p:cNvPr>
@@ -9325,7 +9329,7 @@
           <p:cNvPr id="9" name="Slide Number Placeholder 8">
             <a:extLst>
               <a:ext uri="{FF2B5EF4-FFF2-40B4-BE49-F238E27FC236}">
-                <a16:creationId xmlns:a16="http://schemas.microsoft.com/office/drawing/2014/main" id="{9B9CD8B2-CC23-467F-B0EE-2CC06D6308BD}"/>
+                <a16:creationId xmlns:a16="http://schemas.microsoft.com/office/drawing/2014/main" xmlns="" id="{9B9CD8B2-CC23-467F-B0EE-2CC06D6308BD}"/>
               </a:ext>
             </a:extLst>
           </p:cNvPr>
@@ -9361,7 +9365,7 @@
     </p:spTree>
     <p:extLst>
       <p:ext uri="{BB962C8B-B14F-4D97-AF65-F5344CB8AC3E}">
-        <p14:creationId xmlns:p14="http://schemas.microsoft.com/office/powerpoint/2010/main" val="2857120649"/>
+        <p14:creationId xmlns:p14="http://schemas.microsoft.com/office/powerpoint/2010/main" xmlns="" val="2857120649"/>
       </p:ext>
     </p:extLst>
   </p:cSld>
@@ -9398,7 +9402,7 @@
           <p:cNvPr id="2" name="Title Placeholder 1">
             <a:extLst>
               <a:ext uri="{FF2B5EF4-FFF2-40B4-BE49-F238E27FC236}">
-                <a16:creationId xmlns:a16="http://schemas.microsoft.com/office/drawing/2014/main" id="{8F4C17E5-24ED-44BC-BA50-02EF903552E1}"/>
+                <a16:creationId xmlns:a16="http://schemas.microsoft.com/office/drawing/2014/main" xmlns="" id="{8F4C17E5-24ED-44BC-BA50-02EF903552E1}"/>
               </a:ext>
             </a:extLst>
           </p:cNvPr>
@@ -9436,7 +9440,7 @@
           <p:cNvPr id="3" name="Text Placeholder 2">
             <a:extLst>
               <a:ext uri="{FF2B5EF4-FFF2-40B4-BE49-F238E27FC236}">
-                <a16:creationId xmlns:a16="http://schemas.microsoft.com/office/drawing/2014/main" id="{4833D101-3AF0-4F06-90ED-B83615C36CE9}"/>
+                <a16:creationId xmlns:a16="http://schemas.microsoft.com/office/drawing/2014/main" xmlns="" id="{4833D101-3AF0-4F06-90ED-B83615C36CE9}"/>
               </a:ext>
             </a:extLst>
           </p:cNvPr>
@@ -9503,7 +9507,7 @@
           <p:cNvPr id="4" name="Date Placeholder 3">
             <a:extLst>
               <a:ext uri="{FF2B5EF4-FFF2-40B4-BE49-F238E27FC236}">
-                <a16:creationId xmlns:a16="http://schemas.microsoft.com/office/drawing/2014/main" id="{C2AE9FDE-AF95-49F8-A927-35A23C9E6532}"/>
+                <a16:creationId xmlns:a16="http://schemas.microsoft.com/office/drawing/2014/main" xmlns="" id="{C2AE9FDE-AF95-49F8-A927-35A23C9E6532}"/>
               </a:ext>
             </a:extLst>
           </p:cNvPr>
@@ -9549,7 +9553,7 @@
           <p:cNvPr id="5" name="Footer Placeholder 4">
             <a:extLst>
               <a:ext uri="{FF2B5EF4-FFF2-40B4-BE49-F238E27FC236}">
-                <a16:creationId xmlns:a16="http://schemas.microsoft.com/office/drawing/2014/main" id="{CC2E900D-8FF9-4E80-860D-89C2D3B4E4E1}"/>
+                <a16:creationId xmlns:a16="http://schemas.microsoft.com/office/drawing/2014/main" xmlns="" id="{CC2E900D-8FF9-4E80-860D-89C2D3B4E4E1}"/>
               </a:ext>
             </a:extLst>
           </p:cNvPr>
@@ -9595,7 +9599,7 @@
           <p:cNvPr id="6" name="Slide Number Placeholder 5">
             <a:extLst>
               <a:ext uri="{FF2B5EF4-FFF2-40B4-BE49-F238E27FC236}">
-                <a16:creationId xmlns:a16="http://schemas.microsoft.com/office/drawing/2014/main" id="{F1A66A0C-1415-46A3-A1FF-BE18C70873E3}"/>
+                <a16:creationId xmlns:a16="http://schemas.microsoft.com/office/drawing/2014/main" xmlns="" id="{F1A66A0C-1415-46A3-A1FF-BE18C70873E3}"/>
               </a:ext>
             </a:extLst>
           </p:cNvPr>
@@ -9631,6 +9635,7 @@
           <a:p>
             <a:fld id="{A49DFD55-3C28-40EF-9E31-A92D2E4017FF}" type="slidenum">
               <a:rPr lang="en-US" smtClean="0"/>
+              <a:pPr/>
               <a:t>‹#›</a:t>
             </a:fld>
             <a:endParaRPr lang="en-US" dirty="0"/>
@@ -9640,7 +9645,7 @@
     </p:spTree>
     <p:extLst>
       <p:ext uri="{BB962C8B-B14F-4D97-AF65-F5344CB8AC3E}">
-        <p14:creationId xmlns:p14="http://schemas.microsoft.com/office/powerpoint/2010/main" val="2319061225"/>
+        <p14:creationId xmlns:p14="http://schemas.microsoft.com/office/powerpoint/2010/main" xmlns="" val="2319061225"/>
       </p:ext>
     </p:extLst>
   </p:cSld>
@@ -9968,7 +9973,7 @@
           <p:cNvPr id="2" name="Title 1">
             <a:extLst>
               <a:ext uri="{FF2B5EF4-FFF2-40B4-BE49-F238E27FC236}">
-                <a16:creationId xmlns:a16="http://schemas.microsoft.com/office/drawing/2014/main" id="{CFE75451-6A4B-484B-9ED1-353CCE25B0F4}"/>
+                <a16:creationId xmlns:a16="http://schemas.microsoft.com/office/drawing/2014/main" xmlns="" id="{CFE75451-6A4B-484B-9ED1-353CCE25B0F4}"/>
               </a:ext>
             </a:extLst>
           </p:cNvPr>
@@ -10001,7 +10006,7 @@
           <p:cNvPr id="3" name="Subtitle 2">
             <a:extLst>
               <a:ext uri="{FF2B5EF4-FFF2-40B4-BE49-F238E27FC236}">
-                <a16:creationId xmlns:a16="http://schemas.microsoft.com/office/drawing/2014/main" id="{0236A1B4-B8D1-4A72-8E20-0703F54BF1FE}"/>
+                <a16:creationId xmlns:a16="http://schemas.microsoft.com/office/drawing/2014/main" xmlns="" id="{0236A1B4-B8D1-4A72-8E20-0703F54BF1FE}"/>
               </a:ext>
             </a:extLst>
           </p:cNvPr>
@@ -10020,7 +10025,7 @@
         </p:spPr>
         <p:txBody>
           <a:bodyPr>
-            <a:normAutofit fontScale="77500" lnSpcReduction="20000"/>
+            <a:normAutofit fontScale="85000" lnSpcReduction="20000"/>
           </a:bodyPr>
           <a:lstStyle/>
           <a:p>
@@ -10066,7 +10071,7 @@
     </p:spTree>
     <p:extLst>
       <p:ext uri="{BB962C8B-B14F-4D97-AF65-F5344CB8AC3E}">
-        <p14:creationId xmlns:p14="http://schemas.microsoft.com/office/powerpoint/2010/main" val="2586058810"/>
+        <p14:creationId xmlns:p14="http://schemas.microsoft.com/office/powerpoint/2010/main" xmlns="" val="2586058810"/>
       </p:ext>
     </p:extLst>
   </p:cSld>
@@ -10098,7 +10103,7 @@
           <p:cNvPr id="2" name="Title 1">
             <a:extLst>
               <a:ext uri="{FF2B5EF4-FFF2-40B4-BE49-F238E27FC236}">
-                <a16:creationId xmlns:a16="http://schemas.microsoft.com/office/drawing/2014/main" id="{0A32731C-311B-46F7-A865-6C3AF6B09A47}"/>
+                <a16:creationId xmlns:a16="http://schemas.microsoft.com/office/drawing/2014/main" xmlns="" id="{0A32731C-311B-46F7-A865-6C3AF6B09A47}"/>
               </a:ext>
             </a:extLst>
           </p:cNvPr>
@@ -10131,7 +10136,7 @@
           <p:cNvPr id="3" name="Text Placeholder 2">
             <a:extLst>
               <a:ext uri="{FF2B5EF4-FFF2-40B4-BE49-F238E27FC236}">
-                <a16:creationId xmlns:a16="http://schemas.microsoft.com/office/drawing/2014/main" id="{9D5232F9-FD00-464A-9F17-619C91AEF8F3}"/>
+                <a16:creationId xmlns:a16="http://schemas.microsoft.com/office/drawing/2014/main" xmlns="" id="{9D5232F9-FD00-464A-9F17-619C91AEF8F3}"/>
               </a:ext>
             </a:extLst>
           </p:cNvPr>
@@ -10188,7 +10193,7 @@
           <p:cNvPr id="4" name="Date Placeholder 3">
             <a:extLst>
               <a:ext uri="{FF2B5EF4-FFF2-40B4-BE49-F238E27FC236}">
-                <a16:creationId xmlns:a16="http://schemas.microsoft.com/office/drawing/2014/main" id="{70E12647-CCB2-45E2-A9CB-A868F490497E}"/>
+                <a16:creationId xmlns:a16="http://schemas.microsoft.com/office/drawing/2014/main" xmlns="" id="{70E12647-CCB2-45E2-A9CB-A868F490497E}"/>
               </a:ext>
             </a:extLst>
           </p:cNvPr>
@@ -10221,7 +10226,7 @@
           <p:cNvPr id="5" name="Footer Placeholder 4">
             <a:extLst>
               <a:ext uri="{FF2B5EF4-FFF2-40B4-BE49-F238E27FC236}">
-                <a16:creationId xmlns:a16="http://schemas.microsoft.com/office/drawing/2014/main" id="{8D51ED20-04D4-4894-B0C2-9C541A61A734}"/>
+                <a16:creationId xmlns:a16="http://schemas.microsoft.com/office/drawing/2014/main" xmlns="" id="{8D51ED20-04D4-4894-B0C2-9C541A61A734}"/>
               </a:ext>
             </a:extLst>
           </p:cNvPr>
@@ -10254,7 +10259,7 @@
           <p:cNvPr id="6" name="Slide Number Placeholder 5">
             <a:extLst>
               <a:ext uri="{FF2B5EF4-FFF2-40B4-BE49-F238E27FC236}">
-                <a16:creationId xmlns:a16="http://schemas.microsoft.com/office/drawing/2014/main" id="{7BC1787E-7110-4989-B0B8-DD4E0ACC09DF}"/>
+                <a16:creationId xmlns:a16="http://schemas.microsoft.com/office/drawing/2014/main" xmlns="" id="{7BC1787E-7110-4989-B0B8-DD4E0ACC09DF}"/>
               </a:ext>
             </a:extLst>
           </p:cNvPr>
@@ -10287,7 +10292,7 @@
     </p:spTree>
     <p:extLst>
       <p:ext uri="{BB962C8B-B14F-4D97-AF65-F5344CB8AC3E}">
-        <p14:creationId xmlns:p14="http://schemas.microsoft.com/office/powerpoint/2010/main" val="3571516367"/>
+        <p14:creationId xmlns:p14="http://schemas.microsoft.com/office/powerpoint/2010/main" xmlns="" val="3571516367"/>
       </p:ext>
     </p:extLst>
   </p:cSld>
@@ -10319,7 +10324,7 @@
           <p:cNvPr id="2" name="Title 1">
             <a:extLst>
               <a:ext uri="{FF2B5EF4-FFF2-40B4-BE49-F238E27FC236}">
-                <a16:creationId xmlns:a16="http://schemas.microsoft.com/office/drawing/2014/main" id="{9FDB83AF-D291-F27C-262D-5357EA86606C}"/>
+                <a16:creationId xmlns:a16="http://schemas.microsoft.com/office/drawing/2014/main" xmlns="" id="{9FDB83AF-D291-F27C-262D-5357EA86606C}"/>
               </a:ext>
             </a:extLst>
           </p:cNvPr>
@@ -10352,7 +10357,7 @@
           <p:cNvPr id="4" name="Date Placeholder 3">
             <a:extLst>
               <a:ext uri="{FF2B5EF4-FFF2-40B4-BE49-F238E27FC236}">
-                <a16:creationId xmlns:a16="http://schemas.microsoft.com/office/drawing/2014/main" id="{2DADAC99-181D-8A20-7B37-D29FE922FDA0}"/>
+                <a16:creationId xmlns:a16="http://schemas.microsoft.com/office/drawing/2014/main" xmlns="" id="{2DADAC99-181D-8A20-7B37-D29FE922FDA0}"/>
               </a:ext>
             </a:extLst>
           </p:cNvPr>
@@ -10380,7 +10385,7 @@
           <p:cNvPr id="5" name="Footer Placeholder 4">
             <a:extLst>
               <a:ext uri="{FF2B5EF4-FFF2-40B4-BE49-F238E27FC236}">
-                <a16:creationId xmlns:a16="http://schemas.microsoft.com/office/drawing/2014/main" id="{7F0E49D4-3DED-EC86-C5DA-5749F68BEC44}"/>
+                <a16:creationId xmlns:a16="http://schemas.microsoft.com/office/drawing/2014/main" xmlns="" id="{7F0E49D4-3DED-EC86-C5DA-5749F68BEC44}"/>
               </a:ext>
             </a:extLst>
           </p:cNvPr>
@@ -10408,7 +10413,7 @@
           <p:cNvPr id="6" name="Slide Number Placeholder 5">
             <a:extLst>
               <a:ext uri="{FF2B5EF4-FFF2-40B4-BE49-F238E27FC236}">
-                <a16:creationId xmlns:a16="http://schemas.microsoft.com/office/drawing/2014/main" id="{EFF68021-5D89-75A6-CDF8-EB3F1B9528BF}"/>
+                <a16:creationId xmlns:a16="http://schemas.microsoft.com/office/drawing/2014/main" xmlns="" id="{EFF68021-5D89-75A6-CDF8-EB3F1B9528BF}"/>
               </a:ext>
             </a:extLst>
           </p:cNvPr>
@@ -10438,7 +10443,7 @@
           <p:cNvPr id="7" name="TextBox 6">
             <a:extLst>
               <a:ext uri="{FF2B5EF4-FFF2-40B4-BE49-F238E27FC236}">
-                <a16:creationId xmlns:a16="http://schemas.microsoft.com/office/drawing/2014/main" id="{CB991990-CDFD-8771-4690-3B5FA638E1BC}"/>
+                <a16:creationId xmlns:a16="http://schemas.microsoft.com/office/drawing/2014/main" xmlns="" id="{CB991990-CDFD-8771-4690-3B5FA638E1BC}"/>
               </a:ext>
             </a:extLst>
           </p:cNvPr>
@@ -10755,7 +10760,7 @@
           <p:cNvPr id="1026" name="Picture 2" descr="Grain">
             <a:extLst>
               <a:ext uri="{FF2B5EF4-FFF2-40B4-BE49-F238E27FC236}">
-                <a16:creationId xmlns:a16="http://schemas.microsoft.com/office/drawing/2014/main" id="{154B2115-F2DD-0DB2-11D8-4CCC1530DF92}"/>
+                <a16:creationId xmlns:a16="http://schemas.microsoft.com/office/drawing/2014/main" xmlns="" id="{154B2115-F2DD-0DB2-11D8-4CCC1530DF92}"/>
               </a:ext>
             </a:extLst>
           </p:cNvPr>
@@ -10768,7 +10773,7 @@
           <a:blip r:embed="rId2">
             <a:extLst>
               <a:ext uri="{28A0092B-C50C-407E-A947-70E740481C1C}">
-                <a14:useLocalDpi xmlns:a14="http://schemas.microsoft.com/office/drawing/2010/main" val="0"/>
+                <a14:useLocalDpi xmlns:a14="http://schemas.microsoft.com/office/drawing/2010/main" xmlns="" val="0"/>
               </a:ext>
             </a:extLst>
           </a:blip>
@@ -10788,7 +10793,7 @@
           <a:noFill/>
           <a:extLst>
             <a:ext uri="{909E8E84-426E-40DD-AFC4-6F175D3DCCD1}">
-              <a14:hiddenFill xmlns:a14="http://schemas.microsoft.com/office/drawing/2010/main">
+              <a14:hiddenFill xmlns:a14="http://schemas.microsoft.com/office/drawing/2010/main" xmlns="">
                 <a:solidFill>
                   <a:srgbClr val="FFFFFF"/>
                 </a:solidFill>
@@ -10800,7 +10805,7 @@
     </p:spTree>
     <p:extLst>
       <p:ext uri="{BB962C8B-B14F-4D97-AF65-F5344CB8AC3E}">
-        <p14:creationId xmlns:p14="http://schemas.microsoft.com/office/powerpoint/2010/main" val="4222770916"/>
+        <p14:creationId xmlns:p14="http://schemas.microsoft.com/office/powerpoint/2010/main" xmlns="" val="4222770916"/>
       </p:ext>
     </p:extLst>
   </p:cSld>
@@ -10832,7 +10837,7 @@
           <p:cNvPr id="2" name="Title 1">
             <a:extLst>
               <a:ext uri="{FF2B5EF4-FFF2-40B4-BE49-F238E27FC236}">
-                <a16:creationId xmlns:a16="http://schemas.microsoft.com/office/drawing/2014/main" id="{A1DD465E-F20A-B94F-6DEC-6F7DFB72119A}"/>
+                <a16:creationId xmlns:a16="http://schemas.microsoft.com/office/drawing/2014/main" xmlns="" id="{A1DD465E-F20A-B94F-6DEC-6F7DFB72119A}"/>
               </a:ext>
             </a:extLst>
           </p:cNvPr>
@@ -10868,7 +10873,7 @@
           <p:cNvPr id="4" name="Date Placeholder 3">
             <a:extLst>
               <a:ext uri="{FF2B5EF4-FFF2-40B4-BE49-F238E27FC236}">
-                <a16:creationId xmlns:a16="http://schemas.microsoft.com/office/drawing/2014/main" id="{FBD61277-D192-B1E3-BD46-D42EB617973E}"/>
+                <a16:creationId xmlns:a16="http://schemas.microsoft.com/office/drawing/2014/main" xmlns="" id="{FBD61277-D192-B1E3-BD46-D42EB617973E}"/>
               </a:ext>
             </a:extLst>
           </p:cNvPr>
@@ -10896,7 +10901,7 @@
           <p:cNvPr id="5" name="Footer Placeholder 4">
             <a:extLst>
               <a:ext uri="{FF2B5EF4-FFF2-40B4-BE49-F238E27FC236}">
-                <a16:creationId xmlns:a16="http://schemas.microsoft.com/office/drawing/2014/main" id="{9984D235-006C-6478-92AB-17779DB5C34D}"/>
+                <a16:creationId xmlns:a16="http://schemas.microsoft.com/office/drawing/2014/main" xmlns="" id="{9984D235-006C-6478-92AB-17779DB5C34D}"/>
               </a:ext>
             </a:extLst>
           </p:cNvPr>
@@ -10924,7 +10929,7 @@
           <p:cNvPr id="6" name="Slide Number Placeholder 5">
             <a:extLst>
               <a:ext uri="{FF2B5EF4-FFF2-40B4-BE49-F238E27FC236}">
-                <a16:creationId xmlns:a16="http://schemas.microsoft.com/office/drawing/2014/main" id="{88A4B50C-59E5-BA03-AFD5-04D9C5D33E5C}"/>
+                <a16:creationId xmlns:a16="http://schemas.microsoft.com/office/drawing/2014/main" xmlns="" id="{88A4B50C-59E5-BA03-AFD5-04D9C5D33E5C}"/>
               </a:ext>
             </a:extLst>
           </p:cNvPr>
@@ -10954,7 +10959,7 @@
           <p:cNvPr id="7" name="TextBox 6">
             <a:extLst>
               <a:ext uri="{FF2B5EF4-FFF2-40B4-BE49-F238E27FC236}">
-                <a16:creationId xmlns:a16="http://schemas.microsoft.com/office/drawing/2014/main" id="{7B402878-E13A-0525-9984-4C16F1D43CA9}"/>
+                <a16:creationId xmlns:a16="http://schemas.microsoft.com/office/drawing/2014/main" xmlns="" id="{7B402878-E13A-0525-9984-4C16F1D43CA9}"/>
               </a:ext>
             </a:extLst>
           </p:cNvPr>
@@ -11537,7 +11542,7 @@
     </p:spTree>
     <p:extLst>
       <p:ext uri="{BB962C8B-B14F-4D97-AF65-F5344CB8AC3E}">
-        <p14:creationId xmlns:p14="http://schemas.microsoft.com/office/powerpoint/2010/main" val="1312637048"/>
+        <p14:creationId xmlns:p14="http://schemas.microsoft.com/office/powerpoint/2010/main" xmlns="" val="1312637048"/>
       </p:ext>
     </p:extLst>
   </p:cSld>
@@ -11569,7 +11574,7 @@
           <p:cNvPr id="2" name="Title 1">
             <a:extLst>
               <a:ext uri="{FF2B5EF4-FFF2-40B4-BE49-F238E27FC236}">
-                <a16:creationId xmlns:a16="http://schemas.microsoft.com/office/drawing/2014/main" id="{CB2A5CE5-9F35-5706-D826-1529A31E6C2F}"/>
+                <a16:creationId xmlns:a16="http://schemas.microsoft.com/office/drawing/2014/main" xmlns="" id="{CB2A5CE5-9F35-5706-D826-1529A31E6C2F}"/>
               </a:ext>
             </a:extLst>
           </p:cNvPr>
@@ -11601,7 +11606,7 @@
           <p:cNvPr id="4" name="Date Placeholder 3">
             <a:extLst>
               <a:ext uri="{FF2B5EF4-FFF2-40B4-BE49-F238E27FC236}">
-                <a16:creationId xmlns:a16="http://schemas.microsoft.com/office/drawing/2014/main" id="{7169B1EC-2955-E7A1-5D20-AC3CD3404991}"/>
+                <a16:creationId xmlns:a16="http://schemas.microsoft.com/office/drawing/2014/main" xmlns="" id="{7169B1EC-2955-E7A1-5D20-AC3CD3404991}"/>
               </a:ext>
             </a:extLst>
           </p:cNvPr>
@@ -11629,7 +11634,7 @@
           <p:cNvPr id="5" name="Footer Placeholder 4">
             <a:extLst>
               <a:ext uri="{FF2B5EF4-FFF2-40B4-BE49-F238E27FC236}">
-                <a16:creationId xmlns:a16="http://schemas.microsoft.com/office/drawing/2014/main" id="{43EDC709-E959-C7C6-542B-ED560CF2499A}"/>
+                <a16:creationId xmlns:a16="http://schemas.microsoft.com/office/drawing/2014/main" xmlns="" id="{43EDC709-E959-C7C6-542B-ED560CF2499A}"/>
               </a:ext>
             </a:extLst>
           </p:cNvPr>
@@ -11658,7 +11663,7 @@
           <p:cNvPr id="6" name="Slide Number Placeholder 5">
             <a:extLst>
               <a:ext uri="{FF2B5EF4-FFF2-40B4-BE49-F238E27FC236}">
-                <a16:creationId xmlns:a16="http://schemas.microsoft.com/office/drawing/2014/main" id="{1AD68036-8E7A-CF1A-6EFC-59F37F539064}"/>
+                <a16:creationId xmlns:a16="http://schemas.microsoft.com/office/drawing/2014/main" xmlns="" id="{1AD68036-8E7A-CF1A-6EFC-59F37F539064}"/>
               </a:ext>
             </a:extLst>
           </p:cNvPr>
@@ -11688,7 +11693,7 @@
           <p:cNvPr id="7" name="TextBox 6">
             <a:extLst>
               <a:ext uri="{FF2B5EF4-FFF2-40B4-BE49-F238E27FC236}">
-                <a16:creationId xmlns:a16="http://schemas.microsoft.com/office/drawing/2014/main" id="{A6C7BB74-F57F-AFBF-0E93-F2433172FEF7}"/>
+                <a16:creationId xmlns:a16="http://schemas.microsoft.com/office/drawing/2014/main" xmlns="" id="{A6C7BB74-F57F-AFBF-0E93-F2433172FEF7}"/>
               </a:ext>
             </a:extLst>
           </p:cNvPr>
@@ -12072,7 +12077,7 @@
     </p:spTree>
     <p:extLst>
       <p:ext uri="{BB962C8B-B14F-4D97-AF65-F5344CB8AC3E}">
-        <p14:creationId xmlns:p14="http://schemas.microsoft.com/office/powerpoint/2010/main" val="3680171164"/>
+        <p14:creationId xmlns:p14="http://schemas.microsoft.com/office/powerpoint/2010/main" xmlns="" val="3680171164"/>
       </p:ext>
     </p:extLst>
   </p:cSld>
@@ -12104,7 +12109,7 @@
           <p:cNvPr id="2" name="Title 1">
             <a:extLst>
               <a:ext uri="{FF2B5EF4-FFF2-40B4-BE49-F238E27FC236}">
-                <a16:creationId xmlns:a16="http://schemas.microsoft.com/office/drawing/2014/main" id="{58028739-7228-5B2F-EA82-ACEED7B80AAA}"/>
+                <a16:creationId xmlns:a16="http://schemas.microsoft.com/office/drawing/2014/main" xmlns="" id="{58028739-7228-5B2F-EA82-ACEED7B80AAA}"/>
               </a:ext>
             </a:extLst>
           </p:cNvPr>
@@ -12125,13 +12130,10 @@
               <a:t>Basic Holt </a:t>
             </a:r>
             <a:r>
-              <a:rPr lang="nl-NL" dirty="0" err="1"/>
-              <a:t>Winthers</a:t>
-            </a:r>
-            <a:r>
-              <a:rPr lang="nl-NL" dirty="0"/>
-              <a:t> approach</a:t>
-            </a:r>
+              <a:rPr lang="nl-NL" dirty="0" smtClean="0"/>
+              <a:t>W inthers approach on the raw materials index</a:t>
+            </a:r>
+            <a:endParaRPr lang="nl-NL" dirty="0"/>
           </a:p>
         </p:txBody>
       </p:sp>
@@ -12140,7 +12142,7 @@
           <p:cNvPr id="4" name="Date Placeholder 3">
             <a:extLst>
               <a:ext uri="{FF2B5EF4-FFF2-40B4-BE49-F238E27FC236}">
-                <a16:creationId xmlns:a16="http://schemas.microsoft.com/office/drawing/2014/main" id="{7FCD9CF5-C689-5E52-BA23-B0E10FFC6356}"/>
+                <a16:creationId xmlns:a16="http://schemas.microsoft.com/office/drawing/2014/main" xmlns="" id="{7FCD9CF5-C689-5E52-BA23-B0E10FFC6356}"/>
               </a:ext>
             </a:extLst>
           </p:cNvPr>
@@ -12168,7 +12170,7 @@
           <p:cNvPr id="5" name="Footer Placeholder 4">
             <a:extLst>
               <a:ext uri="{FF2B5EF4-FFF2-40B4-BE49-F238E27FC236}">
-                <a16:creationId xmlns:a16="http://schemas.microsoft.com/office/drawing/2014/main" id="{4E1D5963-8EC5-EB82-FE1D-2DD73CC45FB9}"/>
+                <a16:creationId xmlns:a16="http://schemas.microsoft.com/office/drawing/2014/main" xmlns="" id="{4E1D5963-8EC5-EB82-FE1D-2DD73CC45FB9}"/>
               </a:ext>
             </a:extLst>
           </p:cNvPr>
@@ -12197,7 +12199,7 @@
           <p:cNvPr id="6" name="Slide Number Placeholder 5">
             <a:extLst>
               <a:ext uri="{FF2B5EF4-FFF2-40B4-BE49-F238E27FC236}">
-                <a16:creationId xmlns:a16="http://schemas.microsoft.com/office/drawing/2014/main" id="{1E46D8A7-1E29-7DC3-2ACD-291E0F0AE89F}"/>
+                <a16:creationId xmlns:a16="http://schemas.microsoft.com/office/drawing/2014/main" xmlns="" id="{1E46D8A7-1E29-7DC3-2ACD-291E0F0AE89F}"/>
               </a:ext>
             </a:extLst>
           </p:cNvPr>
@@ -12227,7 +12229,7 @@
           <p:cNvPr id="7" name="TextBox 6">
             <a:extLst>
               <a:ext uri="{FF2B5EF4-FFF2-40B4-BE49-F238E27FC236}">
-                <a16:creationId xmlns:a16="http://schemas.microsoft.com/office/drawing/2014/main" id="{3E2A3427-0D7A-8691-61F5-1378BF077398}"/>
+                <a16:creationId xmlns:a16="http://schemas.microsoft.com/office/drawing/2014/main" xmlns="" id="{3E2A3427-0D7A-8691-61F5-1378BF077398}"/>
               </a:ext>
             </a:extLst>
           </p:cNvPr>
@@ -12236,8 +12238,8 @@
         </p:nvSpPr>
         <p:spPr>
           <a:xfrm>
-            <a:off x="897622" y="1690688"/>
-            <a:ext cx="7986319" cy="923330"/>
+            <a:off x="897622" y="1690687"/>
+            <a:ext cx="5621931" cy="923330"/>
           </a:xfrm>
           <a:prstGeom prst="rect">
             <a:avLst/>
@@ -12269,10 +12271,142 @@
           </a:p>
         </p:txBody>
       </p:sp>
+      <p:pic>
+        <p:nvPicPr>
+          <p:cNvPr id="8" name="Picture 7" descr="Standard Holt Winthers Raw Materials Index.png"/>
+          <p:cNvPicPr>
+            <a:picLocks noChangeAspect="1"/>
+          </p:cNvPicPr>
+          <p:nvPr/>
+        </p:nvPicPr>
+        <p:blipFill>
+          <a:blip r:embed="rId2"/>
+          <a:stretch>
+            <a:fillRect/>
+          </a:stretch>
+        </p:blipFill>
+        <p:spPr>
+          <a:xfrm>
+            <a:off x="6849162" y="1543791"/>
+            <a:ext cx="4949662" cy="4166763"/>
+          </a:xfrm>
+          <a:prstGeom prst="rect">
+            <a:avLst/>
+          </a:prstGeom>
+        </p:spPr>
+      </p:pic>
+      <p:sp>
+        <p:nvSpPr>
+          <p:cNvPr id="9" name="TextBox 8"/>
+          <p:cNvSpPr txBox="1"/>
+          <p:nvPr/>
+        </p:nvSpPr>
+        <p:spPr>
+          <a:xfrm>
+            <a:off x="997527" y="1496291"/>
+            <a:ext cx="3835730" cy="2308324"/>
+          </a:xfrm>
+          <a:prstGeom prst="rect">
+            <a:avLst/>
+          </a:prstGeom>
+          <a:noFill/>
+        </p:spPr>
+        <p:txBody>
+          <a:bodyPr wrap="square" rtlCol="0">
+            <a:spAutoFit/>
+          </a:bodyPr>
+          <a:lstStyle/>
+          <a:p>
+            <a:pPr>
+              <a:buFont typeface="Arial" pitchFamily="34" charset="0"/>
+              <a:buChar char="•"/>
+            </a:pPr>
+            <a:r>
+              <a:rPr lang="en-US" dirty="0" smtClean="0"/>
+              <a:t>Basic Holt </a:t>
+            </a:r>
+            <a:r>
+              <a:rPr lang="en-US" dirty="0" err="1" smtClean="0"/>
+              <a:t>Winthers</a:t>
+            </a:r>
+            <a:r>
+              <a:rPr lang="en-US" dirty="0" smtClean="0"/>
+              <a:t> approach:</a:t>
+            </a:r>
+          </a:p>
+          <a:p>
+            <a:pPr lvl="1">
+              <a:buFont typeface="Arial" pitchFamily="34" charset="0"/>
+              <a:buChar char="•"/>
+            </a:pPr>
+            <a:r>
+              <a:rPr lang="en-US" dirty="0" smtClean="0"/>
+              <a:t>Seasonality: 1 year</a:t>
+            </a:r>
+          </a:p>
+          <a:p>
+            <a:pPr lvl="1">
+              <a:buFont typeface="Arial" pitchFamily="34" charset="0"/>
+              <a:buChar char="•"/>
+            </a:pPr>
+            <a:r>
+              <a:rPr lang="en-US" dirty="0" smtClean="0"/>
+              <a:t>Initialization:</a:t>
+            </a:r>
+          </a:p>
+          <a:p>
+            <a:pPr lvl="2">
+              <a:buFont typeface="Arial" pitchFamily="34" charset="0"/>
+              <a:buChar char="•"/>
+            </a:pPr>
+            <a:r>
+              <a:rPr lang="en-US" dirty="0" smtClean="0"/>
+              <a:t>Alpha = 0,2</a:t>
+            </a:r>
+          </a:p>
+          <a:p>
+            <a:pPr lvl="2">
+              <a:buFont typeface="Arial" pitchFamily="34" charset="0"/>
+              <a:buChar char="•"/>
+            </a:pPr>
+            <a:r>
+              <a:rPr lang="en-US" dirty="0" smtClean="0"/>
+              <a:t>Beta = 0.1</a:t>
+            </a:r>
+          </a:p>
+          <a:p>
+            <a:pPr lvl="2">
+              <a:buFont typeface="Arial" pitchFamily="34" charset="0"/>
+              <a:buChar char="•"/>
+            </a:pPr>
+            <a:r>
+              <a:rPr lang="en-US" dirty="0" smtClean="0"/>
+              <a:t>Gamma = 0.1</a:t>
+            </a:r>
+          </a:p>
+          <a:p>
+            <a:pPr>
+              <a:buFont typeface="Arial" pitchFamily="34" charset="0"/>
+              <a:buChar char="•"/>
+            </a:pPr>
+            <a:r>
+              <a:rPr lang="en-US" dirty="0" smtClean="0"/>
+              <a:t>SSE: 4645</a:t>
+            </a:r>
+          </a:p>
+          <a:p>
+            <a:pPr>
+              <a:buFont typeface="Arial" pitchFamily="34" charset="0"/>
+              <a:buChar char="•"/>
+            </a:pPr>
+            <a:endParaRPr lang="en-US" dirty="0"/>
+          </a:p>
+        </p:txBody>
+      </p:sp>
     </p:spTree>
     <p:extLst>
       <p:ext uri="{BB962C8B-B14F-4D97-AF65-F5344CB8AC3E}">
-        <p14:creationId xmlns:p14="http://schemas.microsoft.com/office/powerpoint/2010/main" val="128985822"/>
+        <p14:creationId xmlns:p14="http://schemas.microsoft.com/office/powerpoint/2010/main" xmlns="" val="128985822"/>
       </p:ext>
     </p:extLst>
   </p:cSld>
@@ -12304,7 +12438,7 @@
           <p:cNvPr id="2" name="Title 1">
             <a:extLst>
               <a:ext uri="{FF2B5EF4-FFF2-40B4-BE49-F238E27FC236}">
-                <a16:creationId xmlns:a16="http://schemas.microsoft.com/office/drawing/2014/main" id="{4B806AB5-8A3C-B047-C1D6-7A5C2C4FDFFF}"/>
+                <a16:creationId xmlns:a16="http://schemas.microsoft.com/office/drawing/2014/main" xmlns="" id="{4B806AB5-8A3C-B047-C1D6-7A5C2C4FDFFF}"/>
               </a:ext>
             </a:extLst>
           </p:cNvPr>
@@ -12337,7 +12471,7 @@
           <p:cNvPr id="4" name="Date Placeholder 3">
             <a:extLst>
               <a:ext uri="{FF2B5EF4-FFF2-40B4-BE49-F238E27FC236}">
-                <a16:creationId xmlns:a16="http://schemas.microsoft.com/office/drawing/2014/main" id="{13922E3C-2166-3D58-2DDD-E65BDF4CCD1E}"/>
+                <a16:creationId xmlns:a16="http://schemas.microsoft.com/office/drawing/2014/main" xmlns="" id="{13922E3C-2166-3D58-2DDD-E65BDF4CCD1E}"/>
               </a:ext>
             </a:extLst>
           </p:cNvPr>
@@ -12365,7 +12499,7 @@
           <p:cNvPr id="5" name="Footer Placeholder 4">
             <a:extLst>
               <a:ext uri="{FF2B5EF4-FFF2-40B4-BE49-F238E27FC236}">
-                <a16:creationId xmlns:a16="http://schemas.microsoft.com/office/drawing/2014/main" id="{C31AD6CA-BABE-322C-9D7F-5EA983CA68E5}"/>
+                <a16:creationId xmlns:a16="http://schemas.microsoft.com/office/drawing/2014/main" xmlns="" id="{C31AD6CA-BABE-322C-9D7F-5EA983CA68E5}"/>
               </a:ext>
             </a:extLst>
           </p:cNvPr>
@@ -12393,7 +12527,7 @@
           <p:cNvPr id="6" name="Slide Number Placeholder 5">
             <a:extLst>
               <a:ext uri="{FF2B5EF4-FFF2-40B4-BE49-F238E27FC236}">
-                <a16:creationId xmlns:a16="http://schemas.microsoft.com/office/drawing/2014/main" id="{6D357B5B-4B0C-B6A1-5308-796FA3538DA7}"/>
+                <a16:creationId xmlns:a16="http://schemas.microsoft.com/office/drawing/2014/main" xmlns="" id="{6D357B5B-4B0C-B6A1-5308-796FA3538DA7}"/>
               </a:ext>
             </a:extLst>
           </p:cNvPr>
@@ -12423,7 +12557,7 @@
           <p:cNvPr id="10" name="Picture 9">
             <a:extLst>
               <a:ext uri="{FF2B5EF4-FFF2-40B4-BE49-F238E27FC236}">
-                <a16:creationId xmlns:a16="http://schemas.microsoft.com/office/drawing/2014/main" id="{6AC3D3AB-7B8D-A3A3-30B6-38C017C1853E}"/>
+                <a16:creationId xmlns:a16="http://schemas.microsoft.com/office/drawing/2014/main" xmlns="" id="{6AC3D3AB-7B8D-A3A3-30B6-38C017C1853E}"/>
               </a:ext>
             </a:extLst>
           </p:cNvPr>
@@ -12453,7 +12587,7 @@
           <p:cNvPr id="11" name="TextBox 10">
             <a:extLst>
               <a:ext uri="{FF2B5EF4-FFF2-40B4-BE49-F238E27FC236}">
-                <a16:creationId xmlns:a16="http://schemas.microsoft.com/office/drawing/2014/main" id="{6185940A-BCFB-624A-CF3D-59A3F4A6793B}"/>
+                <a16:creationId xmlns:a16="http://schemas.microsoft.com/office/drawing/2014/main" xmlns="" id="{6185940A-BCFB-624A-CF3D-59A3F4A6793B}"/>
               </a:ext>
             </a:extLst>
           </p:cNvPr>
@@ -12559,7 +12693,7 @@
     </p:spTree>
     <p:extLst>
       <p:ext uri="{BB962C8B-B14F-4D97-AF65-F5344CB8AC3E}">
-        <p14:creationId xmlns:p14="http://schemas.microsoft.com/office/powerpoint/2010/main" val="4221378875"/>
+        <p14:creationId xmlns:p14="http://schemas.microsoft.com/office/powerpoint/2010/main" xmlns="" val="4221378875"/>
       </p:ext>
     </p:extLst>
   </p:cSld>
@@ -12591,7 +12725,7 @@
           <p:cNvPr id="2" name="Title 1">
             <a:extLst>
               <a:ext uri="{FF2B5EF4-FFF2-40B4-BE49-F238E27FC236}">
-                <a16:creationId xmlns:a16="http://schemas.microsoft.com/office/drawing/2014/main" id="{80FB6617-C334-F38E-3075-BD876F491BD3}"/>
+                <a16:creationId xmlns:a16="http://schemas.microsoft.com/office/drawing/2014/main" xmlns="" id="{80FB6617-C334-F38E-3075-BD876F491BD3}"/>
               </a:ext>
             </a:extLst>
           </p:cNvPr>
@@ -12619,7 +12753,7 @@
           <p:cNvPr id="4" name="Date Placeholder 3">
             <a:extLst>
               <a:ext uri="{FF2B5EF4-FFF2-40B4-BE49-F238E27FC236}">
-                <a16:creationId xmlns:a16="http://schemas.microsoft.com/office/drawing/2014/main" id="{67F44358-6D5F-130F-8828-D4096127CB3D}"/>
+                <a16:creationId xmlns:a16="http://schemas.microsoft.com/office/drawing/2014/main" xmlns="" id="{67F44358-6D5F-130F-8828-D4096127CB3D}"/>
               </a:ext>
             </a:extLst>
           </p:cNvPr>
@@ -12647,7 +12781,7 @@
           <p:cNvPr id="5" name="Footer Placeholder 4">
             <a:extLst>
               <a:ext uri="{FF2B5EF4-FFF2-40B4-BE49-F238E27FC236}">
-                <a16:creationId xmlns:a16="http://schemas.microsoft.com/office/drawing/2014/main" id="{A802E3C5-81BC-5650-DB89-52F401DC8368}"/>
+                <a16:creationId xmlns:a16="http://schemas.microsoft.com/office/drawing/2014/main" xmlns="" id="{A802E3C5-81BC-5650-DB89-52F401DC8368}"/>
               </a:ext>
             </a:extLst>
           </p:cNvPr>
@@ -12675,7 +12809,7 @@
           <p:cNvPr id="6" name="Slide Number Placeholder 5">
             <a:extLst>
               <a:ext uri="{FF2B5EF4-FFF2-40B4-BE49-F238E27FC236}">
-                <a16:creationId xmlns:a16="http://schemas.microsoft.com/office/drawing/2014/main" id="{BAF3F9BC-057D-84B8-0DE6-5199CA3FB38D}"/>
+                <a16:creationId xmlns:a16="http://schemas.microsoft.com/office/drawing/2014/main" xmlns="" id="{BAF3F9BC-057D-84B8-0DE6-5199CA3FB38D}"/>
               </a:ext>
             </a:extLst>
           </p:cNvPr>
@@ -12705,7 +12839,7 @@
           <p:cNvPr id="7" name="TextBox 6">
             <a:extLst>
               <a:ext uri="{FF2B5EF4-FFF2-40B4-BE49-F238E27FC236}">
-                <a16:creationId xmlns:a16="http://schemas.microsoft.com/office/drawing/2014/main" id="{3A74F427-3AFA-994C-8420-A5F1B2C83399}"/>
+                <a16:creationId xmlns:a16="http://schemas.microsoft.com/office/drawing/2014/main" xmlns="" id="{3A74F427-3AFA-994C-8420-A5F1B2C83399}"/>
               </a:ext>
             </a:extLst>
           </p:cNvPr>
@@ -12946,7 +13080,7 @@
     </p:spTree>
     <p:extLst>
       <p:ext uri="{BB962C8B-B14F-4D97-AF65-F5344CB8AC3E}">
-        <p14:creationId xmlns:p14="http://schemas.microsoft.com/office/powerpoint/2010/main" val="3484567912"/>
+        <p14:creationId xmlns:p14="http://schemas.microsoft.com/office/powerpoint/2010/main" xmlns="" val="3484567912"/>
       </p:ext>
     </p:extLst>
   </p:cSld>
@@ -13151,7 +13285,7 @@
   <a:extraClrSchemeLst/>
   <a:extLst>
     <a:ext uri="{05A4C25C-085E-4340-85A3-A5531E510DB2}">
-      <thm15:themeFamily xmlns:thm15="http://schemas.microsoft.com/office/thememl/2012/main" name="Minimalist Presentation_tm67328976_Win32_LW_SL_v3" id="{B5A5B451-F186-4F05-917D-430247B33515}" vid="{C0610F80-F57F-4E6B-A096-3AEBDD5FC546}"/>
+      <thm15:themeFamily xmlns:thm15="http://schemas.microsoft.com/office/thememl/2012/main" xmlns="" name="Minimalist Presentation_tm67328976_Win32_LW_SL_v3" id="{B5A5B451-F186-4F05-917D-430247B33515}" vid="{C0610F80-F57F-4E6B-A096-3AEBDD5FC546}"/>
     </a:ext>
   </a:extLst>
 </a:theme>
@@ -13200,7 +13334,7 @@
     </a:clrScheme>
     <a:fontScheme name="Office">
       <a:majorFont>
-        <a:latin typeface="Calibri Light" panose="020F0302020204030204"/>
+        <a:latin typeface="Calibri Light"/>
         <a:ea typeface=""/>
         <a:cs typeface=""/>
         <a:font script="Jpan" typeface="游ゴシック Light"/>
@@ -13252,7 +13386,7 @@
         <a:font script="Tfng" typeface="Ebrima"/>
       </a:majorFont>
       <a:minorFont>
-        <a:latin typeface="Calibri" panose="020F0502020204030204"/>
+        <a:latin typeface="Calibri"/>
         <a:ea typeface=""/>
         <a:cs typeface=""/>
         <a:font script="Jpan" typeface="游ゴシック"/>
@@ -13446,7 +13580,7 @@
   <a:extraClrSchemeLst/>
   <a:extLst>
     <a:ext uri="{05A4C25C-085E-4340-85A3-A5531E510DB2}">
-      <thm15:themeFamily xmlns:thm15="http://schemas.microsoft.com/office/thememl/2012/main" name="Office Theme" id="{62F939B6-93AF-4DB8-9C6B-D6C7DFDC589F}" vid="{4A3C46E8-61CC-4603-A589-7422A47A8E4A}"/>
+      <thm15:themeFamily xmlns:thm15="http://schemas.microsoft.com/office/thememl/2012/main" xmlns="" name="Office Theme" id="{62F939B6-93AF-4DB8-9C6B-D6C7DFDC589F}" vid="{4A3C46E8-61CC-4603-A589-7422A47A8E4A}"/>
     </a:ext>
   </a:extLst>
 </a:theme>
@@ -13495,7 +13629,7 @@
     </a:clrScheme>
     <a:fontScheme name="Office">
       <a:majorFont>
-        <a:latin typeface="Calibri Light" panose="020F0302020204030204"/>
+        <a:latin typeface="Calibri Light"/>
         <a:ea typeface=""/>
         <a:cs typeface=""/>
         <a:font script="Jpan" typeface="游ゴシック Light"/>
@@ -13547,7 +13681,7 @@
         <a:font script="Tfng" typeface="Ebrima"/>
       </a:majorFont>
       <a:minorFont>
-        <a:latin typeface="Calibri" panose="020F0502020204030204"/>
+        <a:latin typeface="Calibri"/>
         <a:ea typeface=""/>
         <a:cs typeface=""/>
         <a:font script="Jpan" typeface="游ゴシック"/>
@@ -13741,41 +13875,13 @@
   <a:extraClrSchemeLst/>
   <a:extLst>
     <a:ext uri="{05A4C25C-085E-4340-85A3-A5531E510DB2}">
-      <thm15:themeFamily xmlns:thm15="http://schemas.microsoft.com/office/thememl/2012/main" name="Office Theme" id="{62F939B6-93AF-4DB8-9C6B-D6C7DFDC589F}" vid="{4A3C46E8-61CC-4603-A589-7422A47A8E4A}"/>
+      <thm15:themeFamily xmlns:thm15="http://schemas.microsoft.com/office/thememl/2012/main" xmlns="" name="Office Theme" id="{62F939B6-93AF-4DB8-9C6B-D6C7DFDC589F}" vid="{4A3C46E8-61CC-4603-A589-7422A47A8E4A}"/>
     </a:ext>
   </a:extLst>
 </a:theme>
 </file>
 
 <file path=customXml/item1.xml><?xml version="1.0" encoding="utf-8"?>
-<p:properties xmlns:p="http://schemas.microsoft.com/office/2006/metadata/properties" xmlns:xsi="http://www.w3.org/2001/XMLSchema-instance" xmlns:pc="http://schemas.microsoft.com/office/infopath/2007/PartnerControls">
-  <documentManagement>
-    <_ip_UnifiedCompliancePolicyUIAction xmlns="http://schemas.microsoft.com/sharepoint/v3" xsi:nil="true"/>
-    <Image xmlns="71af3243-3dd4-4a8d-8c0d-dd76da1f02a5">
-      <Url xsi:nil="true"/>
-      <Description xsi:nil="true"/>
-    </Image>
-    <Status xmlns="71af3243-3dd4-4a8d-8c0d-dd76da1f02a5">Not started</Status>
-    <_ip_UnifiedCompliancePolicyProperties xmlns="http://schemas.microsoft.com/sharepoint/v3" xsi:nil="true"/>
-    <ImageTagsTaxHTField xmlns="71af3243-3dd4-4a8d-8c0d-dd76da1f02a5">
-      <Terms xmlns="http://schemas.microsoft.com/office/infopath/2007/PartnerControls"/>
-    </ImageTagsTaxHTField>
-    <TaxCatchAll xmlns="230e9df3-be65-4c73-a93b-d1236ebd677e"/>
-    <MediaServiceKeyPoints xmlns="71af3243-3dd4-4a8d-8c0d-dd76da1f02a5" xsi:nil="true"/>
-  </documentManagement>
-</p:properties>
-</file>
-
-<file path=customXml/item2.xml><?xml version="1.0" encoding="utf-8"?>
-<?mso-contentType ?>
-<FormTemplates xmlns="http://schemas.microsoft.com/sharepoint/v3/contenttype/forms">
-  <Display>DocumentLibraryForm</Display>
-  <Edit>DocumentLibraryForm</Edit>
-  <New>DocumentLibraryForm</New>
-</FormTemplates>
-</file>
-
-<file path=customXml/item3.xml><?xml version="1.0" encoding="utf-8"?>
 <ct:contentTypeSchema xmlns:ct="http://schemas.microsoft.com/office/2006/metadata/contentType" xmlns:ma="http://schemas.microsoft.com/office/2006/metadata/properties/metaAttributes" ct:_="" ma:_="" ma:contentTypeName="Document" ma:contentTypeID="0x01010079F111ED35F8CC479449609E8A0923A6" ma:contentTypeVersion="20" ma:contentTypeDescription="Create a new document." ma:contentTypeScope="" ma:versionID="1267097ee5f5874adfcc408041ae252e">
   <xsd:schema xmlns:xsd="http://www.w3.org/2001/XMLSchema" xmlns:xs="http://www.w3.org/2001/XMLSchema" xmlns:p="http://schemas.microsoft.com/office/2006/metadata/properties" xmlns:ns1="http://schemas.microsoft.com/sharepoint/v3" xmlns:ns2="71af3243-3dd4-4a8d-8c0d-dd76da1f02a5" xmlns:ns3="16c05727-aa75-4e4a-9b5f-8a80a1165891" xmlns:ns4="230e9df3-be65-4c73-a93b-d1236ebd677e" targetNamespace="http://schemas.microsoft.com/office/2006/metadata/properties" ma:root="true" ma:fieldsID="395891a93df65b14727750f2c06c306c" ns1:_="" ns2:_="" ns3:_="" ns4:_="">
     <xsd:import namespace="http://schemas.microsoft.com/sharepoint/v3"/>
@@ -14051,27 +14157,35 @@
 </ct:contentTypeSchema>
 </file>
 
-<file path=customXml/itemProps1.xml><?xml version="1.0" encoding="utf-8"?>
-<ds:datastoreItem xmlns:ds="http://schemas.openxmlformats.org/officeDocument/2006/customXml" ds:itemID="{29C43685-694E-4579-B109-3C418D49DA65}">
-  <ds:schemaRefs>
-    <ds:schemaRef ds:uri="http://schemas.microsoft.com/office/2006/metadata/properties"/>
-    <ds:schemaRef ds:uri="http://schemas.microsoft.com/office/infopath/2007/PartnerControls"/>
-    <ds:schemaRef ds:uri="http://schemas.microsoft.com/sharepoint/v3"/>
-    <ds:schemaRef ds:uri="71af3243-3dd4-4a8d-8c0d-dd76da1f02a5"/>
-    <ds:schemaRef ds:uri="230e9df3-be65-4c73-a93b-d1236ebd677e"/>
-  </ds:schemaRefs>
-</ds:datastoreItem>
+<file path=customXml/item2.xml><?xml version="1.0" encoding="utf-8"?>
+<?mso-contentType ?>
+<FormTemplates xmlns="http://schemas.microsoft.com/sharepoint/v3/contenttype/forms">
+  <Display>DocumentLibraryForm</Display>
+  <Edit>DocumentLibraryForm</Edit>
+  <New>DocumentLibraryForm</New>
+</FormTemplates>
 </file>
 
-<file path=customXml/itemProps2.xml><?xml version="1.0" encoding="utf-8"?>
-<ds:datastoreItem xmlns:ds="http://schemas.openxmlformats.org/officeDocument/2006/customXml" ds:itemID="{0FD6FE22-81A0-4500-AFD0-342D21BB9A2C}">
-  <ds:schemaRefs>
-    <ds:schemaRef ds:uri="http://schemas.microsoft.com/sharepoint/v3/contenttype/forms"/>
-  </ds:schemaRefs>
-</ds:datastoreItem>
+<file path=customXml/item3.xml><?xml version="1.0" encoding="utf-8"?>
+<p:properties xmlns:p="http://schemas.microsoft.com/office/2006/metadata/properties" xmlns:xsi="http://www.w3.org/2001/XMLSchema-instance" xmlns:pc="http://schemas.microsoft.com/office/infopath/2007/PartnerControls">
+  <documentManagement>
+    <_ip_UnifiedCompliancePolicyUIAction xmlns="http://schemas.microsoft.com/sharepoint/v3" xsi:nil="true"/>
+    <Image xmlns="71af3243-3dd4-4a8d-8c0d-dd76da1f02a5">
+      <Url xsi:nil="true"/>
+      <Description xsi:nil="true"/>
+    </Image>
+    <Status xmlns="71af3243-3dd4-4a8d-8c0d-dd76da1f02a5">Not started</Status>
+    <_ip_UnifiedCompliancePolicyProperties xmlns="http://schemas.microsoft.com/sharepoint/v3" xsi:nil="true"/>
+    <ImageTagsTaxHTField xmlns="71af3243-3dd4-4a8d-8c0d-dd76da1f02a5">
+      <Terms xmlns="http://schemas.microsoft.com/office/infopath/2007/PartnerControls"/>
+    </ImageTagsTaxHTField>
+    <TaxCatchAll xmlns="230e9df3-be65-4c73-a93b-d1236ebd677e"/>
+    <MediaServiceKeyPoints xmlns="71af3243-3dd4-4a8d-8c0d-dd76da1f02a5" xsi:nil="true"/>
+  </documentManagement>
+</p:properties>
 </file>
 
-<file path=customXml/itemProps3.xml><?xml version="1.0" encoding="utf-8"?>
+<file path=customXml/itemProps1.xml><?xml version="1.0" encoding="utf-8"?>
 <ds:datastoreItem xmlns:ds="http://schemas.openxmlformats.org/officeDocument/2006/customXml" ds:itemID="{CC96B61E-1B64-430F-934F-7D1B90028029}">
   <ds:schemaRefs>
     <ds:schemaRef ds:uri="http://schemas.microsoft.com/office/2006/metadata/contentType"/>
@@ -14092,6 +14206,26 @@
 </ds:datastoreItem>
 </file>
 
+<file path=customXml/itemProps2.xml><?xml version="1.0" encoding="utf-8"?>
+<ds:datastoreItem xmlns:ds="http://schemas.openxmlformats.org/officeDocument/2006/customXml" ds:itemID="{0FD6FE22-81A0-4500-AFD0-342D21BB9A2C}">
+  <ds:schemaRefs>
+    <ds:schemaRef ds:uri="http://schemas.microsoft.com/sharepoint/v3/contenttype/forms"/>
+  </ds:schemaRefs>
+</ds:datastoreItem>
+</file>
+
+<file path=customXml/itemProps3.xml><?xml version="1.0" encoding="utf-8"?>
+<ds:datastoreItem xmlns:ds="http://schemas.openxmlformats.org/officeDocument/2006/customXml" ds:itemID="{29C43685-694E-4579-B109-3C418D49DA65}">
+  <ds:schemaRefs>
+    <ds:schemaRef ds:uri="http://schemas.microsoft.com/office/2006/metadata/properties"/>
+    <ds:schemaRef ds:uri="http://schemas.microsoft.com/office/infopath/2007/PartnerControls"/>
+    <ds:schemaRef ds:uri="http://schemas.microsoft.com/sharepoint/v3"/>
+    <ds:schemaRef ds:uri="71af3243-3dd4-4a8d-8c0d-dd76da1f02a5"/>
+    <ds:schemaRef ds:uri="230e9df3-be65-4c73-a93b-d1236ebd677e"/>
+  </ds:schemaRefs>
+</ds:datastoreItem>
+</file>
+
 <file path=docMetadata/LabelInfo.xml><?xml version="1.0" encoding="utf-8"?>
 <clbl:labelList xmlns:clbl="http://schemas.microsoft.com/office/2020/mipLabelMetadata">
   <clbl:label id="{f42aa342-8706-4288-bd11-ebb85995028c}" enabled="1" method="Standard" siteId="{72f988bf-86f1-41af-91ab-2d7cd011db47}" removed="0"/>

--- a/Proposal Presentation/Proposal presentation.pptx
+++ b/Proposal Presentation/Proposal presentation.pptx
@@ -119,10 +119,21 @@
   </p:defaultTextStyle>
   <p:extLst>
     <p:ext uri="{EFAFB233-063F-42B5-8137-9DF3F51BA10A}">
-      <p15:sldGuideLst xmlns:p15="http://schemas.microsoft.com/office/powerpoint/2012/main" xmlns=""/>
+      <p15:sldGuideLst xmlns:p15="http://schemas.microsoft.com/office/powerpoint/2012/main">
+        <p15:guide id="1" orient="horz" pos="2160">
+          <p15:clr>
+            <a:srgbClr val="A4A3A4"/>
+          </p15:clr>
+        </p15:guide>
+        <p15:guide id="2" pos="3840">
+          <p15:clr>
+            <a:srgbClr val="A4A3A4"/>
+          </p15:clr>
+        </p15:guide>
+      </p15:sldGuideLst>
     </p:ext>
     <p:ext uri="{2D200454-40CA-4A62-9FC3-DE9A4176ACB9}">
-      <p15:notesGuideLst xmlns:p15="http://schemas.microsoft.com/office/powerpoint/2012/main" xmlns=""/>
+      <p15:notesGuideLst xmlns:p15="http://schemas.microsoft.com/office/powerpoint/2012/main"/>
     </p:ext>
   </p:extLst>
 </p:presentation>
@@ -612,7 +623,7 @@
           <p:cNvPr id="2" name="Header Placeholder 1">
             <a:extLst>
               <a:ext uri="{FF2B5EF4-FFF2-40B4-BE49-F238E27FC236}">
-                <a16:creationId xmlns:a16="http://schemas.microsoft.com/office/drawing/2014/main" xmlns="" id="{3E7F456E-01A6-4013-ACA5-F5492591A24D}"/>
+                <a16:creationId xmlns:a16="http://schemas.microsoft.com/office/drawing/2014/main" id="{3E7F456E-01A6-4013-ACA5-F5492591A24D}"/>
               </a:ext>
             </a:extLst>
           </p:cNvPr>
@@ -649,7 +660,7 @@
           <p:cNvPr id="3" name="Date Placeholder 2">
             <a:extLst>
               <a:ext uri="{FF2B5EF4-FFF2-40B4-BE49-F238E27FC236}">
-                <a16:creationId xmlns:a16="http://schemas.microsoft.com/office/drawing/2014/main" xmlns="" id="{484983A3-9B9B-4D61-97C9-B9E239A31598}"/>
+                <a16:creationId xmlns:a16="http://schemas.microsoft.com/office/drawing/2014/main" id="{484983A3-9B9B-4D61-97C9-B9E239A31598}"/>
               </a:ext>
             </a:extLst>
           </p:cNvPr>
@@ -680,7 +691,7 @@
             <a:fld id="{B56F32FC-4BD9-442A-A8C6-51598C909FE3}" type="datetimeFigureOut">
               <a:rPr lang="en-US" smtClean="0"/>
               <a:pPr/>
-              <a:t>6/29/2023</a:t>
+              <a:t>7/1/23</a:t>
             </a:fld>
             <a:endParaRPr lang="en-US" dirty="0"/>
           </a:p>
@@ -691,7 +702,7 @@
           <p:cNvPr id="4" name="Footer Placeholder 3">
             <a:extLst>
               <a:ext uri="{FF2B5EF4-FFF2-40B4-BE49-F238E27FC236}">
-                <a16:creationId xmlns:a16="http://schemas.microsoft.com/office/drawing/2014/main" xmlns="" id="{5EEABE74-7A97-4D17-8390-42ADD25C33C3}"/>
+                <a16:creationId xmlns:a16="http://schemas.microsoft.com/office/drawing/2014/main" id="{5EEABE74-7A97-4D17-8390-42ADD25C33C3}"/>
               </a:ext>
             </a:extLst>
           </p:cNvPr>
@@ -728,7 +739,7 @@
           <p:cNvPr id="5" name="Slide Number Placeholder 4">
             <a:extLst>
               <a:ext uri="{FF2B5EF4-FFF2-40B4-BE49-F238E27FC236}">
-                <a16:creationId xmlns:a16="http://schemas.microsoft.com/office/drawing/2014/main" xmlns="" id="{B42C1DBD-1052-425E-BF3C-983304BED571}"/>
+                <a16:creationId xmlns:a16="http://schemas.microsoft.com/office/drawing/2014/main" id="{B42C1DBD-1052-425E-BF3C-983304BED571}"/>
               </a:ext>
             </a:extLst>
           </p:cNvPr>
@@ -768,7 +779,7 @@
     </p:spTree>
     <p:extLst>
       <p:ext uri="{BB962C8B-B14F-4D97-AF65-F5344CB8AC3E}">
-        <p14:creationId xmlns:p14="http://schemas.microsoft.com/office/powerpoint/2010/main" xmlns="" val="2324801919"/>
+        <p14:creationId xmlns:p14="http://schemas.microsoft.com/office/powerpoint/2010/main" val="2324801919"/>
       </p:ext>
     </p:extLst>
   </p:cSld>
@@ -859,7 +870,7 @@
             <a:fld id="{056371FA-A98D-41E8-93F4-09945841298A}" type="datetimeFigureOut">
               <a:rPr lang="en-US" smtClean="0"/>
               <a:pPr/>
-              <a:t>6/29/2023</a:t>
+              <a:t>7/1/23</a:t>
             </a:fld>
             <a:endParaRPr lang="en-US" dirty="0"/>
           </a:p>
@@ -1027,7 +1038,7 @@
     </p:spTree>
     <p:extLst>
       <p:ext uri="{BB962C8B-B14F-4D97-AF65-F5344CB8AC3E}">
-        <p14:creationId xmlns:p14="http://schemas.microsoft.com/office/powerpoint/2010/main" xmlns="" val="2839902369"/>
+        <p14:creationId xmlns:p14="http://schemas.microsoft.com/office/powerpoint/2010/main" val="2839902369"/>
       </p:ext>
     </p:extLst>
   </p:cSld>
@@ -1149,7 +1160,7 @@
           <p:cNvPr id="2" name="Title 1">
             <a:extLst>
               <a:ext uri="{FF2B5EF4-FFF2-40B4-BE49-F238E27FC236}">
-                <a16:creationId xmlns:a16="http://schemas.microsoft.com/office/drawing/2014/main" xmlns="" id="{415B3628-62D7-4A6D-A79F-34DE91DBA31E}"/>
+                <a16:creationId xmlns:a16="http://schemas.microsoft.com/office/drawing/2014/main" id="{415B3628-62D7-4A6D-A79F-34DE91DBA31E}"/>
               </a:ext>
             </a:extLst>
           </p:cNvPr>
@@ -1188,7 +1199,7 @@
           <p:cNvPr id="3" name="Subtitle 2">
             <a:extLst>
               <a:ext uri="{FF2B5EF4-FFF2-40B4-BE49-F238E27FC236}">
-                <a16:creationId xmlns:a16="http://schemas.microsoft.com/office/drawing/2014/main" xmlns="" id="{55457758-A125-4CEA-A3D5-CBD010417BD2}"/>
+                <a16:creationId xmlns:a16="http://schemas.microsoft.com/office/drawing/2014/main" id="{55457758-A125-4CEA-A3D5-CBD010417BD2}"/>
               </a:ext>
             </a:extLst>
           </p:cNvPr>
@@ -1261,7 +1272,7 @@
           <p:cNvPr id="8" name="Graphic 7">
             <a:extLst>
               <a:ext uri="{FF2B5EF4-FFF2-40B4-BE49-F238E27FC236}">
-                <a16:creationId xmlns:a16="http://schemas.microsoft.com/office/drawing/2014/main" xmlns="" id="{A04F1E16-9A84-4D0E-9706-79C396AF6AE6}"/>
+                <a16:creationId xmlns:a16="http://schemas.microsoft.com/office/drawing/2014/main" id="{A04F1E16-9A84-4D0E-9706-79C396AF6AE6}"/>
               </a:ext>
             </a:extLst>
           </p:cNvPr>
@@ -1274,7 +1285,7 @@
           <a:blip r:embed="rId2">
             <a:extLst>
               <a:ext uri="{96DAC541-7B7A-43D3-8B79-37D633B846F1}">
-                <asvg:svgBlip xmlns:asvg="http://schemas.microsoft.com/office/drawing/2016/SVG/main" xmlns="" r:embed="rId3"/>
+                <asvg:svgBlip xmlns:asvg="http://schemas.microsoft.com/office/drawing/2016/SVG/main" r:embed="rId3"/>
               </a:ext>
             </a:extLst>
           </a:blip>
@@ -1294,7 +1305,7 @@
     </p:spTree>
     <p:extLst>
       <p:ext uri="{BB962C8B-B14F-4D97-AF65-F5344CB8AC3E}">
-        <p14:creationId xmlns:p14="http://schemas.microsoft.com/office/powerpoint/2010/main" xmlns="" val="1776826555"/>
+        <p14:creationId xmlns:p14="http://schemas.microsoft.com/office/powerpoint/2010/main" val="1776826555"/>
       </p:ext>
     </p:extLst>
   </p:cSld>
@@ -1331,10 +1342,10 @@
           <p:cNvPr id="6" name="Group 5">
             <a:extLst>
               <a:ext uri="{FF2B5EF4-FFF2-40B4-BE49-F238E27FC236}">
-                <a16:creationId xmlns:a16="http://schemas.microsoft.com/office/drawing/2014/main" xmlns="" id="{E786F69D-D4FA-4075-A7EC-8D31A184F630}"/>
+                <a16:creationId xmlns:a16="http://schemas.microsoft.com/office/drawing/2014/main" id="{E786F69D-D4FA-4075-A7EC-8D31A184F630}"/>
               </a:ext>
               <a:ext uri="{C183D7F6-B498-43B3-948B-1728B52AA6E4}">
-                <adec:decorative xmlns:adec="http://schemas.microsoft.com/office/drawing/2017/decorative" xmlns="" val="1"/>
+                <adec:decorative xmlns:adec="http://schemas.microsoft.com/office/drawing/2017/decorative" val="1"/>
               </a:ext>
             </a:extLst>
           </p:cNvPr>
@@ -1354,7 +1365,7 @@
             <p:cNvPr id="10" name="Straight Connector 9">
               <a:extLst>
                 <a:ext uri="{FF2B5EF4-FFF2-40B4-BE49-F238E27FC236}">
-                  <a16:creationId xmlns:a16="http://schemas.microsoft.com/office/drawing/2014/main" xmlns="" id="{66988B2D-0240-4256-8268-4B9FF1E72363}"/>
+                  <a16:creationId xmlns:a16="http://schemas.microsoft.com/office/drawing/2014/main" id="{66988B2D-0240-4256-8268-4B9FF1E72363}"/>
                 </a:ext>
               </a:extLst>
             </p:cNvPr>
@@ -1397,7 +1408,7 @@
             <p:cNvPr id="12" name="Straight Connector 11">
               <a:extLst>
                 <a:ext uri="{FF2B5EF4-FFF2-40B4-BE49-F238E27FC236}">
-                  <a16:creationId xmlns:a16="http://schemas.microsoft.com/office/drawing/2014/main" xmlns="" id="{D8EEAAE1-3D04-41C3-B2D2-B3BEF34C3B27}"/>
+                  <a16:creationId xmlns:a16="http://schemas.microsoft.com/office/drawing/2014/main" id="{D8EEAAE1-3D04-41C3-B2D2-B3BEF34C3B27}"/>
                 </a:ext>
               </a:extLst>
             </p:cNvPr>
@@ -1441,7 +1452,7 @@
           <p:cNvPr id="2" name="Title 1">
             <a:extLst>
               <a:ext uri="{FF2B5EF4-FFF2-40B4-BE49-F238E27FC236}">
-                <a16:creationId xmlns:a16="http://schemas.microsoft.com/office/drawing/2014/main" xmlns="" id="{EE5C4E19-B78B-4E39-B661-7E6A2E6C5002}"/>
+                <a16:creationId xmlns:a16="http://schemas.microsoft.com/office/drawing/2014/main" id="{EE5C4E19-B78B-4E39-B661-7E6A2E6C5002}"/>
               </a:ext>
             </a:extLst>
           </p:cNvPr>
@@ -1482,7 +1493,7 @@
           <p:cNvPr id="7" name="SmartArt Placeholder 6">
             <a:extLst>
               <a:ext uri="{FF2B5EF4-FFF2-40B4-BE49-F238E27FC236}">
-                <a16:creationId xmlns:a16="http://schemas.microsoft.com/office/drawing/2014/main" xmlns="" id="{156CA116-0F6E-4EE9-B34F-03BA07161A7A}"/>
+                <a16:creationId xmlns:a16="http://schemas.microsoft.com/office/drawing/2014/main" id="{156CA116-0F6E-4EE9-B34F-03BA07161A7A}"/>
               </a:ext>
             </a:extLst>
           </p:cNvPr>
@@ -1516,7 +1527,7 @@
           <p:cNvPr id="3" name="Date Placeholder 2">
             <a:extLst>
               <a:ext uri="{FF2B5EF4-FFF2-40B4-BE49-F238E27FC236}">
-                <a16:creationId xmlns:a16="http://schemas.microsoft.com/office/drawing/2014/main" xmlns="" id="{7E085D26-FA83-4414-959E-98936A772670}"/>
+                <a16:creationId xmlns:a16="http://schemas.microsoft.com/office/drawing/2014/main" id="{7E085D26-FA83-4414-959E-98936A772670}"/>
               </a:ext>
             </a:extLst>
           </p:cNvPr>
@@ -1548,7 +1559,7 @@
           <p:cNvPr id="4" name="Footer Placeholder 3">
             <a:extLst>
               <a:ext uri="{FF2B5EF4-FFF2-40B4-BE49-F238E27FC236}">
-                <a16:creationId xmlns:a16="http://schemas.microsoft.com/office/drawing/2014/main" xmlns="" id="{1FB52E93-DE4C-4341-8D83-F0230E38B1A1}"/>
+                <a16:creationId xmlns:a16="http://schemas.microsoft.com/office/drawing/2014/main" id="{1FB52E93-DE4C-4341-8D83-F0230E38B1A1}"/>
               </a:ext>
             </a:extLst>
           </p:cNvPr>
@@ -1580,7 +1591,7 @@
           <p:cNvPr id="5" name="Slide Number Placeholder 4">
             <a:extLst>
               <a:ext uri="{FF2B5EF4-FFF2-40B4-BE49-F238E27FC236}">
-                <a16:creationId xmlns:a16="http://schemas.microsoft.com/office/drawing/2014/main" xmlns="" id="{AC467230-4A0F-4B18-8BA9-C3B2FDD59CB0}"/>
+                <a16:creationId xmlns:a16="http://schemas.microsoft.com/office/drawing/2014/main" id="{AC467230-4A0F-4B18-8BA9-C3B2FDD59CB0}"/>
               </a:ext>
             </a:extLst>
           </p:cNvPr>
@@ -1612,7 +1623,7 @@
     </p:spTree>
     <p:extLst>
       <p:ext uri="{BB962C8B-B14F-4D97-AF65-F5344CB8AC3E}">
-        <p14:creationId xmlns:p14="http://schemas.microsoft.com/office/powerpoint/2010/main" xmlns="" val="268311559"/>
+        <p14:creationId xmlns:p14="http://schemas.microsoft.com/office/powerpoint/2010/main" val="268311559"/>
       </p:ext>
     </p:extLst>
   </p:cSld>
@@ -1644,10 +1655,10 @@
           <p:cNvPr id="12" name="Graphic 10">
             <a:extLst>
               <a:ext uri="{FF2B5EF4-FFF2-40B4-BE49-F238E27FC236}">
-                <a16:creationId xmlns:a16="http://schemas.microsoft.com/office/drawing/2014/main" xmlns="" id="{9D2AF524-D4B4-4A3A-9CE4-EDAFE1D5A37B}"/>
+                <a16:creationId xmlns:a16="http://schemas.microsoft.com/office/drawing/2014/main" id="{9D2AF524-D4B4-4A3A-9CE4-EDAFE1D5A37B}"/>
               </a:ext>
               <a:ext uri="{C183D7F6-B498-43B3-948B-1728B52AA6E4}">
-                <adec:decorative xmlns:adec="http://schemas.microsoft.com/office/drawing/2017/decorative" xmlns="" val="1"/>
+                <adec:decorative xmlns:adec="http://schemas.microsoft.com/office/drawing/2017/decorative" val="1"/>
               </a:ext>
             </a:extLst>
           </p:cNvPr>
@@ -1727,7 +1738,7 @@
           <p:cNvPr id="2" name="Title 1">
             <a:extLst>
               <a:ext uri="{FF2B5EF4-FFF2-40B4-BE49-F238E27FC236}">
-                <a16:creationId xmlns:a16="http://schemas.microsoft.com/office/drawing/2014/main" xmlns="" id="{6E3987A5-99A6-4B33-BAAF-53159635382E}"/>
+                <a16:creationId xmlns:a16="http://schemas.microsoft.com/office/drawing/2014/main" id="{6E3987A5-99A6-4B33-BAAF-53159635382E}"/>
               </a:ext>
             </a:extLst>
           </p:cNvPr>
@@ -1773,7 +1784,7 @@
           <p:cNvPr id="16" name="Text Placeholder 15">
             <a:extLst>
               <a:ext uri="{FF2B5EF4-FFF2-40B4-BE49-F238E27FC236}">
-                <a16:creationId xmlns:a16="http://schemas.microsoft.com/office/drawing/2014/main" xmlns="" id="{3BABF6CA-407C-4BF0-8234-1321A676E756}"/>
+                <a16:creationId xmlns:a16="http://schemas.microsoft.com/office/drawing/2014/main" id="{3BABF6CA-407C-4BF0-8234-1321A676E756}"/>
               </a:ext>
             </a:extLst>
           </p:cNvPr>
@@ -1814,7 +1825,7 @@
           <p:cNvPr id="17" name="Text Placeholder 15">
             <a:extLst>
               <a:ext uri="{FF2B5EF4-FFF2-40B4-BE49-F238E27FC236}">
-                <a16:creationId xmlns:a16="http://schemas.microsoft.com/office/drawing/2014/main" xmlns="" id="{76D8129B-5B68-421C-968C-3663C86EFC7C}"/>
+                <a16:creationId xmlns:a16="http://schemas.microsoft.com/office/drawing/2014/main" id="{76D8129B-5B68-421C-968C-3663C86EFC7C}"/>
               </a:ext>
             </a:extLst>
           </p:cNvPr>
@@ -1855,7 +1866,7 @@
           <p:cNvPr id="18" name="Text Placeholder 15">
             <a:extLst>
               <a:ext uri="{FF2B5EF4-FFF2-40B4-BE49-F238E27FC236}">
-                <a16:creationId xmlns:a16="http://schemas.microsoft.com/office/drawing/2014/main" xmlns="" id="{6C741DCA-8EBD-44F5-9D38-E938A628ADCD}"/>
+                <a16:creationId xmlns:a16="http://schemas.microsoft.com/office/drawing/2014/main" id="{6C741DCA-8EBD-44F5-9D38-E938A628ADCD}"/>
               </a:ext>
             </a:extLst>
           </p:cNvPr>
@@ -1896,7 +1907,7 @@
           <p:cNvPr id="19" name="Text Placeholder 15">
             <a:extLst>
               <a:ext uri="{FF2B5EF4-FFF2-40B4-BE49-F238E27FC236}">
-                <a16:creationId xmlns:a16="http://schemas.microsoft.com/office/drawing/2014/main" xmlns="" id="{5C43C6B1-A1BD-4A90-8B4B-F361C1BEDD26}"/>
+                <a16:creationId xmlns:a16="http://schemas.microsoft.com/office/drawing/2014/main" id="{5C43C6B1-A1BD-4A90-8B4B-F361C1BEDD26}"/>
               </a:ext>
             </a:extLst>
           </p:cNvPr>
@@ -1937,7 +1948,7 @@
           <p:cNvPr id="34" name="Text Placeholder 15">
             <a:extLst>
               <a:ext uri="{FF2B5EF4-FFF2-40B4-BE49-F238E27FC236}">
-                <a16:creationId xmlns:a16="http://schemas.microsoft.com/office/drawing/2014/main" xmlns="" id="{0C66E1BD-33F0-4B94-BF94-CD4698F85C3D}"/>
+                <a16:creationId xmlns:a16="http://schemas.microsoft.com/office/drawing/2014/main" id="{0C66E1BD-33F0-4B94-BF94-CD4698F85C3D}"/>
               </a:ext>
             </a:extLst>
           </p:cNvPr>
@@ -1981,7 +1992,7 @@
           <p:cNvPr id="35" name="Text Placeholder 15">
             <a:extLst>
               <a:ext uri="{FF2B5EF4-FFF2-40B4-BE49-F238E27FC236}">
-                <a16:creationId xmlns:a16="http://schemas.microsoft.com/office/drawing/2014/main" xmlns="" id="{2D4661B1-6559-407A-9AEC-A46A0570AE8F}"/>
+                <a16:creationId xmlns:a16="http://schemas.microsoft.com/office/drawing/2014/main" id="{2D4661B1-6559-407A-9AEC-A46A0570AE8F}"/>
               </a:ext>
             </a:extLst>
           </p:cNvPr>
@@ -2025,7 +2036,7 @@
           <p:cNvPr id="36" name="Text Placeholder 15">
             <a:extLst>
               <a:ext uri="{FF2B5EF4-FFF2-40B4-BE49-F238E27FC236}">
-                <a16:creationId xmlns:a16="http://schemas.microsoft.com/office/drawing/2014/main" xmlns="" id="{DCC983F7-6A25-42C0-811C-EA32138C5B80}"/>
+                <a16:creationId xmlns:a16="http://schemas.microsoft.com/office/drawing/2014/main" id="{DCC983F7-6A25-42C0-811C-EA32138C5B80}"/>
               </a:ext>
             </a:extLst>
           </p:cNvPr>
@@ -2069,7 +2080,7 @@
           <p:cNvPr id="37" name="Text Placeholder 15">
             <a:extLst>
               <a:ext uri="{FF2B5EF4-FFF2-40B4-BE49-F238E27FC236}">
-                <a16:creationId xmlns:a16="http://schemas.microsoft.com/office/drawing/2014/main" xmlns="" id="{E83DA0EB-27DD-416A-8DA5-4AFDC8587E5C}"/>
+                <a16:creationId xmlns:a16="http://schemas.microsoft.com/office/drawing/2014/main" id="{E83DA0EB-27DD-416A-8DA5-4AFDC8587E5C}"/>
               </a:ext>
             </a:extLst>
           </p:cNvPr>
@@ -2113,7 +2124,7 @@
           <p:cNvPr id="5" name="Date Placeholder 4">
             <a:extLst>
               <a:ext uri="{FF2B5EF4-FFF2-40B4-BE49-F238E27FC236}">
-                <a16:creationId xmlns:a16="http://schemas.microsoft.com/office/drawing/2014/main" xmlns="" id="{874DC36F-5D3E-439D-80B5-32633FC34434}"/>
+                <a16:creationId xmlns:a16="http://schemas.microsoft.com/office/drawing/2014/main" id="{874DC36F-5D3E-439D-80B5-32633FC34434}"/>
               </a:ext>
             </a:extLst>
           </p:cNvPr>
@@ -2149,7 +2160,7 @@
           <p:cNvPr id="6" name="Footer Placeholder 5">
             <a:extLst>
               <a:ext uri="{FF2B5EF4-FFF2-40B4-BE49-F238E27FC236}">
-                <a16:creationId xmlns:a16="http://schemas.microsoft.com/office/drawing/2014/main" xmlns="" id="{6C710A8A-CEC9-4787-A745-C28DD965F7DD}"/>
+                <a16:creationId xmlns:a16="http://schemas.microsoft.com/office/drawing/2014/main" id="{6C710A8A-CEC9-4787-A745-C28DD965F7DD}"/>
               </a:ext>
             </a:extLst>
           </p:cNvPr>
@@ -2186,7 +2197,7 @@
           <p:cNvPr id="7" name="Slide Number Placeholder 6">
             <a:extLst>
               <a:ext uri="{FF2B5EF4-FFF2-40B4-BE49-F238E27FC236}">
-                <a16:creationId xmlns:a16="http://schemas.microsoft.com/office/drawing/2014/main" xmlns="" id="{4162BD04-8F01-472A-9456-4702A2218BB5}"/>
+                <a16:creationId xmlns:a16="http://schemas.microsoft.com/office/drawing/2014/main" id="{4162BD04-8F01-472A-9456-4702A2218BB5}"/>
               </a:ext>
             </a:extLst>
           </p:cNvPr>
@@ -2225,10 +2236,10 @@
           <p:cNvPr id="3" name="Straight Connector 2">
             <a:extLst>
               <a:ext uri="{FF2B5EF4-FFF2-40B4-BE49-F238E27FC236}">
-                <a16:creationId xmlns:a16="http://schemas.microsoft.com/office/drawing/2014/main" xmlns="" id="{D3795F91-C721-4363-956D-756673AE7957}"/>
+                <a16:creationId xmlns:a16="http://schemas.microsoft.com/office/drawing/2014/main" id="{D3795F91-C721-4363-956D-756673AE7957}"/>
               </a:ext>
               <a:ext uri="{C183D7F6-B498-43B3-948B-1728B52AA6E4}">
-                <adec:decorative xmlns:adec="http://schemas.microsoft.com/office/drawing/2017/decorative" xmlns="" val="1"/>
+                <adec:decorative xmlns:adec="http://schemas.microsoft.com/office/drawing/2017/decorative" val="1"/>
               </a:ext>
             </a:extLst>
           </p:cNvPr>
@@ -2271,10 +2282,10 @@
           <p:cNvPr id="4" name="Straight Connector 3">
             <a:extLst>
               <a:ext uri="{FF2B5EF4-FFF2-40B4-BE49-F238E27FC236}">
-                <a16:creationId xmlns:a16="http://schemas.microsoft.com/office/drawing/2014/main" xmlns="" id="{8AC14461-E27D-413D-B31A-47B74646AF25}"/>
+                <a16:creationId xmlns:a16="http://schemas.microsoft.com/office/drawing/2014/main" id="{8AC14461-E27D-413D-B31A-47B74646AF25}"/>
               </a:ext>
               <a:ext uri="{C183D7F6-B498-43B3-948B-1728B52AA6E4}">
-                <adec:decorative xmlns:adec="http://schemas.microsoft.com/office/drawing/2017/decorative" xmlns="" val="1"/>
+                <adec:decorative xmlns:adec="http://schemas.microsoft.com/office/drawing/2017/decorative" val="1"/>
               </a:ext>
             </a:extLst>
           </p:cNvPr>
@@ -2317,10 +2328,10 @@
           <p:cNvPr id="8" name="Straight Connector 7">
             <a:extLst>
               <a:ext uri="{FF2B5EF4-FFF2-40B4-BE49-F238E27FC236}">
-                <a16:creationId xmlns:a16="http://schemas.microsoft.com/office/drawing/2014/main" xmlns="" id="{4D6AEA4C-7710-4829-BA87-8DD77F15932C}"/>
+                <a16:creationId xmlns:a16="http://schemas.microsoft.com/office/drawing/2014/main" id="{4D6AEA4C-7710-4829-BA87-8DD77F15932C}"/>
               </a:ext>
               <a:ext uri="{C183D7F6-B498-43B3-948B-1728B52AA6E4}">
-                <adec:decorative xmlns:adec="http://schemas.microsoft.com/office/drawing/2017/decorative" xmlns="" val="1"/>
+                <adec:decorative xmlns:adec="http://schemas.microsoft.com/office/drawing/2017/decorative" val="1"/>
               </a:ext>
             </a:extLst>
           </p:cNvPr>
@@ -2363,10 +2374,10 @@
           <p:cNvPr id="9" name="Straight Connector 8">
             <a:extLst>
               <a:ext uri="{FF2B5EF4-FFF2-40B4-BE49-F238E27FC236}">
-                <a16:creationId xmlns:a16="http://schemas.microsoft.com/office/drawing/2014/main" xmlns="" id="{E9BD473E-6203-491C-87AC-54AC0AB23333}"/>
+                <a16:creationId xmlns:a16="http://schemas.microsoft.com/office/drawing/2014/main" id="{E9BD473E-6203-491C-87AC-54AC0AB23333}"/>
               </a:ext>
               <a:ext uri="{C183D7F6-B498-43B3-948B-1728B52AA6E4}">
-                <adec:decorative xmlns:adec="http://schemas.microsoft.com/office/drawing/2017/decorative" xmlns="" val="1"/>
+                <adec:decorative xmlns:adec="http://schemas.microsoft.com/office/drawing/2017/decorative" val="1"/>
               </a:ext>
             </a:extLst>
           </p:cNvPr>
@@ -2407,7 +2418,7 @@
     </p:spTree>
     <p:extLst>
       <p:ext uri="{BB962C8B-B14F-4D97-AF65-F5344CB8AC3E}">
-        <p14:creationId xmlns:p14="http://schemas.microsoft.com/office/powerpoint/2010/main" xmlns="" val="1165259451"/>
+        <p14:creationId xmlns:p14="http://schemas.microsoft.com/office/powerpoint/2010/main" val="1165259451"/>
       </p:ext>
     </p:extLst>
   </p:cSld>
@@ -2447,7 +2458,7 @@
           <p:cNvPr id="2" name="Title 1">
             <a:extLst>
               <a:ext uri="{FF2B5EF4-FFF2-40B4-BE49-F238E27FC236}">
-                <a16:creationId xmlns:a16="http://schemas.microsoft.com/office/drawing/2014/main" xmlns="" id="{81CF3B5C-31C4-46BA-9FAD-72DF917A84DA}"/>
+                <a16:creationId xmlns:a16="http://schemas.microsoft.com/office/drawing/2014/main" id="{81CF3B5C-31C4-46BA-9FAD-72DF917A84DA}"/>
               </a:ext>
             </a:extLst>
           </p:cNvPr>
@@ -2493,7 +2504,7 @@
           <p:cNvPr id="3" name="Text Placeholder 2">
             <a:extLst>
               <a:ext uri="{FF2B5EF4-FFF2-40B4-BE49-F238E27FC236}">
-                <a16:creationId xmlns:a16="http://schemas.microsoft.com/office/drawing/2014/main" xmlns="" id="{B659CD1F-9DFB-4048-9B9B-2BD7D4EC6400}"/>
+                <a16:creationId xmlns:a16="http://schemas.microsoft.com/office/drawing/2014/main" id="{B659CD1F-9DFB-4048-9B9B-2BD7D4EC6400}"/>
               </a:ext>
             </a:extLst>
           </p:cNvPr>
@@ -2573,7 +2584,7 @@
           <p:cNvPr id="4" name="Content Placeholder 3">
             <a:extLst>
               <a:ext uri="{FF2B5EF4-FFF2-40B4-BE49-F238E27FC236}">
-                <a16:creationId xmlns:a16="http://schemas.microsoft.com/office/drawing/2014/main" xmlns="" id="{AC9B20CF-6B91-4562-B799-0ABDAEBC0D2A}"/>
+                <a16:creationId xmlns:a16="http://schemas.microsoft.com/office/drawing/2014/main" id="{AC9B20CF-6B91-4562-B799-0ABDAEBC0D2A}"/>
               </a:ext>
             </a:extLst>
           </p:cNvPr>
@@ -2673,7 +2684,7 @@
           <p:cNvPr id="5" name="Text Placeholder 4">
             <a:extLst>
               <a:ext uri="{FF2B5EF4-FFF2-40B4-BE49-F238E27FC236}">
-                <a16:creationId xmlns:a16="http://schemas.microsoft.com/office/drawing/2014/main" xmlns="" id="{B374FC39-67F6-42EA-BCD1-F69AE2F0F22D}"/>
+                <a16:creationId xmlns:a16="http://schemas.microsoft.com/office/drawing/2014/main" id="{B374FC39-67F6-42EA-BCD1-F69AE2F0F22D}"/>
               </a:ext>
             </a:extLst>
           </p:cNvPr>
@@ -2762,7 +2773,7 @@
           <p:cNvPr id="6" name="Content Placeholder 5">
             <a:extLst>
               <a:ext uri="{FF2B5EF4-FFF2-40B4-BE49-F238E27FC236}">
-                <a16:creationId xmlns:a16="http://schemas.microsoft.com/office/drawing/2014/main" xmlns="" id="{B36EE64B-44BF-4634-97BC-5ED74C6DF280}"/>
+                <a16:creationId xmlns:a16="http://schemas.microsoft.com/office/drawing/2014/main" id="{B36EE64B-44BF-4634-97BC-5ED74C6DF280}"/>
               </a:ext>
             </a:extLst>
           </p:cNvPr>
@@ -2862,7 +2873,7 @@
           <p:cNvPr id="7" name="Date Placeholder 6">
             <a:extLst>
               <a:ext uri="{FF2B5EF4-FFF2-40B4-BE49-F238E27FC236}">
-                <a16:creationId xmlns:a16="http://schemas.microsoft.com/office/drawing/2014/main" xmlns="" id="{F255C16C-AA88-4BBF-8040-11ECFED618E0}"/>
+                <a16:creationId xmlns:a16="http://schemas.microsoft.com/office/drawing/2014/main" id="{F255C16C-AA88-4BBF-8040-11ECFED618E0}"/>
               </a:ext>
             </a:extLst>
           </p:cNvPr>
@@ -2894,7 +2905,7 @@
           <p:cNvPr id="8" name="Footer Placeholder 7">
             <a:extLst>
               <a:ext uri="{FF2B5EF4-FFF2-40B4-BE49-F238E27FC236}">
-                <a16:creationId xmlns:a16="http://schemas.microsoft.com/office/drawing/2014/main" xmlns="" id="{CBE560E3-F935-488F-8F0E-191D7B6B54B8}"/>
+                <a16:creationId xmlns:a16="http://schemas.microsoft.com/office/drawing/2014/main" id="{CBE560E3-F935-488F-8F0E-191D7B6B54B8}"/>
               </a:ext>
             </a:extLst>
           </p:cNvPr>
@@ -2926,7 +2937,7 @@
           <p:cNvPr id="9" name="Slide Number Placeholder 8">
             <a:extLst>
               <a:ext uri="{FF2B5EF4-FFF2-40B4-BE49-F238E27FC236}">
-                <a16:creationId xmlns:a16="http://schemas.microsoft.com/office/drawing/2014/main" xmlns="" id="{9B9CD8B2-CC23-467F-B0EE-2CC06D6308BD}"/>
+                <a16:creationId xmlns:a16="http://schemas.microsoft.com/office/drawing/2014/main" id="{9B9CD8B2-CC23-467F-B0EE-2CC06D6308BD}"/>
               </a:ext>
             </a:extLst>
           </p:cNvPr>
@@ -2960,7 +2971,7 @@
           <p:cNvPr id="11" name="Graphic 10">
             <a:extLst>
               <a:ext uri="{FF2B5EF4-FFF2-40B4-BE49-F238E27FC236}">
-                <a16:creationId xmlns:a16="http://schemas.microsoft.com/office/drawing/2014/main" xmlns="" id="{EE24E1DB-1F20-4C28-8069-D9219D1F8BBD}"/>
+                <a16:creationId xmlns:a16="http://schemas.microsoft.com/office/drawing/2014/main" id="{EE24E1DB-1F20-4C28-8069-D9219D1F8BBD}"/>
               </a:ext>
             </a:extLst>
           </p:cNvPr>
@@ -2973,7 +2984,7 @@
           <a:blip r:embed="rId2">
             <a:extLst>
               <a:ext uri="{96DAC541-7B7A-43D3-8B79-37D633B846F1}">
-                <asvg:svgBlip xmlns:asvg="http://schemas.microsoft.com/office/drawing/2016/SVG/main" xmlns="" r:embed="rId3"/>
+                <asvg:svgBlip xmlns:asvg="http://schemas.microsoft.com/office/drawing/2016/SVG/main" r:embed="rId3"/>
               </a:ext>
             </a:extLst>
           </a:blip>
@@ -2993,7 +3004,7 @@
     </p:spTree>
     <p:extLst>
       <p:ext uri="{BB962C8B-B14F-4D97-AF65-F5344CB8AC3E}">
-        <p14:creationId xmlns:p14="http://schemas.microsoft.com/office/powerpoint/2010/main" xmlns="" val="2432451945"/>
+        <p14:creationId xmlns:p14="http://schemas.microsoft.com/office/powerpoint/2010/main" val="2432451945"/>
       </p:ext>
     </p:extLst>
   </p:cSld>
@@ -3030,7 +3041,7 @@
           <p:cNvPr id="2" name="Title 1">
             <a:extLst>
               <a:ext uri="{FF2B5EF4-FFF2-40B4-BE49-F238E27FC236}">
-                <a16:creationId xmlns:a16="http://schemas.microsoft.com/office/drawing/2014/main" xmlns="" id="{81CF3B5C-31C4-46BA-9FAD-72DF917A84DA}"/>
+                <a16:creationId xmlns:a16="http://schemas.microsoft.com/office/drawing/2014/main" id="{81CF3B5C-31C4-46BA-9FAD-72DF917A84DA}"/>
               </a:ext>
             </a:extLst>
           </p:cNvPr>
@@ -3076,7 +3087,7 @@
           <p:cNvPr id="3" name="Text Placeholder 2">
             <a:extLst>
               <a:ext uri="{FF2B5EF4-FFF2-40B4-BE49-F238E27FC236}">
-                <a16:creationId xmlns:a16="http://schemas.microsoft.com/office/drawing/2014/main" xmlns="" id="{B659CD1F-9DFB-4048-9B9B-2BD7D4EC6400}"/>
+                <a16:creationId xmlns:a16="http://schemas.microsoft.com/office/drawing/2014/main" id="{B659CD1F-9DFB-4048-9B9B-2BD7D4EC6400}"/>
               </a:ext>
             </a:extLst>
           </p:cNvPr>
@@ -3156,7 +3167,7 @@
           <p:cNvPr id="4" name="Content Placeholder 3">
             <a:extLst>
               <a:ext uri="{FF2B5EF4-FFF2-40B4-BE49-F238E27FC236}">
-                <a16:creationId xmlns:a16="http://schemas.microsoft.com/office/drawing/2014/main" xmlns="" id="{AC9B20CF-6B91-4562-B799-0ABDAEBC0D2A}"/>
+                <a16:creationId xmlns:a16="http://schemas.microsoft.com/office/drawing/2014/main" id="{AC9B20CF-6B91-4562-B799-0ABDAEBC0D2A}"/>
               </a:ext>
             </a:extLst>
           </p:cNvPr>
@@ -3256,7 +3267,7 @@
           <p:cNvPr id="5" name="Text Placeholder 4">
             <a:extLst>
               <a:ext uri="{FF2B5EF4-FFF2-40B4-BE49-F238E27FC236}">
-                <a16:creationId xmlns:a16="http://schemas.microsoft.com/office/drawing/2014/main" xmlns="" id="{B374FC39-67F6-42EA-BCD1-F69AE2F0F22D}"/>
+                <a16:creationId xmlns:a16="http://schemas.microsoft.com/office/drawing/2014/main" id="{B374FC39-67F6-42EA-BCD1-F69AE2F0F22D}"/>
               </a:ext>
             </a:extLst>
           </p:cNvPr>
@@ -3345,7 +3356,7 @@
           <p:cNvPr id="6" name="Content Placeholder 5">
             <a:extLst>
               <a:ext uri="{FF2B5EF4-FFF2-40B4-BE49-F238E27FC236}">
-                <a16:creationId xmlns:a16="http://schemas.microsoft.com/office/drawing/2014/main" xmlns="" id="{B36EE64B-44BF-4634-97BC-5ED74C6DF280}"/>
+                <a16:creationId xmlns:a16="http://schemas.microsoft.com/office/drawing/2014/main" id="{B36EE64B-44BF-4634-97BC-5ED74C6DF280}"/>
               </a:ext>
             </a:extLst>
           </p:cNvPr>
@@ -3446,7 +3457,7 @@
           <p:cNvPr id="21" name="Text Placeholder 2">
             <a:extLst>
               <a:ext uri="{FF2B5EF4-FFF2-40B4-BE49-F238E27FC236}">
-                <a16:creationId xmlns:a16="http://schemas.microsoft.com/office/drawing/2014/main" xmlns="" id="{1F60A771-8BBC-4565-AB09-402DA7CB2780}"/>
+                <a16:creationId xmlns:a16="http://schemas.microsoft.com/office/drawing/2014/main" id="{1F60A771-8BBC-4565-AB09-402DA7CB2780}"/>
               </a:ext>
             </a:extLst>
           </p:cNvPr>
@@ -3526,7 +3537,7 @@
           <p:cNvPr id="22" name="Content Placeholder 3">
             <a:extLst>
               <a:ext uri="{FF2B5EF4-FFF2-40B4-BE49-F238E27FC236}">
-                <a16:creationId xmlns:a16="http://schemas.microsoft.com/office/drawing/2014/main" xmlns="" id="{C464A9BD-B815-4632-8F54-6EB70E48BAFF}"/>
+                <a16:creationId xmlns:a16="http://schemas.microsoft.com/office/drawing/2014/main" id="{C464A9BD-B815-4632-8F54-6EB70E48BAFF}"/>
               </a:ext>
             </a:extLst>
           </p:cNvPr>
@@ -3626,7 +3637,7 @@
           <p:cNvPr id="7" name="Date Placeholder 6">
             <a:extLst>
               <a:ext uri="{FF2B5EF4-FFF2-40B4-BE49-F238E27FC236}">
-                <a16:creationId xmlns:a16="http://schemas.microsoft.com/office/drawing/2014/main" xmlns="" id="{F255C16C-AA88-4BBF-8040-11ECFED618E0}"/>
+                <a16:creationId xmlns:a16="http://schemas.microsoft.com/office/drawing/2014/main" id="{F255C16C-AA88-4BBF-8040-11ECFED618E0}"/>
               </a:ext>
             </a:extLst>
           </p:cNvPr>
@@ -3658,7 +3669,7 @@
           <p:cNvPr id="8" name="Footer Placeholder 7">
             <a:extLst>
               <a:ext uri="{FF2B5EF4-FFF2-40B4-BE49-F238E27FC236}">
-                <a16:creationId xmlns:a16="http://schemas.microsoft.com/office/drawing/2014/main" xmlns="" id="{CBE560E3-F935-488F-8F0E-191D7B6B54B8}"/>
+                <a16:creationId xmlns:a16="http://schemas.microsoft.com/office/drawing/2014/main" id="{CBE560E3-F935-488F-8F0E-191D7B6B54B8}"/>
               </a:ext>
             </a:extLst>
           </p:cNvPr>
@@ -3690,7 +3701,7 @@
           <p:cNvPr id="9" name="Slide Number Placeholder 8">
             <a:extLst>
               <a:ext uri="{FF2B5EF4-FFF2-40B4-BE49-F238E27FC236}">
-                <a16:creationId xmlns:a16="http://schemas.microsoft.com/office/drawing/2014/main" xmlns="" id="{9B9CD8B2-CC23-467F-B0EE-2CC06D6308BD}"/>
+                <a16:creationId xmlns:a16="http://schemas.microsoft.com/office/drawing/2014/main" id="{9B9CD8B2-CC23-467F-B0EE-2CC06D6308BD}"/>
               </a:ext>
             </a:extLst>
           </p:cNvPr>
@@ -3724,10 +3735,10 @@
           <p:cNvPr id="10" name="Group 9">
             <a:extLst>
               <a:ext uri="{FF2B5EF4-FFF2-40B4-BE49-F238E27FC236}">
-                <a16:creationId xmlns:a16="http://schemas.microsoft.com/office/drawing/2014/main" xmlns="" id="{B2368EF4-1233-48C7-8DB5-75844BFCD594}"/>
+                <a16:creationId xmlns:a16="http://schemas.microsoft.com/office/drawing/2014/main" id="{B2368EF4-1233-48C7-8DB5-75844BFCD594}"/>
               </a:ext>
               <a:ext uri="{C183D7F6-B498-43B3-948B-1728B52AA6E4}">
-                <adec:decorative xmlns:adec="http://schemas.microsoft.com/office/drawing/2017/decorative" xmlns="" val="1"/>
+                <adec:decorative xmlns:adec="http://schemas.microsoft.com/office/drawing/2017/decorative" val="1"/>
               </a:ext>
             </a:extLst>
           </p:cNvPr>
@@ -3747,7 +3758,7 @@
             <p:cNvPr id="16" name="Straight Connector 15">
               <a:extLst>
                 <a:ext uri="{FF2B5EF4-FFF2-40B4-BE49-F238E27FC236}">
-                  <a16:creationId xmlns:a16="http://schemas.microsoft.com/office/drawing/2014/main" xmlns="" id="{463D7850-C2A6-43CE-BBE4-8E81A0A593BF}"/>
+                  <a16:creationId xmlns:a16="http://schemas.microsoft.com/office/drawing/2014/main" id="{463D7850-C2A6-43CE-BBE4-8E81A0A593BF}"/>
                 </a:ext>
               </a:extLst>
             </p:cNvPr>
@@ -3790,7 +3801,7 @@
             <p:cNvPr id="20" name="Straight Connector 19">
               <a:extLst>
                 <a:ext uri="{FF2B5EF4-FFF2-40B4-BE49-F238E27FC236}">
-                  <a16:creationId xmlns:a16="http://schemas.microsoft.com/office/drawing/2014/main" xmlns="" id="{EBAD3E03-2E3B-440C-9105-6F9D33006D66}"/>
+                  <a16:creationId xmlns:a16="http://schemas.microsoft.com/office/drawing/2014/main" id="{EBAD3E03-2E3B-440C-9105-6F9D33006D66}"/>
                 </a:ext>
               </a:extLst>
             </p:cNvPr>
@@ -3832,7 +3843,7 @@
     </p:spTree>
     <p:extLst>
       <p:ext uri="{BB962C8B-B14F-4D97-AF65-F5344CB8AC3E}">
-        <p14:creationId xmlns:p14="http://schemas.microsoft.com/office/powerpoint/2010/main" xmlns="" val="3118896713"/>
+        <p14:creationId xmlns:p14="http://schemas.microsoft.com/office/powerpoint/2010/main" val="3118896713"/>
       </p:ext>
     </p:extLst>
   </p:cSld>
@@ -3864,7 +3875,7 @@
           <p:cNvPr id="2" name="Title 1">
             <a:extLst>
               <a:ext uri="{FF2B5EF4-FFF2-40B4-BE49-F238E27FC236}">
-                <a16:creationId xmlns:a16="http://schemas.microsoft.com/office/drawing/2014/main" xmlns="" id="{23A3821F-4537-4AE7-8829-C2E3AE60F6E1}"/>
+                <a16:creationId xmlns:a16="http://schemas.microsoft.com/office/drawing/2014/main" id="{23A3821F-4537-4AE7-8829-C2E3AE60F6E1}"/>
               </a:ext>
             </a:extLst>
           </p:cNvPr>
@@ -3910,7 +3921,7 @@
           <p:cNvPr id="3" name="Text Placeholder 2">
             <a:extLst>
               <a:ext uri="{FF2B5EF4-FFF2-40B4-BE49-F238E27FC236}">
-                <a16:creationId xmlns:a16="http://schemas.microsoft.com/office/drawing/2014/main" xmlns="" id="{92FD4279-EA62-4397-878A-73F4948DB176}"/>
+                <a16:creationId xmlns:a16="http://schemas.microsoft.com/office/drawing/2014/main" id="{92FD4279-EA62-4397-878A-73F4948DB176}"/>
               </a:ext>
             </a:extLst>
           </p:cNvPr>
@@ -4038,7 +4049,7 @@
           <p:cNvPr id="4" name="Group 3">
             <a:extLst>
               <a:ext uri="{FF2B5EF4-FFF2-40B4-BE49-F238E27FC236}">
-                <a16:creationId xmlns:a16="http://schemas.microsoft.com/office/drawing/2014/main" xmlns="" id="{D74AA03A-263D-4B5F-B05B-7D6923A9A4D3}"/>
+                <a16:creationId xmlns:a16="http://schemas.microsoft.com/office/drawing/2014/main" id="{D74AA03A-263D-4B5F-B05B-7D6923A9A4D3}"/>
               </a:ext>
             </a:extLst>
           </p:cNvPr>
@@ -4058,7 +4069,7 @@
             <p:cNvPr id="23" name="Straight Connector 22">
               <a:extLst>
                 <a:ext uri="{FF2B5EF4-FFF2-40B4-BE49-F238E27FC236}">
-                  <a16:creationId xmlns:a16="http://schemas.microsoft.com/office/drawing/2014/main" xmlns="" id="{D87F08D6-2CA7-4A5A-BE34-07113DCA535D}"/>
+                  <a16:creationId xmlns:a16="http://schemas.microsoft.com/office/drawing/2014/main" id="{D87F08D6-2CA7-4A5A-BE34-07113DCA535D}"/>
                 </a:ext>
               </a:extLst>
             </p:cNvPr>
@@ -4101,7 +4112,7 @@
             <p:cNvPr id="12" name="Straight Connector 11">
               <a:extLst>
                 <a:ext uri="{FF2B5EF4-FFF2-40B4-BE49-F238E27FC236}">
-                  <a16:creationId xmlns:a16="http://schemas.microsoft.com/office/drawing/2014/main" xmlns="" id="{A768C87F-B9C3-4DFF-8454-F3F52CE4346B}"/>
+                  <a16:creationId xmlns:a16="http://schemas.microsoft.com/office/drawing/2014/main" id="{A768C87F-B9C3-4DFF-8454-F3F52CE4346B}"/>
                 </a:ext>
               </a:extLst>
             </p:cNvPr>
@@ -4145,7 +4156,7 @@
           <p:cNvPr id="21" name="Date Placeholder 6">
             <a:extLst>
               <a:ext uri="{FF2B5EF4-FFF2-40B4-BE49-F238E27FC236}">
-                <a16:creationId xmlns:a16="http://schemas.microsoft.com/office/drawing/2014/main" xmlns="" id="{71F34533-9677-48AF-9374-976825F4BB7E}"/>
+                <a16:creationId xmlns:a16="http://schemas.microsoft.com/office/drawing/2014/main" id="{71F34533-9677-48AF-9374-976825F4BB7E}"/>
               </a:ext>
             </a:extLst>
           </p:cNvPr>
@@ -4182,7 +4193,7 @@
           <p:cNvPr id="22" name="Footer Placeholder 7">
             <a:extLst>
               <a:ext uri="{FF2B5EF4-FFF2-40B4-BE49-F238E27FC236}">
-                <a16:creationId xmlns:a16="http://schemas.microsoft.com/office/drawing/2014/main" xmlns="" id="{4FAB8A26-B99E-4F96-8327-A932A14F2C03}"/>
+                <a16:creationId xmlns:a16="http://schemas.microsoft.com/office/drawing/2014/main" id="{4FAB8A26-B99E-4F96-8327-A932A14F2C03}"/>
               </a:ext>
             </a:extLst>
           </p:cNvPr>
@@ -4219,7 +4230,7 @@
           <p:cNvPr id="24" name="Slide Number Placeholder 8">
             <a:extLst>
               <a:ext uri="{FF2B5EF4-FFF2-40B4-BE49-F238E27FC236}">
-                <a16:creationId xmlns:a16="http://schemas.microsoft.com/office/drawing/2014/main" xmlns="" id="{EB0962D2-BCC3-48AB-A769-2A7327D29191}"/>
+                <a16:creationId xmlns:a16="http://schemas.microsoft.com/office/drawing/2014/main" id="{EB0962D2-BCC3-48AB-A769-2A7327D29191}"/>
               </a:ext>
             </a:extLst>
           </p:cNvPr>
@@ -4256,7 +4267,7 @@
     </p:spTree>
     <p:extLst>
       <p:ext uri="{BB962C8B-B14F-4D97-AF65-F5344CB8AC3E}">
-        <p14:creationId xmlns:p14="http://schemas.microsoft.com/office/powerpoint/2010/main" xmlns="" val="917780591"/>
+        <p14:creationId xmlns:p14="http://schemas.microsoft.com/office/powerpoint/2010/main" val="917780591"/>
       </p:ext>
     </p:extLst>
   </p:cSld>
@@ -4265,7 +4276,7 @@
   </p:clrMapOvr>
   <p:extLst>
     <p:ext uri="{DCECCB84-F9BA-43D5-87BE-67443E8EF086}">
-      <p15:sldGuideLst xmlns:p15="http://schemas.microsoft.com/office/powerpoint/2012/main" xmlns="">
+      <p15:sldGuideLst xmlns:p15="http://schemas.microsoft.com/office/powerpoint/2012/main">
         <p15:guide id="1" pos="3000">
           <p15:clr>
             <a:srgbClr val="FBAE40"/>
@@ -4307,7 +4318,7 @@
           <p:cNvPr id="2" name="Title 1">
             <a:extLst>
               <a:ext uri="{FF2B5EF4-FFF2-40B4-BE49-F238E27FC236}">
-                <a16:creationId xmlns:a16="http://schemas.microsoft.com/office/drawing/2014/main" xmlns="" id="{415B3628-62D7-4A6D-A79F-34DE91DBA31E}"/>
+                <a16:creationId xmlns:a16="http://schemas.microsoft.com/office/drawing/2014/main" id="{415B3628-62D7-4A6D-A79F-34DE91DBA31E}"/>
               </a:ext>
             </a:extLst>
           </p:cNvPr>
@@ -4350,7 +4361,7 @@
           <p:cNvPr id="3" name="Subtitle 2">
             <a:extLst>
               <a:ext uri="{FF2B5EF4-FFF2-40B4-BE49-F238E27FC236}">
-                <a16:creationId xmlns:a16="http://schemas.microsoft.com/office/drawing/2014/main" xmlns="" id="{55457758-A125-4CEA-A3D5-CBD010417BD2}"/>
+                <a16:creationId xmlns:a16="http://schemas.microsoft.com/office/drawing/2014/main" id="{55457758-A125-4CEA-A3D5-CBD010417BD2}"/>
               </a:ext>
             </a:extLst>
           </p:cNvPr>
@@ -4429,7 +4440,7 @@
           <p:cNvPr id="6" name="Graphic 5">
             <a:extLst>
               <a:ext uri="{FF2B5EF4-FFF2-40B4-BE49-F238E27FC236}">
-                <a16:creationId xmlns:a16="http://schemas.microsoft.com/office/drawing/2014/main" xmlns="" id="{ED3361C9-310A-4255-A94E-B77588962DA5}"/>
+                <a16:creationId xmlns:a16="http://schemas.microsoft.com/office/drawing/2014/main" id="{ED3361C9-310A-4255-A94E-B77588962DA5}"/>
               </a:ext>
             </a:extLst>
           </p:cNvPr>
@@ -4442,7 +4453,7 @@
           <a:blip r:embed="rId2">
             <a:extLst>
               <a:ext uri="{96DAC541-7B7A-43D3-8B79-37D633B846F1}">
-                <asvg:svgBlip xmlns:asvg="http://schemas.microsoft.com/office/drawing/2016/SVG/main" xmlns="" r:embed="rId3"/>
+                <asvg:svgBlip xmlns:asvg="http://schemas.microsoft.com/office/drawing/2016/SVG/main" r:embed="rId3"/>
               </a:ext>
             </a:extLst>
           </a:blip>
@@ -4465,7 +4476,7 @@
           <p:cNvPr id="9" name="Date Placeholder 6">
             <a:extLst>
               <a:ext uri="{FF2B5EF4-FFF2-40B4-BE49-F238E27FC236}">
-                <a16:creationId xmlns:a16="http://schemas.microsoft.com/office/drawing/2014/main" xmlns="" id="{BF358517-D7B7-40D0-A9D0-B650C80898AC}"/>
+                <a16:creationId xmlns:a16="http://schemas.microsoft.com/office/drawing/2014/main" id="{BF358517-D7B7-40D0-A9D0-B650C80898AC}"/>
               </a:ext>
             </a:extLst>
           </p:cNvPr>
@@ -4502,7 +4513,7 @@
           <p:cNvPr id="10" name="Footer Placeholder 7">
             <a:extLst>
               <a:ext uri="{FF2B5EF4-FFF2-40B4-BE49-F238E27FC236}">
-                <a16:creationId xmlns:a16="http://schemas.microsoft.com/office/drawing/2014/main" xmlns="" id="{6026D44C-0B39-4DE1-A0FC-5615DDAAE3CE}"/>
+                <a16:creationId xmlns:a16="http://schemas.microsoft.com/office/drawing/2014/main" id="{6026D44C-0B39-4DE1-A0FC-5615DDAAE3CE}"/>
               </a:ext>
             </a:extLst>
           </p:cNvPr>
@@ -4539,7 +4550,7 @@
           <p:cNvPr id="11" name="Slide Number Placeholder 8">
             <a:extLst>
               <a:ext uri="{FF2B5EF4-FFF2-40B4-BE49-F238E27FC236}">
-                <a16:creationId xmlns:a16="http://schemas.microsoft.com/office/drawing/2014/main" xmlns="" id="{0F8222B4-B618-42C4-8BDB-D2E4DF2F22C3}"/>
+                <a16:creationId xmlns:a16="http://schemas.microsoft.com/office/drawing/2014/main" id="{0F8222B4-B618-42C4-8BDB-D2E4DF2F22C3}"/>
               </a:ext>
             </a:extLst>
           </p:cNvPr>
@@ -4576,7 +4587,7 @@
     </p:spTree>
     <p:extLst>
       <p:ext uri="{BB962C8B-B14F-4D97-AF65-F5344CB8AC3E}">
-        <p14:creationId xmlns:p14="http://schemas.microsoft.com/office/powerpoint/2010/main" xmlns="" val="1291140423"/>
+        <p14:creationId xmlns:p14="http://schemas.microsoft.com/office/powerpoint/2010/main" val="1291140423"/>
       </p:ext>
     </p:extLst>
   </p:cSld>
@@ -4616,7 +4627,7 @@
           <p:cNvPr id="8" name="Graphic 7">
             <a:extLst>
               <a:ext uri="{FF2B5EF4-FFF2-40B4-BE49-F238E27FC236}">
-                <a16:creationId xmlns:a16="http://schemas.microsoft.com/office/drawing/2014/main" xmlns="" id="{D514C6BF-376E-43E8-881D-2E767426990A}"/>
+                <a16:creationId xmlns:a16="http://schemas.microsoft.com/office/drawing/2014/main" id="{D514C6BF-376E-43E8-881D-2E767426990A}"/>
               </a:ext>
             </a:extLst>
           </p:cNvPr>
@@ -4629,7 +4640,7 @@
           <a:blip r:embed="rId2">
             <a:extLst>
               <a:ext uri="{96DAC541-7B7A-43D3-8B79-37D633B846F1}">
-                <asvg:svgBlip xmlns:asvg="http://schemas.microsoft.com/office/drawing/2016/SVG/main" xmlns="" r:embed="rId3"/>
+                <asvg:svgBlip xmlns:asvg="http://schemas.microsoft.com/office/drawing/2016/SVG/main" r:embed="rId3"/>
               </a:ext>
             </a:extLst>
           </a:blip>
@@ -4651,7 +4662,7 @@
           <p:cNvPr id="2" name="Title 1">
             <a:extLst>
               <a:ext uri="{FF2B5EF4-FFF2-40B4-BE49-F238E27FC236}">
-                <a16:creationId xmlns:a16="http://schemas.microsoft.com/office/drawing/2014/main" xmlns="" id="{3F0A9B92-C2D0-466A-A680-A35832C452B3}"/>
+                <a16:creationId xmlns:a16="http://schemas.microsoft.com/office/drawing/2014/main" id="{3F0A9B92-C2D0-466A-A680-A35832C452B3}"/>
               </a:ext>
             </a:extLst>
           </p:cNvPr>
@@ -4694,7 +4705,7 @@
           <p:cNvPr id="3" name="Content Placeholder 2">
             <a:extLst>
               <a:ext uri="{FF2B5EF4-FFF2-40B4-BE49-F238E27FC236}">
-                <a16:creationId xmlns:a16="http://schemas.microsoft.com/office/drawing/2014/main" xmlns="" id="{2DA41CE6-5A88-4C5C-B2A4-6A5D2153B16F}"/>
+                <a16:creationId xmlns:a16="http://schemas.microsoft.com/office/drawing/2014/main" id="{2DA41CE6-5A88-4C5C-B2A4-6A5D2153B16F}"/>
               </a:ext>
             </a:extLst>
           </p:cNvPr>
@@ -4814,7 +4825,7 @@
           <p:cNvPr id="4" name="Date Placeholder 3">
             <a:extLst>
               <a:ext uri="{FF2B5EF4-FFF2-40B4-BE49-F238E27FC236}">
-                <a16:creationId xmlns:a16="http://schemas.microsoft.com/office/drawing/2014/main" xmlns="" id="{A39F5093-3C53-4152-B8FE-0522E0795269}"/>
+                <a16:creationId xmlns:a16="http://schemas.microsoft.com/office/drawing/2014/main" id="{A39F5093-3C53-4152-B8FE-0522E0795269}"/>
               </a:ext>
             </a:extLst>
           </p:cNvPr>
@@ -4851,7 +4862,7 @@
           <p:cNvPr id="5" name="Footer Placeholder 4">
             <a:extLst>
               <a:ext uri="{FF2B5EF4-FFF2-40B4-BE49-F238E27FC236}">
-                <a16:creationId xmlns:a16="http://schemas.microsoft.com/office/drawing/2014/main" xmlns="" id="{7727F11D-8AF8-44D6-A48B-D8C7779B8B08}"/>
+                <a16:creationId xmlns:a16="http://schemas.microsoft.com/office/drawing/2014/main" id="{7727F11D-8AF8-44D6-A48B-D8C7779B8B08}"/>
               </a:ext>
             </a:extLst>
           </p:cNvPr>
@@ -4888,7 +4899,7 @@
           <p:cNvPr id="6" name="Slide Number Placeholder 5">
             <a:extLst>
               <a:ext uri="{FF2B5EF4-FFF2-40B4-BE49-F238E27FC236}">
-                <a16:creationId xmlns:a16="http://schemas.microsoft.com/office/drawing/2014/main" xmlns="" id="{658C0879-6B0F-4AF6-A997-EC61DA8964AE}"/>
+                <a16:creationId xmlns:a16="http://schemas.microsoft.com/office/drawing/2014/main" id="{658C0879-6B0F-4AF6-A997-EC61DA8964AE}"/>
               </a:ext>
             </a:extLst>
           </p:cNvPr>
@@ -4925,7 +4936,7 @@
     </p:spTree>
     <p:extLst>
       <p:ext uri="{BB962C8B-B14F-4D97-AF65-F5344CB8AC3E}">
-        <p14:creationId xmlns:p14="http://schemas.microsoft.com/office/powerpoint/2010/main" xmlns="" val="982124936"/>
+        <p14:creationId xmlns:p14="http://schemas.microsoft.com/office/powerpoint/2010/main" val="982124936"/>
       </p:ext>
     </p:extLst>
   </p:cSld>
@@ -4957,7 +4968,7 @@
           <p:cNvPr id="2" name="Title 1">
             <a:extLst>
               <a:ext uri="{FF2B5EF4-FFF2-40B4-BE49-F238E27FC236}">
-                <a16:creationId xmlns:a16="http://schemas.microsoft.com/office/drawing/2014/main" xmlns="" id="{23A3821F-4537-4AE7-8829-C2E3AE60F6E1}"/>
+                <a16:creationId xmlns:a16="http://schemas.microsoft.com/office/drawing/2014/main" id="{23A3821F-4537-4AE7-8829-C2E3AE60F6E1}"/>
               </a:ext>
             </a:extLst>
           </p:cNvPr>
@@ -5003,7 +5014,7 @@
           <p:cNvPr id="3" name="Text Placeholder 2">
             <a:extLst>
               <a:ext uri="{FF2B5EF4-FFF2-40B4-BE49-F238E27FC236}">
-                <a16:creationId xmlns:a16="http://schemas.microsoft.com/office/drawing/2014/main" xmlns="" id="{92FD4279-EA62-4397-878A-73F4948DB176}"/>
+                <a16:creationId xmlns:a16="http://schemas.microsoft.com/office/drawing/2014/main" id="{92FD4279-EA62-4397-878A-73F4948DB176}"/>
               </a:ext>
             </a:extLst>
           </p:cNvPr>
@@ -5131,7 +5142,7 @@
           <p:cNvPr id="4" name="Date Placeholder 3">
             <a:extLst>
               <a:ext uri="{FF2B5EF4-FFF2-40B4-BE49-F238E27FC236}">
-                <a16:creationId xmlns:a16="http://schemas.microsoft.com/office/drawing/2014/main" xmlns="" id="{9C11EBF9-6826-475B-8079-C11128991BAE}"/>
+                <a16:creationId xmlns:a16="http://schemas.microsoft.com/office/drawing/2014/main" id="{9C11EBF9-6826-475B-8079-C11128991BAE}"/>
               </a:ext>
             </a:extLst>
           </p:cNvPr>
@@ -5168,7 +5179,7 @@
           <p:cNvPr id="5" name="Footer Placeholder 4">
             <a:extLst>
               <a:ext uri="{FF2B5EF4-FFF2-40B4-BE49-F238E27FC236}">
-                <a16:creationId xmlns:a16="http://schemas.microsoft.com/office/drawing/2014/main" xmlns="" id="{3FB726A3-DF54-47D2-8C3A-34FD43A19E8E}"/>
+                <a16:creationId xmlns:a16="http://schemas.microsoft.com/office/drawing/2014/main" id="{3FB726A3-DF54-47D2-8C3A-34FD43A19E8E}"/>
               </a:ext>
             </a:extLst>
           </p:cNvPr>
@@ -5205,7 +5216,7 @@
           <p:cNvPr id="6" name="Slide Number Placeholder 5">
             <a:extLst>
               <a:ext uri="{FF2B5EF4-FFF2-40B4-BE49-F238E27FC236}">
-                <a16:creationId xmlns:a16="http://schemas.microsoft.com/office/drawing/2014/main" xmlns="" id="{D0CD125A-4493-4967-9146-841D0EF3BC63}"/>
+                <a16:creationId xmlns:a16="http://schemas.microsoft.com/office/drawing/2014/main" id="{D0CD125A-4493-4967-9146-841D0EF3BC63}"/>
               </a:ext>
             </a:extLst>
           </p:cNvPr>
@@ -5239,7 +5250,7 @@
           <p:cNvPr id="7" name="Group 6">
             <a:extLst>
               <a:ext uri="{FF2B5EF4-FFF2-40B4-BE49-F238E27FC236}">
-                <a16:creationId xmlns:a16="http://schemas.microsoft.com/office/drawing/2014/main" xmlns="" id="{D7A1CF8B-3479-49A3-A30E-2F2ECE962075}"/>
+                <a16:creationId xmlns:a16="http://schemas.microsoft.com/office/drawing/2014/main" id="{D7A1CF8B-3479-49A3-A30E-2F2ECE962075}"/>
               </a:ext>
             </a:extLst>
           </p:cNvPr>
@@ -5259,7 +5270,7 @@
             <p:cNvPr id="14" name="Straight Connector 13">
               <a:extLst>
                 <a:ext uri="{FF2B5EF4-FFF2-40B4-BE49-F238E27FC236}">
-                  <a16:creationId xmlns:a16="http://schemas.microsoft.com/office/drawing/2014/main" xmlns="" id="{49FBD260-5143-4B12-B9F8-33E48D548909}"/>
+                  <a16:creationId xmlns:a16="http://schemas.microsoft.com/office/drawing/2014/main" id="{49FBD260-5143-4B12-B9F8-33E48D548909}"/>
                 </a:ext>
               </a:extLst>
             </p:cNvPr>
@@ -5300,7 +5311,7 @@
             <p:cNvPr id="23" name="Straight Connector 22">
               <a:extLst>
                 <a:ext uri="{FF2B5EF4-FFF2-40B4-BE49-F238E27FC236}">
-                  <a16:creationId xmlns:a16="http://schemas.microsoft.com/office/drawing/2014/main" xmlns="" id="{D87F08D6-2CA7-4A5A-BE34-07113DCA535D}"/>
+                  <a16:creationId xmlns:a16="http://schemas.microsoft.com/office/drawing/2014/main" id="{D87F08D6-2CA7-4A5A-BE34-07113DCA535D}"/>
                 </a:ext>
               </a:extLst>
             </p:cNvPr>
@@ -5340,7 +5351,7 @@
     </p:spTree>
     <p:extLst>
       <p:ext uri="{BB962C8B-B14F-4D97-AF65-F5344CB8AC3E}">
-        <p14:creationId xmlns:p14="http://schemas.microsoft.com/office/powerpoint/2010/main" xmlns="" val="4249735939"/>
+        <p14:creationId xmlns:p14="http://schemas.microsoft.com/office/powerpoint/2010/main" val="4249735939"/>
       </p:ext>
     </p:extLst>
   </p:cSld>
@@ -5380,7 +5391,7 @@
           <p:cNvPr id="2" name="Title 1">
             <a:extLst>
               <a:ext uri="{FF2B5EF4-FFF2-40B4-BE49-F238E27FC236}">
-                <a16:creationId xmlns:a16="http://schemas.microsoft.com/office/drawing/2014/main" xmlns="" id="{415B3628-62D7-4A6D-A79F-34DE91DBA31E}"/>
+                <a16:creationId xmlns:a16="http://schemas.microsoft.com/office/drawing/2014/main" id="{415B3628-62D7-4A6D-A79F-34DE91DBA31E}"/>
               </a:ext>
             </a:extLst>
           </p:cNvPr>
@@ -5423,7 +5434,7 @@
           <p:cNvPr id="3" name="Subtitle 2">
             <a:extLst>
               <a:ext uri="{FF2B5EF4-FFF2-40B4-BE49-F238E27FC236}">
-                <a16:creationId xmlns:a16="http://schemas.microsoft.com/office/drawing/2014/main" xmlns="" id="{55457758-A125-4CEA-A3D5-CBD010417BD2}"/>
+                <a16:creationId xmlns:a16="http://schemas.microsoft.com/office/drawing/2014/main" id="{55457758-A125-4CEA-A3D5-CBD010417BD2}"/>
               </a:ext>
             </a:extLst>
           </p:cNvPr>
@@ -5499,7 +5510,7 @@
           <p:cNvPr id="5" name="Graphic 4">
             <a:extLst>
               <a:ext uri="{FF2B5EF4-FFF2-40B4-BE49-F238E27FC236}">
-                <a16:creationId xmlns:a16="http://schemas.microsoft.com/office/drawing/2014/main" xmlns="" id="{F05D2CCB-CCFC-4A8A-ADA9-C1E4D13B9681}"/>
+                <a16:creationId xmlns:a16="http://schemas.microsoft.com/office/drawing/2014/main" id="{F05D2CCB-CCFC-4A8A-ADA9-C1E4D13B9681}"/>
               </a:ext>
             </a:extLst>
           </p:cNvPr>
@@ -5512,7 +5523,7 @@
           <a:blip r:embed="rId2">
             <a:extLst>
               <a:ext uri="{96DAC541-7B7A-43D3-8B79-37D633B846F1}">
-                <asvg:svgBlip xmlns:asvg="http://schemas.microsoft.com/office/drawing/2016/SVG/main" xmlns="" r:embed="rId3"/>
+                <asvg:svgBlip xmlns:asvg="http://schemas.microsoft.com/office/drawing/2016/SVG/main" r:embed="rId3"/>
               </a:ext>
             </a:extLst>
           </a:blip>
@@ -5533,7 +5544,7 @@
     </p:spTree>
     <p:extLst>
       <p:ext uri="{BB962C8B-B14F-4D97-AF65-F5344CB8AC3E}">
-        <p14:creationId xmlns:p14="http://schemas.microsoft.com/office/powerpoint/2010/main" xmlns="" val="2699512310"/>
+        <p14:creationId xmlns:p14="http://schemas.microsoft.com/office/powerpoint/2010/main" val="2699512310"/>
       </p:ext>
     </p:extLst>
   </p:cSld>
@@ -5573,7 +5584,7 @@
           <p:cNvPr id="2" name="Title 1">
             <a:extLst>
               <a:ext uri="{FF2B5EF4-FFF2-40B4-BE49-F238E27FC236}">
-                <a16:creationId xmlns:a16="http://schemas.microsoft.com/office/drawing/2014/main" xmlns="" id="{EE5C4E19-B78B-4E39-B661-7E6A2E6C5002}"/>
+                <a16:creationId xmlns:a16="http://schemas.microsoft.com/office/drawing/2014/main" id="{EE5C4E19-B78B-4E39-B661-7E6A2E6C5002}"/>
               </a:ext>
             </a:extLst>
           </p:cNvPr>
@@ -5614,7 +5625,7 @@
           <p:cNvPr id="3" name="Date Placeholder 2">
             <a:extLst>
               <a:ext uri="{FF2B5EF4-FFF2-40B4-BE49-F238E27FC236}">
-                <a16:creationId xmlns:a16="http://schemas.microsoft.com/office/drawing/2014/main" xmlns="" id="{7E085D26-FA83-4414-959E-98936A772670}"/>
+                <a16:creationId xmlns:a16="http://schemas.microsoft.com/office/drawing/2014/main" id="{7E085D26-FA83-4414-959E-98936A772670}"/>
               </a:ext>
             </a:extLst>
           </p:cNvPr>
@@ -5646,7 +5657,7 @@
           <p:cNvPr id="4" name="Footer Placeholder 3">
             <a:extLst>
               <a:ext uri="{FF2B5EF4-FFF2-40B4-BE49-F238E27FC236}">
-                <a16:creationId xmlns:a16="http://schemas.microsoft.com/office/drawing/2014/main" xmlns="" id="{1FB52E93-DE4C-4341-8D83-F0230E38B1A1}"/>
+                <a16:creationId xmlns:a16="http://schemas.microsoft.com/office/drawing/2014/main" id="{1FB52E93-DE4C-4341-8D83-F0230E38B1A1}"/>
               </a:ext>
             </a:extLst>
           </p:cNvPr>
@@ -5678,7 +5689,7 @@
           <p:cNvPr id="5" name="Slide Number Placeholder 4">
             <a:extLst>
               <a:ext uri="{FF2B5EF4-FFF2-40B4-BE49-F238E27FC236}">
-                <a16:creationId xmlns:a16="http://schemas.microsoft.com/office/drawing/2014/main" xmlns="" id="{AC467230-4A0F-4B18-8BA9-C3B2FDD59CB0}"/>
+                <a16:creationId xmlns:a16="http://schemas.microsoft.com/office/drawing/2014/main" id="{AC467230-4A0F-4B18-8BA9-C3B2FDD59CB0}"/>
               </a:ext>
             </a:extLst>
           </p:cNvPr>
@@ -5712,7 +5723,7 @@
           <p:cNvPr id="7" name="Chart Placeholder 6">
             <a:extLst>
               <a:ext uri="{FF2B5EF4-FFF2-40B4-BE49-F238E27FC236}">
-                <a16:creationId xmlns:a16="http://schemas.microsoft.com/office/drawing/2014/main" xmlns="" id="{08AF2DB4-A973-4307-B59C-6058A138835C}"/>
+                <a16:creationId xmlns:a16="http://schemas.microsoft.com/office/drawing/2014/main" id="{08AF2DB4-A973-4307-B59C-6058A138835C}"/>
               </a:ext>
             </a:extLst>
           </p:cNvPr>
@@ -5744,7 +5755,7 @@
     </p:spTree>
     <p:extLst>
       <p:ext uri="{BB962C8B-B14F-4D97-AF65-F5344CB8AC3E}">
-        <p14:creationId xmlns:p14="http://schemas.microsoft.com/office/powerpoint/2010/main" xmlns="" val="1485277703"/>
+        <p14:creationId xmlns:p14="http://schemas.microsoft.com/office/powerpoint/2010/main" val="1485277703"/>
       </p:ext>
     </p:extLst>
   </p:cSld>
@@ -5781,7 +5792,7 @@
           <p:cNvPr id="2" name="Title 1">
             <a:extLst>
               <a:ext uri="{FF2B5EF4-FFF2-40B4-BE49-F238E27FC236}">
-                <a16:creationId xmlns:a16="http://schemas.microsoft.com/office/drawing/2014/main" xmlns="" id="{EE5C4E19-B78B-4E39-B661-7E6A2E6C5002}"/>
+                <a16:creationId xmlns:a16="http://schemas.microsoft.com/office/drawing/2014/main" id="{EE5C4E19-B78B-4E39-B661-7E6A2E6C5002}"/>
               </a:ext>
             </a:extLst>
           </p:cNvPr>
@@ -5822,7 +5833,7 @@
           <p:cNvPr id="8" name="Table Placeholder 7">
             <a:extLst>
               <a:ext uri="{FF2B5EF4-FFF2-40B4-BE49-F238E27FC236}">
-                <a16:creationId xmlns:a16="http://schemas.microsoft.com/office/drawing/2014/main" xmlns="" id="{C3975522-461E-4D79-B5B9-BF9471B54688}"/>
+                <a16:creationId xmlns:a16="http://schemas.microsoft.com/office/drawing/2014/main" id="{C3975522-461E-4D79-B5B9-BF9471B54688}"/>
               </a:ext>
             </a:extLst>
           </p:cNvPr>
@@ -5856,7 +5867,7 @@
           <p:cNvPr id="3" name="Date Placeholder 2">
             <a:extLst>
               <a:ext uri="{FF2B5EF4-FFF2-40B4-BE49-F238E27FC236}">
-                <a16:creationId xmlns:a16="http://schemas.microsoft.com/office/drawing/2014/main" xmlns="" id="{7E085D26-FA83-4414-959E-98936A772670}"/>
+                <a16:creationId xmlns:a16="http://schemas.microsoft.com/office/drawing/2014/main" id="{7E085D26-FA83-4414-959E-98936A772670}"/>
               </a:ext>
             </a:extLst>
           </p:cNvPr>
@@ -5888,7 +5899,7 @@
           <p:cNvPr id="4" name="Footer Placeholder 3">
             <a:extLst>
               <a:ext uri="{FF2B5EF4-FFF2-40B4-BE49-F238E27FC236}">
-                <a16:creationId xmlns:a16="http://schemas.microsoft.com/office/drawing/2014/main" xmlns="" id="{1FB52E93-DE4C-4341-8D83-F0230E38B1A1}"/>
+                <a16:creationId xmlns:a16="http://schemas.microsoft.com/office/drawing/2014/main" id="{1FB52E93-DE4C-4341-8D83-F0230E38B1A1}"/>
               </a:ext>
             </a:extLst>
           </p:cNvPr>
@@ -5920,7 +5931,7 @@
           <p:cNvPr id="5" name="Slide Number Placeholder 4">
             <a:extLst>
               <a:ext uri="{FF2B5EF4-FFF2-40B4-BE49-F238E27FC236}">
-                <a16:creationId xmlns:a16="http://schemas.microsoft.com/office/drawing/2014/main" xmlns="" id="{AC467230-4A0F-4B18-8BA9-C3B2FDD59CB0}"/>
+                <a16:creationId xmlns:a16="http://schemas.microsoft.com/office/drawing/2014/main" id="{AC467230-4A0F-4B18-8BA9-C3B2FDD59CB0}"/>
               </a:ext>
             </a:extLst>
           </p:cNvPr>
@@ -5952,7 +5963,7 @@
     </p:spTree>
     <p:extLst>
       <p:ext uri="{BB962C8B-B14F-4D97-AF65-F5344CB8AC3E}">
-        <p14:creationId xmlns:p14="http://schemas.microsoft.com/office/powerpoint/2010/main" xmlns="" val="3370680036"/>
+        <p14:creationId xmlns:p14="http://schemas.microsoft.com/office/powerpoint/2010/main" val="3370680036"/>
       </p:ext>
     </p:extLst>
   </p:cSld>
@@ -5984,10 +5995,10 @@
           <p:cNvPr id="7" name="Graphic 6">
             <a:extLst>
               <a:ext uri="{FF2B5EF4-FFF2-40B4-BE49-F238E27FC236}">
-                <a16:creationId xmlns:a16="http://schemas.microsoft.com/office/drawing/2014/main" xmlns="" id="{AEE644D4-F9A4-4237-BD5C-4B97ABA9337E}"/>
+                <a16:creationId xmlns:a16="http://schemas.microsoft.com/office/drawing/2014/main" id="{AEE644D4-F9A4-4237-BD5C-4B97ABA9337E}"/>
               </a:ext>
               <a:ext uri="{C183D7F6-B498-43B3-948B-1728B52AA6E4}">
-                <adec:decorative xmlns:adec="http://schemas.microsoft.com/office/drawing/2017/decorative" xmlns="" val="1"/>
+                <adec:decorative xmlns:adec="http://schemas.microsoft.com/office/drawing/2017/decorative" val="1"/>
               </a:ext>
             </a:extLst>
           </p:cNvPr>
@@ -6000,7 +6011,7 @@
           <a:blip r:embed="rId2">
             <a:extLst>
               <a:ext uri="{96DAC541-7B7A-43D3-8B79-37D633B846F1}">
-                <asvg:svgBlip xmlns:asvg="http://schemas.microsoft.com/office/drawing/2016/SVG/main" xmlns="" r:embed="rId3"/>
+                <asvg:svgBlip xmlns:asvg="http://schemas.microsoft.com/office/drawing/2016/SVG/main" r:embed="rId3"/>
               </a:ext>
             </a:extLst>
           </a:blip>
@@ -6023,7 +6034,7 @@
           <p:cNvPr id="2" name="Title 1">
             <a:extLst>
               <a:ext uri="{FF2B5EF4-FFF2-40B4-BE49-F238E27FC236}">
-                <a16:creationId xmlns:a16="http://schemas.microsoft.com/office/drawing/2014/main" xmlns="" id="{C2FF67A8-55FA-435D-A18C-96D63D22B53E}"/>
+                <a16:creationId xmlns:a16="http://schemas.microsoft.com/office/drawing/2014/main" id="{C2FF67A8-55FA-435D-A18C-96D63D22B53E}"/>
               </a:ext>
             </a:extLst>
           </p:cNvPr>
@@ -6069,7 +6080,7 @@
           <p:cNvPr id="10" name="Subtitle 2">
             <a:extLst>
               <a:ext uri="{FF2B5EF4-FFF2-40B4-BE49-F238E27FC236}">
-                <a16:creationId xmlns:a16="http://schemas.microsoft.com/office/drawing/2014/main" xmlns="" id="{104828DA-5EC5-4A00-9A7B-CD9668EF24D1}"/>
+                <a16:creationId xmlns:a16="http://schemas.microsoft.com/office/drawing/2014/main" id="{104828DA-5EC5-4A00-9A7B-CD9668EF24D1}"/>
               </a:ext>
             </a:extLst>
           </p:cNvPr>
@@ -6147,7 +6158,7 @@
           <p:cNvPr id="3" name="Date Placeholder 2">
             <a:extLst>
               <a:ext uri="{FF2B5EF4-FFF2-40B4-BE49-F238E27FC236}">
-                <a16:creationId xmlns:a16="http://schemas.microsoft.com/office/drawing/2014/main" xmlns="" id="{D9303E9A-96BC-4283-A6E1-5948AEB119F4}"/>
+                <a16:creationId xmlns:a16="http://schemas.microsoft.com/office/drawing/2014/main" id="{D9303E9A-96BC-4283-A6E1-5948AEB119F4}"/>
               </a:ext>
             </a:extLst>
           </p:cNvPr>
@@ -6184,7 +6195,7 @@
           <p:cNvPr id="4" name="Footer Placeholder 3">
             <a:extLst>
               <a:ext uri="{FF2B5EF4-FFF2-40B4-BE49-F238E27FC236}">
-                <a16:creationId xmlns:a16="http://schemas.microsoft.com/office/drawing/2014/main" xmlns="" id="{45A19C49-052B-4D3E-B227-1D787463CE96}"/>
+                <a16:creationId xmlns:a16="http://schemas.microsoft.com/office/drawing/2014/main" id="{45A19C49-052B-4D3E-B227-1D787463CE96}"/>
               </a:ext>
             </a:extLst>
           </p:cNvPr>
@@ -6221,7 +6232,7 @@
           <p:cNvPr id="5" name="Slide Number Placeholder 4">
             <a:extLst>
               <a:ext uri="{FF2B5EF4-FFF2-40B4-BE49-F238E27FC236}">
-                <a16:creationId xmlns:a16="http://schemas.microsoft.com/office/drawing/2014/main" xmlns="" id="{4E5E724A-95F0-41B6-A77E-EDD067272C27}"/>
+                <a16:creationId xmlns:a16="http://schemas.microsoft.com/office/drawing/2014/main" id="{4E5E724A-95F0-41B6-A77E-EDD067272C27}"/>
               </a:ext>
             </a:extLst>
           </p:cNvPr>
@@ -6260,10 +6271,10 @@
           <p:cNvPr id="9" name="Straight Connector 8">
             <a:extLst>
               <a:ext uri="{FF2B5EF4-FFF2-40B4-BE49-F238E27FC236}">
-                <a16:creationId xmlns:a16="http://schemas.microsoft.com/office/drawing/2014/main" xmlns="" id="{BDAC7E4E-FE06-4E90-8107-6B543E5515ED}"/>
+                <a16:creationId xmlns:a16="http://schemas.microsoft.com/office/drawing/2014/main" id="{BDAC7E4E-FE06-4E90-8107-6B543E5515ED}"/>
               </a:ext>
               <a:ext uri="{C183D7F6-B498-43B3-948B-1728B52AA6E4}">
-                <adec:decorative xmlns:adec="http://schemas.microsoft.com/office/drawing/2017/decorative" xmlns="" val="1"/>
+                <adec:decorative xmlns:adec="http://schemas.microsoft.com/office/drawing/2017/decorative" val="1"/>
               </a:ext>
             </a:extLst>
           </p:cNvPr>
@@ -6302,7 +6313,7 @@
     </p:spTree>
     <p:extLst>
       <p:ext uri="{BB962C8B-B14F-4D97-AF65-F5344CB8AC3E}">
-        <p14:creationId xmlns:p14="http://schemas.microsoft.com/office/powerpoint/2010/main" xmlns="" val="3203065686"/>
+        <p14:creationId xmlns:p14="http://schemas.microsoft.com/office/powerpoint/2010/main" val="3203065686"/>
       </p:ext>
     </p:extLst>
   </p:cSld>
@@ -6339,7 +6350,7 @@
           <p:cNvPr id="2" name="Title 1">
             <a:extLst>
               <a:ext uri="{FF2B5EF4-FFF2-40B4-BE49-F238E27FC236}">
-                <a16:creationId xmlns:a16="http://schemas.microsoft.com/office/drawing/2014/main" xmlns="" id="{81CF3B5C-31C4-46BA-9FAD-72DF917A84DA}"/>
+                <a16:creationId xmlns:a16="http://schemas.microsoft.com/office/drawing/2014/main" id="{81CF3B5C-31C4-46BA-9FAD-72DF917A84DA}"/>
               </a:ext>
             </a:extLst>
           </p:cNvPr>
@@ -6385,7 +6396,7 @@
           <p:cNvPr id="11" name="Picture Placeholder 10">
             <a:extLst>
               <a:ext uri="{FF2B5EF4-FFF2-40B4-BE49-F238E27FC236}">
-                <a16:creationId xmlns:a16="http://schemas.microsoft.com/office/drawing/2014/main" xmlns="" id="{B0BDE76A-30A6-4268-9656-28A484C3DCC9}"/>
+                <a16:creationId xmlns:a16="http://schemas.microsoft.com/office/drawing/2014/main" id="{B0BDE76A-30A6-4268-9656-28A484C3DCC9}"/>
               </a:ext>
             </a:extLst>
           </p:cNvPr>
@@ -6424,7 +6435,7 @@
           <p:cNvPr id="3" name="Text Placeholder 2">
             <a:extLst>
               <a:ext uri="{FF2B5EF4-FFF2-40B4-BE49-F238E27FC236}">
-                <a16:creationId xmlns:a16="http://schemas.microsoft.com/office/drawing/2014/main" xmlns="" id="{B659CD1F-9DFB-4048-9B9B-2BD7D4EC6400}"/>
+                <a16:creationId xmlns:a16="http://schemas.microsoft.com/office/drawing/2014/main" id="{B659CD1F-9DFB-4048-9B9B-2BD7D4EC6400}"/>
               </a:ext>
             </a:extLst>
           </p:cNvPr>
@@ -6504,7 +6515,7 @@
           <p:cNvPr id="26" name="Text Placeholder 2">
             <a:extLst>
               <a:ext uri="{FF2B5EF4-FFF2-40B4-BE49-F238E27FC236}">
-                <a16:creationId xmlns:a16="http://schemas.microsoft.com/office/drawing/2014/main" xmlns="" id="{A02C0876-23F7-41FA-9AC9-721097D1A3CD}"/>
+                <a16:creationId xmlns:a16="http://schemas.microsoft.com/office/drawing/2014/main" id="{A02C0876-23F7-41FA-9AC9-721097D1A3CD}"/>
               </a:ext>
             </a:extLst>
           </p:cNvPr>
@@ -6584,7 +6595,7 @@
           <p:cNvPr id="17" name="Picture Placeholder 10">
             <a:extLst>
               <a:ext uri="{FF2B5EF4-FFF2-40B4-BE49-F238E27FC236}">
-                <a16:creationId xmlns:a16="http://schemas.microsoft.com/office/drawing/2014/main" xmlns="" id="{C4CA5C9C-91D5-44B1-A82A-A49732B4691A}"/>
+                <a16:creationId xmlns:a16="http://schemas.microsoft.com/office/drawing/2014/main" id="{C4CA5C9C-91D5-44B1-A82A-A49732B4691A}"/>
               </a:ext>
             </a:extLst>
           </p:cNvPr>
@@ -6623,7 +6634,7 @@
           <p:cNvPr id="23" name="Text Placeholder 2">
             <a:extLst>
               <a:ext uri="{FF2B5EF4-FFF2-40B4-BE49-F238E27FC236}">
-                <a16:creationId xmlns:a16="http://schemas.microsoft.com/office/drawing/2014/main" xmlns="" id="{572D0301-10F1-41B4-BEF8-C53FA4D66214}"/>
+                <a16:creationId xmlns:a16="http://schemas.microsoft.com/office/drawing/2014/main" id="{572D0301-10F1-41B4-BEF8-C53FA4D66214}"/>
               </a:ext>
             </a:extLst>
           </p:cNvPr>
@@ -6703,7 +6714,7 @@
           <p:cNvPr id="27" name="Text Placeholder 2">
             <a:extLst>
               <a:ext uri="{FF2B5EF4-FFF2-40B4-BE49-F238E27FC236}">
-                <a16:creationId xmlns:a16="http://schemas.microsoft.com/office/drawing/2014/main" xmlns="" id="{7ADEB263-F204-4A78-A5E0-7361EFE0B921}"/>
+                <a16:creationId xmlns:a16="http://schemas.microsoft.com/office/drawing/2014/main" id="{7ADEB263-F204-4A78-A5E0-7361EFE0B921}"/>
               </a:ext>
             </a:extLst>
           </p:cNvPr>
@@ -6783,7 +6794,7 @@
           <p:cNvPr id="18" name="Picture Placeholder 10">
             <a:extLst>
               <a:ext uri="{FF2B5EF4-FFF2-40B4-BE49-F238E27FC236}">
-                <a16:creationId xmlns:a16="http://schemas.microsoft.com/office/drawing/2014/main" xmlns="" id="{4EBC7D6F-397D-4C5A-AA62-F683F88531A2}"/>
+                <a16:creationId xmlns:a16="http://schemas.microsoft.com/office/drawing/2014/main" id="{4EBC7D6F-397D-4C5A-AA62-F683F88531A2}"/>
               </a:ext>
             </a:extLst>
           </p:cNvPr>
@@ -6823,7 +6834,7 @@
           <p:cNvPr id="24" name="Text Placeholder 2">
             <a:extLst>
               <a:ext uri="{FF2B5EF4-FFF2-40B4-BE49-F238E27FC236}">
-                <a16:creationId xmlns:a16="http://schemas.microsoft.com/office/drawing/2014/main" xmlns="" id="{E767B9DE-7410-43CC-90CF-52D67EF03D48}"/>
+                <a16:creationId xmlns:a16="http://schemas.microsoft.com/office/drawing/2014/main" id="{E767B9DE-7410-43CC-90CF-52D67EF03D48}"/>
               </a:ext>
             </a:extLst>
           </p:cNvPr>
@@ -6903,7 +6914,7 @@
           <p:cNvPr id="28" name="Text Placeholder 2">
             <a:extLst>
               <a:ext uri="{FF2B5EF4-FFF2-40B4-BE49-F238E27FC236}">
-                <a16:creationId xmlns:a16="http://schemas.microsoft.com/office/drawing/2014/main" xmlns="" id="{103678F5-B025-46E2-BD45-E77861487165}"/>
+                <a16:creationId xmlns:a16="http://schemas.microsoft.com/office/drawing/2014/main" id="{103678F5-B025-46E2-BD45-E77861487165}"/>
               </a:ext>
             </a:extLst>
           </p:cNvPr>
@@ -6983,7 +6994,7 @@
           <p:cNvPr id="19" name="Picture Placeholder 10">
             <a:extLst>
               <a:ext uri="{FF2B5EF4-FFF2-40B4-BE49-F238E27FC236}">
-                <a16:creationId xmlns:a16="http://schemas.microsoft.com/office/drawing/2014/main" xmlns="" id="{92E6B581-A522-4758-A9A4-8B9C7B860CF2}"/>
+                <a16:creationId xmlns:a16="http://schemas.microsoft.com/office/drawing/2014/main" id="{92E6B581-A522-4758-A9A4-8B9C7B860CF2}"/>
               </a:ext>
             </a:extLst>
           </p:cNvPr>
@@ -7022,7 +7033,7 @@
           <p:cNvPr id="25" name="Text Placeholder 2">
             <a:extLst>
               <a:ext uri="{FF2B5EF4-FFF2-40B4-BE49-F238E27FC236}">
-                <a16:creationId xmlns:a16="http://schemas.microsoft.com/office/drawing/2014/main" xmlns="" id="{E13DFE1F-4534-4828-990E-B052F51FC65C}"/>
+                <a16:creationId xmlns:a16="http://schemas.microsoft.com/office/drawing/2014/main" id="{E13DFE1F-4534-4828-990E-B052F51FC65C}"/>
               </a:ext>
             </a:extLst>
           </p:cNvPr>
@@ -7102,7 +7113,7 @@
           <p:cNvPr id="29" name="Text Placeholder 2">
             <a:extLst>
               <a:ext uri="{FF2B5EF4-FFF2-40B4-BE49-F238E27FC236}">
-                <a16:creationId xmlns:a16="http://schemas.microsoft.com/office/drawing/2014/main" xmlns="" id="{7E3F385B-4DD9-4F3C-A02B-179B9FA61292}"/>
+                <a16:creationId xmlns:a16="http://schemas.microsoft.com/office/drawing/2014/main" id="{7E3F385B-4DD9-4F3C-A02B-179B9FA61292}"/>
               </a:ext>
             </a:extLst>
           </p:cNvPr>
@@ -7182,7 +7193,7 @@
           <p:cNvPr id="7" name="Date Placeholder 6">
             <a:extLst>
               <a:ext uri="{FF2B5EF4-FFF2-40B4-BE49-F238E27FC236}">
-                <a16:creationId xmlns:a16="http://schemas.microsoft.com/office/drawing/2014/main" xmlns="" id="{F255C16C-AA88-4BBF-8040-11ECFED618E0}"/>
+                <a16:creationId xmlns:a16="http://schemas.microsoft.com/office/drawing/2014/main" id="{F255C16C-AA88-4BBF-8040-11ECFED618E0}"/>
               </a:ext>
             </a:extLst>
           </p:cNvPr>
@@ -7214,7 +7225,7 @@
           <p:cNvPr id="8" name="Footer Placeholder 7">
             <a:extLst>
               <a:ext uri="{FF2B5EF4-FFF2-40B4-BE49-F238E27FC236}">
-                <a16:creationId xmlns:a16="http://schemas.microsoft.com/office/drawing/2014/main" xmlns="" id="{CBE560E3-F935-488F-8F0E-191D7B6B54B8}"/>
+                <a16:creationId xmlns:a16="http://schemas.microsoft.com/office/drawing/2014/main" id="{CBE560E3-F935-488F-8F0E-191D7B6B54B8}"/>
               </a:ext>
             </a:extLst>
           </p:cNvPr>
@@ -7246,7 +7257,7 @@
           <p:cNvPr id="9" name="Slide Number Placeholder 8">
             <a:extLst>
               <a:ext uri="{FF2B5EF4-FFF2-40B4-BE49-F238E27FC236}">
-                <a16:creationId xmlns:a16="http://schemas.microsoft.com/office/drawing/2014/main" xmlns="" id="{9B9CD8B2-CC23-467F-B0EE-2CC06D6308BD}"/>
+                <a16:creationId xmlns:a16="http://schemas.microsoft.com/office/drawing/2014/main" id="{9B9CD8B2-CC23-467F-B0EE-2CC06D6308BD}"/>
               </a:ext>
             </a:extLst>
           </p:cNvPr>
@@ -7280,10 +7291,10 @@
           <p:cNvPr id="4" name="Group 3">
             <a:extLst>
               <a:ext uri="{FF2B5EF4-FFF2-40B4-BE49-F238E27FC236}">
-                <a16:creationId xmlns:a16="http://schemas.microsoft.com/office/drawing/2014/main" xmlns="" id="{73C911F2-9041-416A-B83C-F23B354E063B}"/>
+                <a16:creationId xmlns:a16="http://schemas.microsoft.com/office/drawing/2014/main" id="{73C911F2-9041-416A-B83C-F23B354E063B}"/>
               </a:ext>
               <a:ext uri="{C183D7F6-B498-43B3-948B-1728B52AA6E4}">
-                <adec:decorative xmlns:adec="http://schemas.microsoft.com/office/drawing/2017/decorative" xmlns="" val="1"/>
+                <adec:decorative xmlns:adec="http://schemas.microsoft.com/office/drawing/2017/decorative" val="1"/>
               </a:ext>
             </a:extLst>
           </p:cNvPr>
@@ -7303,7 +7314,7 @@
             <p:cNvPr id="10" name="Straight Connector 9">
               <a:extLst>
                 <a:ext uri="{FF2B5EF4-FFF2-40B4-BE49-F238E27FC236}">
-                  <a16:creationId xmlns:a16="http://schemas.microsoft.com/office/drawing/2014/main" xmlns="" id="{4E4B72DA-52CB-4D39-A342-8857B4D959B2}"/>
+                  <a16:creationId xmlns:a16="http://schemas.microsoft.com/office/drawing/2014/main" id="{4E4B72DA-52CB-4D39-A342-8857B4D959B2}"/>
                 </a:ext>
               </a:extLst>
             </p:cNvPr>
@@ -7344,7 +7355,7 @@
             <p:cNvPr id="15" name="Straight Connector 14">
               <a:extLst>
                 <a:ext uri="{FF2B5EF4-FFF2-40B4-BE49-F238E27FC236}">
-                  <a16:creationId xmlns:a16="http://schemas.microsoft.com/office/drawing/2014/main" xmlns="" id="{21D9BCDA-DFB7-41A4-A7C7-CEE86CEDCBE5}"/>
+                  <a16:creationId xmlns:a16="http://schemas.microsoft.com/office/drawing/2014/main" id="{21D9BCDA-DFB7-41A4-A7C7-CEE86CEDCBE5}"/>
                 </a:ext>
               </a:extLst>
             </p:cNvPr>
@@ -7386,7 +7397,7 @@
     </p:spTree>
     <p:extLst>
       <p:ext uri="{BB962C8B-B14F-4D97-AF65-F5344CB8AC3E}">
-        <p14:creationId xmlns:p14="http://schemas.microsoft.com/office/powerpoint/2010/main" xmlns="" val="2951227852"/>
+        <p14:creationId xmlns:p14="http://schemas.microsoft.com/office/powerpoint/2010/main" val="2951227852"/>
       </p:ext>
     </p:extLst>
   </p:cSld>
@@ -7426,10 +7437,10 @@
           <p:cNvPr id="4" name="Group 3">
             <a:extLst>
               <a:ext uri="{FF2B5EF4-FFF2-40B4-BE49-F238E27FC236}">
-                <a16:creationId xmlns:a16="http://schemas.microsoft.com/office/drawing/2014/main" xmlns="" id="{187AAB93-862D-455E-9E73-3D0DAEFDEDB4}"/>
+                <a16:creationId xmlns:a16="http://schemas.microsoft.com/office/drawing/2014/main" id="{187AAB93-862D-455E-9E73-3D0DAEFDEDB4}"/>
               </a:ext>
               <a:ext uri="{C183D7F6-B498-43B3-948B-1728B52AA6E4}">
-                <adec:decorative xmlns:adec="http://schemas.microsoft.com/office/drawing/2017/decorative" xmlns="" val="1"/>
+                <adec:decorative xmlns:adec="http://schemas.microsoft.com/office/drawing/2017/decorative" val="1"/>
               </a:ext>
             </a:extLst>
           </p:cNvPr>
@@ -7449,7 +7460,7 @@
             <p:cNvPr id="13" name="Graphic 12">
               <a:extLst>
                 <a:ext uri="{FF2B5EF4-FFF2-40B4-BE49-F238E27FC236}">
-                  <a16:creationId xmlns:a16="http://schemas.microsoft.com/office/drawing/2014/main" xmlns="" id="{B0DFD584-E5CF-41EF-B51E-679CE22DDF93}"/>
+                  <a16:creationId xmlns:a16="http://schemas.microsoft.com/office/drawing/2014/main" id="{B0DFD584-E5CF-41EF-B51E-679CE22DDF93}"/>
                 </a:ext>
               </a:extLst>
             </p:cNvPr>
@@ -7462,7 +7473,7 @@
             <a:blip r:embed="rId2">
               <a:extLst>
                 <a:ext uri="{96DAC541-7B7A-43D3-8B79-37D633B846F1}">
-                  <asvg:svgBlip xmlns:asvg="http://schemas.microsoft.com/office/drawing/2016/SVG/main" xmlns="" r:embed="rId3"/>
+                  <asvg:svgBlip xmlns:asvg="http://schemas.microsoft.com/office/drawing/2016/SVG/main" r:embed="rId3"/>
                 </a:ext>
               </a:extLst>
             </a:blip>
@@ -7485,7 +7496,7 @@
             <p:cNvPr id="14" name="Graphic 13">
               <a:extLst>
                 <a:ext uri="{FF2B5EF4-FFF2-40B4-BE49-F238E27FC236}">
-                  <a16:creationId xmlns:a16="http://schemas.microsoft.com/office/drawing/2014/main" xmlns="" id="{E5C02DDF-25A6-42C7-9525-F279CE2095C0}"/>
+                  <a16:creationId xmlns:a16="http://schemas.microsoft.com/office/drawing/2014/main" id="{E5C02DDF-25A6-42C7-9525-F279CE2095C0}"/>
                 </a:ext>
               </a:extLst>
             </p:cNvPr>
@@ -7498,7 +7509,7 @@
             <a:blip r:embed="rId4">
               <a:extLst>
                 <a:ext uri="{96DAC541-7B7A-43D3-8B79-37D633B846F1}">
-                  <asvg:svgBlip xmlns:asvg="http://schemas.microsoft.com/office/drawing/2016/SVG/main" xmlns="" r:embed="rId5"/>
+                  <asvg:svgBlip xmlns:asvg="http://schemas.microsoft.com/office/drawing/2016/SVG/main" r:embed="rId5"/>
                 </a:ext>
               </a:extLst>
             </a:blip>
@@ -7522,7 +7533,7 @@
           <p:cNvPr id="2" name="Title 1">
             <a:extLst>
               <a:ext uri="{FF2B5EF4-FFF2-40B4-BE49-F238E27FC236}">
-                <a16:creationId xmlns:a16="http://schemas.microsoft.com/office/drawing/2014/main" xmlns="" id="{81CF3B5C-31C4-46BA-9FAD-72DF917A84DA}"/>
+                <a16:creationId xmlns:a16="http://schemas.microsoft.com/office/drawing/2014/main" id="{81CF3B5C-31C4-46BA-9FAD-72DF917A84DA}"/>
               </a:ext>
             </a:extLst>
           </p:cNvPr>
@@ -7568,7 +7579,7 @@
           <p:cNvPr id="11" name="Picture Placeholder 10">
             <a:extLst>
               <a:ext uri="{FF2B5EF4-FFF2-40B4-BE49-F238E27FC236}">
-                <a16:creationId xmlns:a16="http://schemas.microsoft.com/office/drawing/2014/main" xmlns="" id="{B0BDE76A-30A6-4268-9656-28A484C3DCC9}"/>
+                <a16:creationId xmlns:a16="http://schemas.microsoft.com/office/drawing/2014/main" id="{B0BDE76A-30A6-4268-9656-28A484C3DCC9}"/>
               </a:ext>
             </a:extLst>
           </p:cNvPr>
@@ -7620,7 +7631,7 @@
           <p:cNvPr id="3" name="Text Placeholder 2">
             <a:extLst>
               <a:ext uri="{FF2B5EF4-FFF2-40B4-BE49-F238E27FC236}">
-                <a16:creationId xmlns:a16="http://schemas.microsoft.com/office/drawing/2014/main" xmlns="" id="{B659CD1F-9DFB-4048-9B9B-2BD7D4EC6400}"/>
+                <a16:creationId xmlns:a16="http://schemas.microsoft.com/office/drawing/2014/main" id="{B659CD1F-9DFB-4048-9B9B-2BD7D4EC6400}"/>
               </a:ext>
             </a:extLst>
           </p:cNvPr>
@@ -7700,7 +7711,7 @@
           <p:cNvPr id="26" name="Text Placeholder 2">
             <a:extLst>
               <a:ext uri="{FF2B5EF4-FFF2-40B4-BE49-F238E27FC236}">
-                <a16:creationId xmlns:a16="http://schemas.microsoft.com/office/drawing/2014/main" xmlns="" id="{A02C0876-23F7-41FA-9AC9-721097D1A3CD}"/>
+                <a16:creationId xmlns:a16="http://schemas.microsoft.com/office/drawing/2014/main" id="{A02C0876-23F7-41FA-9AC9-721097D1A3CD}"/>
               </a:ext>
             </a:extLst>
           </p:cNvPr>
@@ -7780,7 +7791,7 @@
           <p:cNvPr id="17" name="Picture Placeholder 10">
             <a:extLst>
               <a:ext uri="{FF2B5EF4-FFF2-40B4-BE49-F238E27FC236}">
-                <a16:creationId xmlns:a16="http://schemas.microsoft.com/office/drawing/2014/main" xmlns="" id="{C4CA5C9C-91D5-44B1-A82A-A49732B4691A}"/>
+                <a16:creationId xmlns:a16="http://schemas.microsoft.com/office/drawing/2014/main" id="{C4CA5C9C-91D5-44B1-A82A-A49732B4691A}"/>
               </a:ext>
             </a:extLst>
           </p:cNvPr>
@@ -7831,7 +7842,7 @@
           <p:cNvPr id="23" name="Text Placeholder 2">
             <a:extLst>
               <a:ext uri="{FF2B5EF4-FFF2-40B4-BE49-F238E27FC236}">
-                <a16:creationId xmlns:a16="http://schemas.microsoft.com/office/drawing/2014/main" xmlns="" id="{572D0301-10F1-41B4-BEF8-C53FA4D66214}"/>
+                <a16:creationId xmlns:a16="http://schemas.microsoft.com/office/drawing/2014/main" id="{572D0301-10F1-41B4-BEF8-C53FA4D66214}"/>
               </a:ext>
             </a:extLst>
           </p:cNvPr>
@@ -7911,7 +7922,7 @@
           <p:cNvPr id="27" name="Text Placeholder 2">
             <a:extLst>
               <a:ext uri="{FF2B5EF4-FFF2-40B4-BE49-F238E27FC236}">
-                <a16:creationId xmlns:a16="http://schemas.microsoft.com/office/drawing/2014/main" xmlns="" id="{7ADEB263-F204-4A78-A5E0-7361EFE0B921}"/>
+                <a16:creationId xmlns:a16="http://schemas.microsoft.com/office/drawing/2014/main" id="{7ADEB263-F204-4A78-A5E0-7361EFE0B921}"/>
               </a:ext>
             </a:extLst>
           </p:cNvPr>
@@ -7991,7 +8002,7 @@
           <p:cNvPr id="32" name="Picture Placeholder 10">
             <a:extLst>
               <a:ext uri="{FF2B5EF4-FFF2-40B4-BE49-F238E27FC236}">
-                <a16:creationId xmlns:a16="http://schemas.microsoft.com/office/drawing/2014/main" xmlns="" id="{1938DB4D-239F-4E8E-8802-0470B0131189}"/>
+                <a16:creationId xmlns:a16="http://schemas.microsoft.com/office/drawing/2014/main" id="{1938DB4D-239F-4E8E-8802-0470B0131189}"/>
               </a:ext>
             </a:extLst>
           </p:cNvPr>
@@ -8042,7 +8053,7 @@
           <p:cNvPr id="24" name="Text Placeholder 2">
             <a:extLst>
               <a:ext uri="{FF2B5EF4-FFF2-40B4-BE49-F238E27FC236}">
-                <a16:creationId xmlns:a16="http://schemas.microsoft.com/office/drawing/2014/main" xmlns="" id="{E767B9DE-7410-43CC-90CF-52D67EF03D48}"/>
+                <a16:creationId xmlns:a16="http://schemas.microsoft.com/office/drawing/2014/main" id="{E767B9DE-7410-43CC-90CF-52D67EF03D48}"/>
               </a:ext>
             </a:extLst>
           </p:cNvPr>
@@ -8122,7 +8133,7 @@
           <p:cNvPr id="28" name="Text Placeholder 2">
             <a:extLst>
               <a:ext uri="{FF2B5EF4-FFF2-40B4-BE49-F238E27FC236}">
-                <a16:creationId xmlns:a16="http://schemas.microsoft.com/office/drawing/2014/main" xmlns="" id="{103678F5-B025-46E2-BD45-E77861487165}"/>
+                <a16:creationId xmlns:a16="http://schemas.microsoft.com/office/drawing/2014/main" id="{103678F5-B025-46E2-BD45-E77861487165}"/>
               </a:ext>
             </a:extLst>
           </p:cNvPr>
@@ -8202,7 +8213,7 @@
           <p:cNvPr id="19" name="Picture Placeholder 10">
             <a:extLst>
               <a:ext uri="{FF2B5EF4-FFF2-40B4-BE49-F238E27FC236}">
-                <a16:creationId xmlns:a16="http://schemas.microsoft.com/office/drawing/2014/main" xmlns="" id="{92E6B581-A522-4758-A9A4-8B9C7B860CF2}"/>
+                <a16:creationId xmlns:a16="http://schemas.microsoft.com/office/drawing/2014/main" id="{92E6B581-A522-4758-A9A4-8B9C7B860CF2}"/>
               </a:ext>
             </a:extLst>
           </p:cNvPr>
@@ -8253,7 +8264,7 @@
           <p:cNvPr id="25" name="Text Placeholder 2">
             <a:extLst>
               <a:ext uri="{FF2B5EF4-FFF2-40B4-BE49-F238E27FC236}">
-                <a16:creationId xmlns:a16="http://schemas.microsoft.com/office/drawing/2014/main" xmlns="" id="{E13DFE1F-4534-4828-990E-B052F51FC65C}"/>
+                <a16:creationId xmlns:a16="http://schemas.microsoft.com/office/drawing/2014/main" id="{E13DFE1F-4534-4828-990E-B052F51FC65C}"/>
               </a:ext>
             </a:extLst>
           </p:cNvPr>
@@ -8333,7 +8344,7 @@
           <p:cNvPr id="29" name="Text Placeholder 2">
             <a:extLst>
               <a:ext uri="{FF2B5EF4-FFF2-40B4-BE49-F238E27FC236}">
-                <a16:creationId xmlns:a16="http://schemas.microsoft.com/office/drawing/2014/main" xmlns="" id="{7E3F385B-4DD9-4F3C-A02B-179B9FA61292}"/>
+                <a16:creationId xmlns:a16="http://schemas.microsoft.com/office/drawing/2014/main" id="{7E3F385B-4DD9-4F3C-A02B-179B9FA61292}"/>
               </a:ext>
             </a:extLst>
           </p:cNvPr>
@@ -8413,7 +8424,7 @@
           <p:cNvPr id="55" name="Picture Placeholder 10">
             <a:extLst>
               <a:ext uri="{FF2B5EF4-FFF2-40B4-BE49-F238E27FC236}">
-                <a16:creationId xmlns:a16="http://schemas.microsoft.com/office/drawing/2014/main" xmlns="" id="{1EBAEB1D-A7F9-4F90-B642-4277D3802BAB}"/>
+                <a16:creationId xmlns:a16="http://schemas.microsoft.com/office/drawing/2014/main" id="{1EBAEB1D-A7F9-4F90-B642-4277D3802BAB}"/>
               </a:ext>
             </a:extLst>
           </p:cNvPr>
@@ -8464,7 +8475,7 @@
           <p:cNvPr id="54" name="Text Placeholder 2">
             <a:extLst>
               <a:ext uri="{FF2B5EF4-FFF2-40B4-BE49-F238E27FC236}">
-                <a16:creationId xmlns:a16="http://schemas.microsoft.com/office/drawing/2014/main" xmlns="" id="{22930C5B-603C-494E-A467-8B394D01D406}"/>
+                <a16:creationId xmlns:a16="http://schemas.microsoft.com/office/drawing/2014/main" id="{22930C5B-603C-494E-A467-8B394D01D406}"/>
               </a:ext>
             </a:extLst>
           </p:cNvPr>
@@ -8544,7 +8555,7 @@
           <p:cNvPr id="62" name="Text Placeholder 2">
             <a:extLst>
               <a:ext uri="{FF2B5EF4-FFF2-40B4-BE49-F238E27FC236}">
-                <a16:creationId xmlns:a16="http://schemas.microsoft.com/office/drawing/2014/main" xmlns="" id="{540C455F-A23B-493F-B95E-AB485D91DA6A}"/>
+                <a16:creationId xmlns:a16="http://schemas.microsoft.com/office/drawing/2014/main" id="{540C455F-A23B-493F-B95E-AB485D91DA6A}"/>
               </a:ext>
             </a:extLst>
           </p:cNvPr>
@@ -8624,7 +8635,7 @@
           <p:cNvPr id="56" name="Picture Placeholder 10">
             <a:extLst>
               <a:ext uri="{FF2B5EF4-FFF2-40B4-BE49-F238E27FC236}">
-                <a16:creationId xmlns:a16="http://schemas.microsoft.com/office/drawing/2014/main" xmlns="" id="{9461A69E-14C8-4325-89AF-D4257C1C05BA}"/>
+                <a16:creationId xmlns:a16="http://schemas.microsoft.com/office/drawing/2014/main" id="{9461A69E-14C8-4325-89AF-D4257C1C05BA}"/>
               </a:ext>
             </a:extLst>
           </p:cNvPr>
@@ -8675,7 +8686,7 @@
           <p:cNvPr id="59" name="Text Placeholder 2">
             <a:extLst>
               <a:ext uri="{FF2B5EF4-FFF2-40B4-BE49-F238E27FC236}">
-                <a16:creationId xmlns:a16="http://schemas.microsoft.com/office/drawing/2014/main" xmlns="" id="{6D1C374C-DAF7-40EF-B279-4EC7A2AFE6A2}"/>
+                <a16:creationId xmlns:a16="http://schemas.microsoft.com/office/drawing/2014/main" id="{6D1C374C-DAF7-40EF-B279-4EC7A2AFE6A2}"/>
               </a:ext>
             </a:extLst>
           </p:cNvPr>
@@ -8755,7 +8766,7 @@
           <p:cNvPr id="63" name="Text Placeholder 2">
             <a:extLst>
               <a:ext uri="{FF2B5EF4-FFF2-40B4-BE49-F238E27FC236}">
-                <a16:creationId xmlns:a16="http://schemas.microsoft.com/office/drawing/2014/main" xmlns="" id="{421FF438-E4E8-4643-BCB3-4A1C12429042}"/>
+                <a16:creationId xmlns:a16="http://schemas.microsoft.com/office/drawing/2014/main" id="{421FF438-E4E8-4643-BCB3-4A1C12429042}"/>
               </a:ext>
             </a:extLst>
           </p:cNvPr>
@@ -8835,7 +8846,7 @@
           <p:cNvPr id="33" name="Picture Placeholder 10">
             <a:extLst>
               <a:ext uri="{FF2B5EF4-FFF2-40B4-BE49-F238E27FC236}">
-                <a16:creationId xmlns:a16="http://schemas.microsoft.com/office/drawing/2014/main" xmlns="" id="{E029C5CA-EDDA-4BF9-9051-8B09E98EE1E2}"/>
+                <a16:creationId xmlns:a16="http://schemas.microsoft.com/office/drawing/2014/main" id="{E029C5CA-EDDA-4BF9-9051-8B09E98EE1E2}"/>
               </a:ext>
             </a:extLst>
           </p:cNvPr>
@@ -8886,7 +8897,7 @@
           <p:cNvPr id="60" name="Text Placeholder 2">
             <a:extLst>
               <a:ext uri="{FF2B5EF4-FFF2-40B4-BE49-F238E27FC236}">
-                <a16:creationId xmlns:a16="http://schemas.microsoft.com/office/drawing/2014/main" xmlns="" id="{D4FEDD19-A7BA-45BB-93A0-F1E896C9F26D}"/>
+                <a16:creationId xmlns:a16="http://schemas.microsoft.com/office/drawing/2014/main" id="{D4FEDD19-A7BA-45BB-93A0-F1E896C9F26D}"/>
               </a:ext>
             </a:extLst>
           </p:cNvPr>
@@ -8966,7 +8977,7 @@
           <p:cNvPr id="64" name="Text Placeholder 2">
             <a:extLst>
               <a:ext uri="{FF2B5EF4-FFF2-40B4-BE49-F238E27FC236}">
-                <a16:creationId xmlns:a16="http://schemas.microsoft.com/office/drawing/2014/main" xmlns="" id="{A12F0175-7AEE-46B1-9590-D4A427680DC7}"/>
+                <a16:creationId xmlns:a16="http://schemas.microsoft.com/office/drawing/2014/main" id="{A12F0175-7AEE-46B1-9590-D4A427680DC7}"/>
               </a:ext>
             </a:extLst>
           </p:cNvPr>
@@ -9046,7 +9057,7 @@
           <p:cNvPr id="58" name="Picture Placeholder 10">
             <a:extLst>
               <a:ext uri="{FF2B5EF4-FFF2-40B4-BE49-F238E27FC236}">
-                <a16:creationId xmlns:a16="http://schemas.microsoft.com/office/drawing/2014/main" xmlns="" id="{622ED9F4-EB9B-4588-8501-BFECB846EE73}"/>
+                <a16:creationId xmlns:a16="http://schemas.microsoft.com/office/drawing/2014/main" id="{622ED9F4-EB9B-4588-8501-BFECB846EE73}"/>
               </a:ext>
             </a:extLst>
           </p:cNvPr>
@@ -9097,7 +9108,7 @@
           <p:cNvPr id="61" name="Text Placeholder 2">
             <a:extLst>
               <a:ext uri="{FF2B5EF4-FFF2-40B4-BE49-F238E27FC236}">
-                <a16:creationId xmlns:a16="http://schemas.microsoft.com/office/drawing/2014/main" xmlns="" id="{5026D39F-46AB-4680-9A52-F367344A3531}"/>
+                <a16:creationId xmlns:a16="http://schemas.microsoft.com/office/drawing/2014/main" id="{5026D39F-46AB-4680-9A52-F367344A3531}"/>
               </a:ext>
             </a:extLst>
           </p:cNvPr>
@@ -9177,7 +9188,7 @@
           <p:cNvPr id="65" name="Text Placeholder 2">
             <a:extLst>
               <a:ext uri="{FF2B5EF4-FFF2-40B4-BE49-F238E27FC236}">
-                <a16:creationId xmlns:a16="http://schemas.microsoft.com/office/drawing/2014/main" xmlns="" id="{04E11FE2-6320-4E8C-A5B3-8104AF329ADA}"/>
+                <a16:creationId xmlns:a16="http://schemas.microsoft.com/office/drawing/2014/main" id="{04E11FE2-6320-4E8C-A5B3-8104AF329ADA}"/>
               </a:ext>
             </a:extLst>
           </p:cNvPr>
@@ -9257,7 +9268,7 @@
           <p:cNvPr id="7" name="Date Placeholder 6">
             <a:extLst>
               <a:ext uri="{FF2B5EF4-FFF2-40B4-BE49-F238E27FC236}">
-                <a16:creationId xmlns:a16="http://schemas.microsoft.com/office/drawing/2014/main" xmlns="" id="{F255C16C-AA88-4BBF-8040-11ECFED618E0}"/>
+                <a16:creationId xmlns:a16="http://schemas.microsoft.com/office/drawing/2014/main" id="{F255C16C-AA88-4BBF-8040-11ECFED618E0}"/>
               </a:ext>
             </a:extLst>
           </p:cNvPr>
@@ -9293,7 +9304,7 @@
           <p:cNvPr id="8" name="Footer Placeholder 7">
             <a:extLst>
               <a:ext uri="{FF2B5EF4-FFF2-40B4-BE49-F238E27FC236}">
-                <a16:creationId xmlns:a16="http://schemas.microsoft.com/office/drawing/2014/main" xmlns="" id="{CBE560E3-F935-488F-8F0E-191D7B6B54B8}"/>
+                <a16:creationId xmlns:a16="http://schemas.microsoft.com/office/drawing/2014/main" id="{CBE560E3-F935-488F-8F0E-191D7B6B54B8}"/>
               </a:ext>
             </a:extLst>
           </p:cNvPr>
@@ -9329,7 +9340,7 @@
           <p:cNvPr id="9" name="Slide Number Placeholder 8">
             <a:extLst>
               <a:ext uri="{FF2B5EF4-FFF2-40B4-BE49-F238E27FC236}">
-                <a16:creationId xmlns:a16="http://schemas.microsoft.com/office/drawing/2014/main" xmlns="" id="{9B9CD8B2-CC23-467F-B0EE-2CC06D6308BD}"/>
+                <a16:creationId xmlns:a16="http://schemas.microsoft.com/office/drawing/2014/main" id="{9B9CD8B2-CC23-467F-B0EE-2CC06D6308BD}"/>
               </a:ext>
             </a:extLst>
           </p:cNvPr>
@@ -9365,7 +9376,7 @@
     </p:spTree>
     <p:extLst>
       <p:ext uri="{BB962C8B-B14F-4D97-AF65-F5344CB8AC3E}">
-        <p14:creationId xmlns:p14="http://schemas.microsoft.com/office/powerpoint/2010/main" xmlns="" val="2857120649"/>
+        <p14:creationId xmlns:p14="http://schemas.microsoft.com/office/powerpoint/2010/main" val="2857120649"/>
       </p:ext>
     </p:extLst>
   </p:cSld>
@@ -9402,7 +9413,7 @@
           <p:cNvPr id="2" name="Title Placeholder 1">
             <a:extLst>
               <a:ext uri="{FF2B5EF4-FFF2-40B4-BE49-F238E27FC236}">
-                <a16:creationId xmlns:a16="http://schemas.microsoft.com/office/drawing/2014/main" xmlns="" id="{8F4C17E5-24ED-44BC-BA50-02EF903552E1}"/>
+                <a16:creationId xmlns:a16="http://schemas.microsoft.com/office/drawing/2014/main" id="{8F4C17E5-24ED-44BC-BA50-02EF903552E1}"/>
               </a:ext>
             </a:extLst>
           </p:cNvPr>
@@ -9440,7 +9451,7 @@
           <p:cNvPr id="3" name="Text Placeholder 2">
             <a:extLst>
               <a:ext uri="{FF2B5EF4-FFF2-40B4-BE49-F238E27FC236}">
-                <a16:creationId xmlns:a16="http://schemas.microsoft.com/office/drawing/2014/main" xmlns="" id="{4833D101-3AF0-4F06-90ED-B83615C36CE9}"/>
+                <a16:creationId xmlns:a16="http://schemas.microsoft.com/office/drawing/2014/main" id="{4833D101-3AF0-4F06-90ED-B83615C36CE9}"/>
               </a:ext>
             </a:extLst>
           </p:cNvPr>
@@ -9507,7 +9518,7 @@
           <p:cNvPr id="4" name="Date Placeholder 3">
             <a:extLst>
               <a:ext uri="{FF2B5EF4-FFF2-40B4-BE49-F238E27FC236}">
-                <a16:creationId xmlns:a16="http://schemas.microsoft.com/office/drawing/2014/main" xmlns="" id="{C2AE9FDE-AF95-49F8-A927-35A23C9E6532}"/>
+                <a16:creationId xmlns:a16="http://schemas.microsoft.com/office/drawing/2014/main" id="{C2AE9FDE-AF95-49F8-A927-35A23C9E6532}"/>
               </a:ext>
             </a:extLst>
           </p:cNvPr>
@@ -9553,7 +9564,7 @@
           <p:cNvPr id="5" name="Footer Placeholder 4">
             <a:extLst>
               <a:ext uri="{FF2B5EF4-FFF2-40B4-BE49-F238E27FC236}">
-                <a16:creationId xmlns:a16="http://schemas.microsoft.com/office/drawing/2014/main" xmlns="" id="{CC2E900D-8FF9-4E80-860D-89C2D3B4E4E1}"/>
+                <a16:creationId xmlns:a16="http://schemas.microsoft.com/office/drawing/2014/main" id="{CC2E900D-8FF9-4E80-860D-89C2D3B4E4E1}"/>
               </a:ext>
             </a:extLst>
           </p:cNvPr>
@@ -9599,7 +9610,7 @@
           <p:cNvPr id="6" name="Slide Number Placeholder 5">
             <a:extLst>
               <a:ext uri="{FF2B5EF4-FFF2-40B4-BE49-F238E27FC236}">
-                <a16:creationId xmlns:a16="http://schemas.microsoft.com/office/drawing/2014/main" xmlns="" id="{F1A66A0C-1415-46A3-A1FF-BE18C70873E3}"/>
+                <a16:creationId xmlns:a16="http://schemas.microsoft.com/office/drawing/2014/main" id="{F1A66A0C-1415-46A3-A1FF-BE18C70873E3}"/>
               </a:ext>
             </a:extLst>
           </p:cNvPr>
@@ -9645,7 +9656,7 @@
     </p:spTree>
     <p:extLst>
       <p:ext uri="{BB962C8B-B14F-4D97-AF65-F5344CB8AC3E}">
-        <p14:creationId xmlns:p14="http://schemas.microsoft.com/office/powerpoint/2010/main" xmlns="" val="2319061225"/>
+        <p14:creationId xmlns:p14="http://schemas.microsoft.com/office/powerpoint/2010/main" val="2319061225"/>
       </p:ext>
     </p:extLst>
   </p:cSld>
@@ -9973,7 +9984,7 @@
           <p:cNvPr id="2" name="Title 1">
             <a:extLst>
               <a:ext uri="{FF2B5EF4-FFF2-40B4-BE49-F238E27FC236}">
-                <a16:creationId xmlns:a16="http://schemas.microsoft.com/office/drawing/2014/main" xmlns="" id="{CFE75451-6A4B-484B-9ED1-353CCE25B0F4}"/>
+                <a16:creationId xmlns:a16="http://schemas.microsoft.com/office/drawing/2014/main" id="{CFE75451-6A4B-484B-9ED1-353CCE25B0F4}"/>
               </a:ext>
             </a:extLst>
           </p:cNvPr>
@@ -10006,7 +10017,7 @@
           <p:cNvPr id="3" name="Subtitle 2">
             <a:extLst>
               <a:ext uri="{FF2B5EF4-FFF2-40B4-BE49-F238E27FC236}">
-                <a16:creationId xmlns:a16="http://schemas.microsoft.com/office/drawing/2014/main" xmlns="" id="{0236A1B4-B8D1-4A72-8E20-0703F54BF1FE}"/>
+                <a16:creationId xmlns:a16="http://schemas.microsoft.com/office/drawing/2014/main" id="{0236A1B4-B8D1-4A72-8E20-0703F54BF1FE}"/>
               </a:ext>
             </a:extLst>
           </p:cNvPr>
@@ -10071,7 +10082,7 @@
     </p:spTree>
     <p:extLst>
       <p:ext uri="{BB962C8B-B14F-4D97-AF65-F5344CB8AC3E}">
-        <p14:creationId xmlns:p14="http://schemas.microsoft.com/office/powerpoint/2010/main" xmlns="" val="2586058810"/>
+        <p14:creationId xmlns:p14="http://schemas.microsoft.com/office/powerpoint/2010/main" val="2586058810"/>
       </p:ext>
     </p:extLst>
   </p:cSld>
@@ -10103,7 +10114,7 @@
           <p:cNvPr id="2" name="Title 1">
             <a:extLst>
               <a:ext uri="{FF2B5EF4-FFF2-40B4-BE49-F238E27FC236}">
-                <a16:creationId xmlns:a16="http://schemas.microsoft.com/office/drawing/2014/main" xmlns="" id="{0A32731C-311B-46F7-A865-6C3AF6B09A47}"/>
+                <a16:creationId xmlns:a16="http://schemas.microsoft.com/office/drawing/2014/main" id="{0A32731C-311B-46F7-A865-6C3AF6B09A47}"/>
               </a:ext>
             </a:extLst>
           </p:cNvPr>
@@ -10136,7 +10147,7 @@
           <p:cNvPr id="3" name="Text Placeholder 2">
             <a:extLst>
               <a:ext uri="{FF2B5EF4-FFF2-40B4-BE49-F238E27FC236}">
-                <a16:creationId xmlns:a16="http://schemas.microsoft.com/office/drawing/2014/main" xmlns="" id="{9D5232F9-FD00-464A-9F17-619C91AEF8F3}"/>
+                <a16:creationId xmlns:a16="http://schemas.microsoft.com/office/drawing/2014/main" id="{9D5232F9-FD00-464A-9F17-619C91AEF8F3}"/>
               </a:ext>
             </a:extLst>
           </p:cNvPr>
@@ -10193,7 +10204,7 @@
           <p:cNvPr id="4" name="Date Placeholder 3">
             <a:extLst>
               <a:ext uri="{FF2B5EF4-FFF2-40B4-BE49-F238E27FC236}">
-                <a16:creationId xmlns:a16="http://schemas.microsoft.com/office/drawing/2014/main" xmlns="" id="{70E12647-CCB2-45E2-A9CB-A868F490497E}"/>
+                <a16:creationId xmlns:a16="http://schemas.microsoft.com/office/drawing/2014/main" id="{70E12647-CCB2-45E2-A9CB-A868F490497E}"/>
               </a:ext>
             </a:extLst>
           </p:cNvPr>
@@ -10226,7 +10237,7 @@
           <p:cNvPr id="5" name="Footer Placeholder 4">
             <a:extLst>
               <a:ext uri="{FF2B5EF4-FFF2-40B4-BE49-F238E27FC236}">
-                <a16:creationId xmlns:a16="http://schemas.microsoft.com/office/drawing/2014/main" xmlns="" id="{8D51ED20-04D4-4894-B0C2-9C541A61A734}"/>
+                <a16:creationId xmlns:a16="http://schemas.microsoft.com/office/drawing/2014/main" id="{8D51ED20-04D4-4894-B0C2-9C541A61A734}"/>
               </a:ext>
             </a:extLst>
           </p:cNvPr>
@@ -10259,7 +10270,7 @@
           <p:cNvPr id="6" name="Slide Number Placeholder 5">
             <a:extLst>
               <a:ext uri="{FF2B5EF4-FFF2-40B4-BE49-F238E27FC236}">
-                <a16:creationId xmlns:a16="http://schemas.microsoft.com/office/drawing/2014/main" xmlns="" id="{7BC1787E-7110-4989-B0B8-DD4E0ACC09DF}"/>
+                <a16:creationId xmlns:a16="http://schemas.microsoft.com/office/drawing/2014/main" id="{7BC1787E-7110-4989-B0B8-DD4E0ACC09DF}"/>
               </a:ext>
             </a:extLst>
           </p:cNvPr>
@@ -10292,7 +10303,7 @@
     </p:spTree>
     <p:extLst>
       <p:ext uri="{BB962C8B-B14F-4D97-AF65-F5344CB8AC3E}">
-        <p14:creationId xmlns:p14="http://schemas.microsoft.com/office/powerpoint/2010/main" xmlns="" val="3571516367"/>
+        <p14:creationId xmlns:p14="http://schemas.microsoft.com/office/powerpoint/2010/main" val="3571516367"/>
       </p:ext>
     </p:extLst>
   </p:cSld>
@@ -10324,7 +10335,7 @@
           <p:cNvPr id="2" name="Title 1">
             <a:extLst>
               <a:ext uri="{FF2B5EF4-FFF2-40B4-BE49-F238E27FC236}">
-                <a16:creationId xmlns:a16="http://schemas.microsoft.com/office/drawing/2014/main" xmlns="" id="{9FDB83AF-D291-F27C-262D-5357EA86606C}"/>
+                <a16:creationId xmlns:a16="http://schemas.microsoft.com/office/drawing/2014/main" id="{9FDB83AF-D291-F27C-262D-5357EA86606C}"/>
               </a:ext>
             </a:extLst>
           </p:cNvPr>
@@ -10357,7 +10368,7 @@
           <p:cNvPr id="4" name="Date Placeholder 3">
             <a:extLst>
               <a:ext uri="{FF2B5EF4-FFF2-40B4-BE49-F238E27FC236}">
-                <a16:creationId xmlns:a16="http://schemas.microsoft.com/office/drawing/2014/main" xmlns="" id="{2DADAC99-181D-8A20-7B37-D29FE922FDA0}"/>
+                <a16:creationId xmlns:a16="http://schemas.microsoft.com/office/drawing/2014/main" id="{2DADAC99-181D-8A20-7B37-D29FE922FDA0}"/>
               </a:ext>
             </a:extLst>
           </p:cNvPr>
@@ -10385,7 +10396,7 @@
           <p:cNvPr id="5" name="Footer Placeholder 4">
             <a:extLst>
               <a:ext uri="{FF2B5EF4-FFF2-40B4-BE49-F238E27FC236}">
-                <a16:creationId xmlns:a16="http://schemas.microsoft.com/office/drawing/2014/main" xmlns="" id="{7F0E49D4-3DED-EC86-C5DA-5749F68BEC44}"/>
+                <a16:creationId xmlns:a16="http://schemas.microsoft.com/office/drawing/2014/main" id="{7F0E49D4-3DED-EC86-C5DA-5749F68BEC44}"/>
               </a:ext>
             </a:extLst>
           </p:cNvPr>
@@ -10413,7 +10424,7 @@
           <p:cNvPr id="6" name="Slide Number Placeholder 5">
             <a:extLst>
               <a:ext uri="{FF2B5EF4-FFF2-40B4-BE49-F238E27FC236}">
-                <a16:creationId xmlns:a16="http://schemas.microsoft.com/office/drawing/2014/main" xmlns="" id="{EFF68021-5D89-75A6-CDF8-EB3F1B9528BF}"/>
+                <a16:creationId xmlns:a16="http://schemas.microsoft.com/office/drawing/2014/main" id="{EFF68021-5D89-75A6-CDF8-EB3F1B9528BF}"/>
               </a:ext>
             </a:extLst>
           </p:cNvPr>
@@ -10443,7 +10454,7 @@
           <p:cNvPr id="7" name="TextBox 6">
             <a:extLst>
               <a:ext uri="{FF2B5EF4-FFF2-40B4-BE49-F238E27FC236}">
-                <a16:creationId xmlns:a16="http://schemas.microsoft.com/office/drawing/2014/main" xmlns="" id="{CB991990-CDFD-8771-4690-3B5FA638E1BC}"/>
+                <a16:creationId xmlns:a16="http://schemas.microsoft.com/office/drawing/2014/main" id="{CB991990-CDFD-8771-4690-3B5FA638E1BC}"/>
               </a:ext>
             </a:extLst>
           </p:cNvPr>
@@ -10760,7 +10771,7 @@
           <p:cNvPr id="1026" name="Picture 2" descr="Grain">
             <a:extLst>
               <a:ext uri="{FF2B5EF4-FFF2-40B4-BE49-F238E27FC236}">
-                <a16:creationId xmlns:a16="http://schemas.microsoft.com/office/drawing/2014/main" xmlns="" id="{154B2115-F2DD-0DB2-11D8-4CCC1530DF92}"/>
+                <a16:creationId xmlns:a16="http://schemas.microsoft.com/office/drawing/2014/main" id="{154B2115-F2DD-0DB2-11D8-4CCC1530DF92}"/>
               </a:ext>
             </a:extLst>
           </p:cNvPr>
@@ -10773,7 +10784,7 @@
           <a:blip r:embed="rId2">
             <a:extLst>
               <a:ext uri="{28A0092B-C50C-407E-A947-70E740481C1C}">
-                <a14:useLocalDpi xmlns:a14="http://schemas.microsoft.com/office/drawing/2010/main" xmlns="" val="0"/>
+                <a14:useLocalDpi xmlns:a14="http://schemas.microsoft.com/office/drawing/2010/main" val="0"/>
               </a:ext>
             </a:extLst>
           </a:blip>
@@ -10793,7 +10804,7 @@
           <a:noFill/>
           <a:extLst>
             <a:ext uri="{909E8E84-426E-40DD-AFC4-6F175D3DCCD1}">
-              <a14:hiddenFill xmlns:a14="http://schemas.microsoft.com/office/drawing/2010/main" xmlns="">
+              <a14:hiddenFill xmlns:a14="http://schemas.microsoft.com/office/drawing/2010/main">
                 <a:solidFill>
                   <a:srgbClr val="FFFFFF"/>
                 </a:solidFill>
@@ -10805,7 +10816,7 @@
     </p:spTree>
     <p:extLst>
       <p:ext uri="{BB962C8B-B14F-4D97-AF65-F5344CB8AC3E}">
-        <p14:creationId xmlns:p14="http://schemas.microsoft.com/office/powerpoint/2010/main" xmlns="" val="4222770916"/>
+        <p14:creationId xmlns:p14="http://schemas.microsoft.com/office/powerpoint/2010/main" val="4222770916"/>
       </p:ext>
     </p:extLst>
   </p:cSld>
@@ -10837,7 +10848,7 @@
           <p:cNvPr id="2" name="Title 1">
             <a:extLst>
               <a:ext uri="{FF2B5EF4-FFF2-40B4-BE49-F238E27FC236}">
-                <a16:creationId xmlns:a16="http://schemas.microsoft.com/office/drawing/2014/main" xmlns="" id="{A1DD465E-F20A-B94F-6DEC-6F7DFB72119A}"/>
+                <a16:creationId xmlns:a16="http://schemas.microsoft.com/office/drawing/2014/main" id="{A1DD465E-F20A-B94F-6DEC-6F7DFB72119A}"/>
               </a:ext>
             </a:extLst>
           </p:cNvPr>
@@ -10873,7 +10884,7 @@
           <p:cNvPr id="4" name="Date Placeholder 3">
             <a:extLst>
               <a:ext uri="{FF2B5EF4-FFF2-40B4-BE49-F238E27FC236}">
-                <a16:creationId xmlns:a16="http://schemas.microsoft.com/office/drawing/2014/main" xmlns="" id="{FBD61277-D192-B1E3-BD46-D42EB617973E}"/>
+                <a16:creationId xmlns:a16="http://schemas.microsoft.com/office/drawing/2014/main" id="{FBD61277-D192-B1E3-BD46-D42EB617973E}"/>
               </a:ext>
             </a:extLst>
           </p:cNvPr>
@@ -10901,7 +10912,7 @@
           <p:cNvPr id="5" name="Footer Placeholder 4">
             <a:extLst>
               <a:ext uri="{FF2B5EF4-FFF2-40B4-BE49-F238E27FC236}">
-                <a16:creationId xmlns:a16="http://schemas.microsoft.com/office/drawing/2014/main" xmlns="" id="{9984D235-006C-6478-92AB-17779DB5C34D}"/>
+                <a16:creationId xmlns:a16="http://schemas.microsoft.com/office/drawing/2014/main" id="{9984D235-006C-6478-92AB-17779DB5C34D}"/>
               </a:ext>
             </a:extLst>
           </p:cNvPr>
@@ -10929,7 +10940,7 @@
           <p:cNvPr id="6" name="Slide Number Placeholder 5">
             <a:extLst>
               <a:ext uri="{FF2B5EF4-FFF2-40B4-BE49-F238E27FC236}">
-                <a16:creationId xmlns:a16="http://schemas.microsoft.com/office/drawing/2014/main" xmlns="" id="{88A4B50C-59E5-BA03-AFD5-04D9C5D33E5C}"/>
+                <a16:creationId xmlns:a16="http://schemas.microsoft.com/office/drawing/2014/main" id="{88A4B50C-59E5-BA03-AFD5-04D9C5D33E5C}"/>
               </a:ext>
             </a:extLst>
           </p:cNvPr>
@@ -10959,7 +10970,7 @@
           <p:cNvPr id="7" name="TextBox 6">
             <a:extLst>
               <a:ext uri="{FF2B5EF4-FFF2-40B4-BE49-F238E27FC236}">
-                <a16:creationId xmlns:a16="http://schemas.microsoft.com/office/drawing/2014/main" xmlns="" id="{7B402878-E13A-0525-9984-4C16F1D43CA9}"/>
+                <a16:creationId xmlns:a16="http://schemas.microsoft.com/office/drawing/2014/main" id="{7B402878-E13A-0525-9984-4C16F1D43CA9}"/>
               </a:ext>
             </a:extLst>
           </p:cNvPr>
@@ -11542,7 +11553,7 @@
     </p:spTree>
     <p:extLst>
       <p:ext uri="{BB962C8B-B14F-4D97-AF65-F5344CB8AC3E}">
-        <p14:creationId xmlns:p14="http://schemas.microsoft.com/office/powerpoint/2010/main" xmlns="" val="1312637048"/>
+        <p14:creationId xmlns:p14="http://schemas.microsoft.com/office/powerpoint/2010/main" val="1312637048"/>
       </p:ext>
     </p:extLst>
   </p:cSld>
@@ -11574,7 +11585,7 @@
           <p:cNvPr id="2" name="Title 1">
             <a:extLst>
               <a:ext uri="{FF2B5EF4-FFF2-40B4-BE49-F238E27FC236}">
-                <a16:creationId xmlns:a16="http://schemas.microsoft.com/office/drawing/2014/main" xmlns="" id="{CB2A5CE5-9F35-5706-D826-1529A31E6C2F}"/>
+                <a16:creationId xmlns:a16="http://schemas.microsoft.com/office/drawing/2014/main" id="{CB2A5CE5-9F35-5706-D826-1529A31E6C2F}"/>
               </a:ext>
             </a:extLst>
           </p:cNvPr>
@@ -11606,7 +11617,7 @@
           <p:cNvPr id="4" name="Date Placeholder 3">
             <a:extLst>
               <a:ext uri="{FF2B5EF4-FFF2-40B4-BE49-F238E27FC236}">
-                <a16:creationId xmlns:a16="http://schemas.microsoft.com/office/drawing/2014/main" xmlns="" id="{7169B1EC-2955-E7A1-5D20-AC3CD3404991}"/>
+                <a16:creationId xmlns:a16="http://schemas.microsoft.com/office/drawing/2014/main" id="{7169B1EC-2955-E7A1-5D20-AC3CD3404991}"/>
               </a:ext>
             </a:extLst>
           </p:cNvPr>
@@ -11634,7 +11645,7 @@
           <p:cNvPr id="5" name="Footer Placeholder 4">
             <a:extLst>
               <a:ext uri="{FF2B5EF4-FFF2-40B4-BE49-F238E27FC236}">
-                <a16:creationId xmlns:a16="http://schemas.microsoft.com/office/drawing/2014/main" xmlns="" id="{43EDC709-E959-C7C6-542B-ED560CF2499A}"/>
+                <a16:creationId xmlns:a16="http://schemas.microsoft.com/office/drawing/2014/main" id="{43EDC709-E959-C7C6-542B-ED560CF2499A}"/>
               </a:ext>
             </a:extLst>
           </p:cNvPr>
@@ -11663,7 +11674,7 @@
           <p:cNvPr id="6" name="Slide Number Placeholder 5">
             <a:extLst>
               <a:ext uri="{FF2B5EF4-FFF2-40B4-BE49-F238E27FC236}">
-                <a16:creationId xmlns:a16="http://schemas.microsoft.com/office/drawing/2014/main" xmlns="" id="{1AD68036-8E7A-CF1A-6EFC-59F37F539064}"/>
+                <a16:creationId xmlns:a16="http://schemas.microsoft.com/office/drawing/2014/main" id="{1AD68036-8E7A-CF1A-6EFC-59F37F539064}"/>
               </a:ext>
             </a:extLst>
           </p:cNvPr>
@@ -11693,7 +11704,7 @@
           <p:cNvPr id="7" name="TextBox 6">
             <a:extLst>
               <a:ext uri="{FF2B5EF4-FFF2-40B4-BE49-F238E27FC236}">
-                <a16:creationId xmlns:a16="http://schemas.microsoft.com/office/drawing/2014/main" xmlns="" id="{A6C7BB74-F57F-AFBF-0E93-F2433172FEF7}"/>
+                <a16:creationId xmlns:a16="http://schemas.microsoft.com/office/drawing/2014/main" id="{A6C7BB74-F57F-AFBF-0E93-F2433172FEF7}"/>
               </a:ext>
             </a:extLst>
           </p:cNvPr>
@@ -12050,7 +12061,7 @@
             </a:r>
             <a:r>
               <a:rPr lang="nl-NL" dirty="0" err="1"/>
-              <a:t>prices</a:t>
+              <a:t>prtices</a:t>
             </a:r>
             <a:endParaRPr lang="nl-NL" dirty="0"/>
           </a:p>
@@ -12077,7 +12088,7 @@
     </p:spTree>
     <p:extLst>
       <p:ext uri="{BB962C8B-B14F-4D97-AF65-F5344CB8AC3E}">
-        <p14:creationId xmlns:p14="http://schemas.microsoft.com/office/powerpoint/2010/main" xmlns="" val="3680171164"/>
+        <p14:creationId xmlns:p14="http://schemas.microsoft.com/office/powerpoint/2010/main" val="3680171164"/>
       </p:ext>
     </p:extLst>
   </p:cSld>
@@ -12109,7 +12120,7 @@
           <p:cNvPr id="2" name="Title 1">
             <a:extLst>
               <a:ext uri="{FF2B5EF4-FFF2-40B4-BE49-F238E27FC236}">
-                <a16:creationId xmlns:a16="http://schemas.microsoft.com/office/drawing/2014/main" xmlns="" id="{58028739-7228-5B2F-EA82-ACEED7B80AAA}"/>
+                <a16:creationId xmlns:a16="http://schemas.microsoft.com/office/drawing/2014/main" id="{58028739-7228-5B2F-EA82-ACEED7B80AAA}"/>
               </a:ext>
             </a:extLst>
           </p:cNvPr>
@@ -12127,13 +12138,8 @@
           <a:p>
             <a:r>
               <a:rPr lang="nl-NL" dirty="0"/>
-              <a:t>Basic Holt </a:t>
-            </a:r>
-            <a:r>
-              <a:rPr lang="nl-NL" dirty="0" smtClean="0"/>
-              <a:t>W inthers approach on the raw materials index</a:t>
-            </a:r>
-            <a:endParaRPr lang="nl-NL" dirty="0"/>
+              <a:t>Basic Holt W inthers approach on the raw materials index</a:t>
+            </a:r>
           </a:p>
         </p:txBody>
       </p:sp>
@@ -12142,7 +12148,7 @@
           <p:cNvPr id="4" name="Date Placeholder 3">
             <a:extLst>
               <a:ext uri="{FF2B5EF4-FFF2-40B4-BE49-F238E27FC236}">
-                <a16:creationId xmlns:a16="http://schemas.microsoft.com/office/drawing/2014/main" xmlns="" id="{7FCD9CF5-C689-5E52-BA23-B0E10FFC6356}"/>
+                <a16:creationId xmlns:a16="http://schemas.microsoft.com/office/drawing/2014/main" id="{7FCD9CF5-C689-5E52-BA23-B0E10FFC6356}"/>
               </a:ext>
             </a:extLst>
           </p:cNvPr>
@@ -12170,7 +12176,7 @@
           <p:cNvPr id="5" name="Footer Placeholder 4">
             <a:extLst>
               <a:ext uri="{FF2B5EF4-FFF2-40B4-BE49-F238E27FC236}">
-                <a16:creationId xmlns:a16="http://schemas.microsoft.com/office/drawing/2014/main" xmlns="" id="{4E1D5963-8EC5-EB82-FE1D-2DD73CC45FB9}"/>
+                <a16:creationId xmlns:a16="http://schemas.microsoft.com/office/drawing/2014/main" id="{4E1D5963-8EC5-EB82-FE1D-2DD73CC45FB9}"/>
               </a:ext>
             </a:extLst>
           </p:cNvPr>
@@ -12199,7 +12205,7 @@
           <p:cNvPr id="6" name="Slide Number Placeholder 5">
             <a:extLst>
               <a:ext uri="{FF2B5EF4-FFF2-40B4-BE49-F238E27FC236}">
-                <a16:creationId xmlns:a16="http://schemas.microsoft.com/office/drawing/2014/main" xmlns="" id="{1E46D8A7-1E29-7DC3-2ACD-291E0F0AE89F}"/>
+                <a16:creationId xmlns:a16="http://schemas.microsoft.com/office/drawing/2014/main" id="{1E46D8A7-1E29-7DC3-2ACD-291E0F0AE89F}"/>
               </a:ext>
             </a:extLst>
           </p:cNvPr>
@@ -12229,7 +12235,7 @@
           <p:cNvPr id="7" name="TextBox 6">
             <a:extLst>
               <a:ext uri="{FF2B5EF4-FFF2-40B4-BE49-F238E27FC236}">
-                <a16:creationId xmlns:a16="http://schemas.microsoft.com/office/drawing/2014/main" xmlns="" id="{3E2A3427-0D7A-8691-61F5-1378BF077398}"/>
+                <a16:creationId xmlns:a16="http://schemas.microsoft.com/office/drawing/2014/main" id="{3E2A3427-0D7A-8691-61F5-1378BF077398}"/>
               </a:ext>
             </a:extLst>
           </p:cNvPr>
@@ -12322,15 +12328,15 @@
               <a:buChar char="•"/>
             </a:pPr>
             <a:r>
-              <a:rPr lang="en-US" dirty="0" smtClean="0"/>
+              <a:rPr lang="en-US" dirty="0"/>
               <a:t>Basic Holt </a:t>
             </a:r>
             <a:r>
-              <a:rPr lang="en-US" dirty="0" err="1" smtClean="0"/>
+              <a:rPr lang="en-US" dirty="0" err="1"/>
               <a:t>Winthers</a:t>
             </a:r>
             <a:r>
-              <a:rPr lang="en-US" dirty="0" smtClean="0"/>
+              <a:rPr lang="en-US" dirty="0"/>
               <a:t> approach:</a:t>
             </a:r>
           </a:p>
@@ -12340,7 +12346,7 @@
               <a:buChar char="•"/>
             </a:pPr>
             <a:r>
-              <a:rPr lang="en-US" dirty="0" smtClean="0"/>
+              <a:rPr lang="en-US" dirty="0"/>
               <a:t>Seasonality: 1 year</a:t>
             </a:r>
           </a:p>
@@ -12350,7 +12356,7 @@
               <a:buChar char="•"/>
             </a:pPr>
             <a:r>
-              <a:rPr lang="en-US" dirty="0" smtClean="0"/>
+              <a:rPr lang="en-US" dirty="0"/>
               <a:t>Initialization:</a:t>
             </a:r>
           </a:p>
@@ -12360,7 +12366,7 @@
               <a:buChar char="•"/>
             </a:pPr>
             <a:r>
-              <a:rPr lang="en-US" dirty="0" smtClean="0"/>
+              <a:rPr lang="en-US" dirty="0"/>
               <a:t>Alpha = 0,2</a:t>
             </a:r>
           </a:p>
@@ -12370,7 +12376,7 @@
               <a:buChar char="•"/>
             </a:pPr>
             <a:r>
-              <a:rPr lang="en-US" dirty="0" smtClean="0"/>
+              <a:rPr lang="en-US" dirty="0"/>
               <a:t>Beta = 0.1</a:t>
             </a:r>
           </a:p>
@@ -12380,7 +12386,7 @@
               <a:buChar char="•"/>
             </a:pPr>
             <a:r>
-              <a:rPr lang="en-US" dirty="0" smtClean="0"/>
+              <a:rPr lang="en-US" dirty="0"/>
               <a:t>Gamma = 0.1</a:t>
             </a:r>
           </a:p>
@@ -12390,7 +12396,7 @@
               <a:buChar char="•"/>
             </a:pPr>
             <a:r>
-              <a:rPr lang="en-US" dirty="0" smtClean="0"/>
+              <a:rPr lang="en-US" dirty="0"/>
               <a:t>SSE: 4645</a:t>
             </a:r>
           </a:p>
@@ -12406,7 +12412,7 @@
     </p:spTree>
     <p:extLst>
       <p:ext uri="{BB962C8B-B14F-4D97-AF65-F5344CB8AC3E}">
-        <p14:creationId xmlns:p14="http://schemas.microsoft.com/office/powerpoint/2010/main" xmlns="" val="128985822"/>
+        <p14:creationId xmlns:p14="http://schemas.microsoft.com/office/powerpoint/2010/main" val="128985822"/>
       </p:ext>
     </p:extLst>
   </p:cSld>
@@ -12438,7 +12444,7 @@
           <p:cNvPr id="2" name="Title 1">
             <a:extLst>
               <a:ext uri="{FF2B5EF4-FFF2-40B4-BE49-F238E27FC236}">
-                <a16:creationId xmlns:a16="http://schemas.microsoft.com/office/drawing/2014/main" xmlns="" id="{4B806AB5-8A3C-B047-C1D6-7A5C2C4FDFFF}"/>
+                <a16:creationId xmlns:a16="http://schemas.microsoft.com/office/drawing/2014/main" id="{4B806AB5-8A3C-B047-C1D6-7A5C2C4FDFFF}"/>
               </a:ext>
             </a:extLst>
           </p:cNvPr>
@@ -12471,7 +12477,7 @@
           <p:cNvPr id="4" name="Date Placeholder 3">
             <a:extLst>
               <a:ext uri="{FF2B5EF4-FFF2-40B4-BE49-F238E27FC236}">
-                <a16:creationId xmlns:a16="http://schemas.microsoft.com/office/drawing/2014/main" xmlns="" id="{13922E3C-2166-3D58-2DDD-E65BDF4CCD1E}"/>
+                <a16:creationId xmlns:a16="http://schemas.microsoft.com/office/drawing/2014/main" id="{13922E3C-2166-3D58-2DDD-E65BDF4CCD1E}"/>
               </a:ext>
             </a:extLst>
           </p:cNvPr>
@@ -12499,7 +12505,7 @@
           <p:cNvPr id="5" name="Footer Placeholder 4">
             <a:extLst>
               <a:ext uri="{FF2B5EF4-FFF2-40B4-BE49-F238E27FC236}">
-                <a16:creationId xmlns:a16="http://schemas.microsoft.com/office/drawing/2014/main" xmlns="" id="{C31AD6CA-BABE-322C-9D7F-5EA983CA68E5}"/>
+                <a16:creationId xmlns:a16="http://schemas.microsoft.com/office/drawing/2014/main" id="{C31AD6CA-BABE-322C-9D7F-5EA983CA68E5}"/>
               </a:ext>
             </a:extLst>
           </p:cNvPr>
@@ -12527,7 +12533,7 @@
           <p:cNvPr id="6" name="Slide Number Placeholder 5">
             <a:extLst>
               <a:ext uri="{FF2B5EF4-FFF2-40B4-BE49-F238E27FC236}">
-                <a16:creationId xmlns:a16="http://schemas.microsoft.com/office/drawing/2014/main" xmlns="" id="{6D357B5B-4B0C-B6A1-5308-796FA3538DA7}"/>
+                <a16:creationId xmlns:a16="http://schemas.microsoft.com/office/drawing/2014/main" id="{6D357B5B-4B0C-B6A1-5308-796FA3538DA7}"/>
               </a:ext>
             </a:extLst>
           </p:cNvPr>
@@ -12557,7 +12563,7 @@
           <p:cNvPr id="10" name="Picture 9">
             <a:extLst>
               <a:ext uri="{FF2B5EF4-FFF2-40B4-BE49-F238E27FC236}">
-                <a16:creationId xmlns:a16="http://schemas.microsoft.com/office/drawing/2014/main" xmlns="" id="{6AC3D3AB-7B8D-A3A3-30B6-38C017C1853E}"/>
+                <a16:creationId xmlns:a16="http://schemas.microsoft.com/office/drawing/2014/main" id="{6AC3D3AB-7B8D-A3A3-30B6-38C017C1853E}"/>
               </a:ext>
             </a:extLst>
           </p:cNvPr>
@@ -12587,7 +12593,7 @@
           <p:cNvPr id="11" name="TextBox 10">
             <a:extLst>
               <a:ext uri="{FF2B5EF4-FFF2-40B4-BE49-F238E27FC236}">
-                <a16:creationId xmlns:a16="http://schemas.microsoft.com/office/drawing/2014/main" xmlns="" id="{6185940A-BCFB-624A-CF3D-59A3F4A6793B}"/>
+                <a16:creationId xmlns:a16="http://schemas.microsoft.com/office/drawing/2014/main" id="{6185940A-BCFB-624A-CF3D-59A3F4A6793B}"/>
               </a:ext>
             </a:extLst>
           </p:cNvPr>
@@ -12693,7 +12699,7 @@
     </p:spTree>
     <p:extLst>
       <p:ext uri="{BB962C8B-B14F-4D97-AF65-F5344CB8AC3E}">
-        <p14:creationId xmlns:p14="http://schemas.microsoft.com/office/powerpoint/2010/main" xmlns="" val="4221378875"/>
+        <p14:creationId xmlns:p14="http://schemas.microsoft.com/office/powerpoint/2010/main" val="4221378875"/>
       </p:ext>
     </p:extLst>
   </p:cSld>
@@ -12725,7 +12731,7 @@
           <p:cNvPr id="2" name="Title 1">
             <a:extLst>
               <a:ext uri="{FF2B5EF4-FFF2-40B4-BE49-F238E27FC236}">
-                <a16:creationId xmlns:a16="http://schemas.microsoft.com/office/drawing/2014/main" xmlns="" id="{80FB6617-C334-F38E-3075-BD876F491BD3}"/>
+                <a16:creationId xmlns:a16="http://schemas.microsoft.com/office/drawing/2014/main" id="{80FB6617-C334-F38E-3075-BD876F491BD3}"/>
               </a:ext>
             </a:extLst>
           </p:cNvPr>
@@ -12753,7 +12759,7 @@
           <p:cNvPr id="4" name="Date Placeholder 3">
             <a:extLst>
               <a:ext uri="{FF2B5EF4-FFF2-40B4-BE49-F238E27FC236}">
-                <a16:creationId xmlns:a16="http://schemas.microsoft.com/office/drawing/2014/main" xmlns="" id="{67F44358-6D5F-130F-8828-D4096127CB3D}"/>
+                <a16:creationId xmlns:a16="http://schemas.microsoft.com/office/drawing/2014/main" id="{67F44358-6D5F-130F-8828-D4096127CB3D}"/>
               </a:ext>
             </a:extLst>
           </p:cNvPr>
@@ -12781,7 +12787,7 @@
           <p:cNvPr id="5" name="Footer Placeholder 4">
             <a:extLst>
               <a:ext uri="{FF2B5EF4-FFF2-40B4-BE49-F238E27FC236}">
-                <a16:creationId xmlns:a16="http://schemas.microsoft.com/office/drawing/2014/main" xmlns="" id="{A802E3C5-81BC-5650-DB89-52F401DC8368}"/>
+                <a16:creationId xmlns:a16="http://schemas.microsoft.com/office/drawing/2014/main" id="{A802E3C5-81BC-5650-DB89-52F401DC8368}"/>
               </a:ext>
             </a:extLst>
           </p:cNvPr>
@@ -12809,7 +12815,7 @@
           <p:cNvPr id="6" name="Slide Number Placeholder 5">
             <a:extLst>
               <a:ext uri="{FF2B5EF4-FFF2-40B4-BE49-F238E27FC236}">
-                <a16:creationId xmlns:a16="http://schemas.microsoft.com/office/drawing/2014/main" xmlns="" id="{BAF3F9BC-057D-84B8-0DE6-5199CA3FB38D}"/>
+                <a16:creationId xmlns:a16="http://schemas.microsoft.com/office/drawing/2014/main" id="{BAF3F9BC-057D-84B8-0DE6-5199CA3FB38D}"/>
               </a:ext>
             </a:extLst>
           </p:cNvPr>
@@ -12839,7 +12845,7 @@
           <p:cNvPr id="7" name="TextBox 6">
             <a:extLst>
               <a:ext uri="{FF2B5EF4-FFF2-40B4-BE49-F238E27FC236}">
-                <a16:creationId xmlns:a16="http://schemas.microsoft.com/office/drawing/2014/main" xmlns="" id="{3A74F427-3AFA-994C-8420-A5F1B2C83399}"/>
+                <a16:creationId xmlns:a16="http://schemas.microsoft.com/office/drawing/2014/main" id="{3A74F427-3AFA-994C-8420-A5F1B2C83399}"/>
               </a:ext>
             </a:extLst>
           </p:cNvPr>
@@ -13080,7 +13086,7 @@
     </p:spTree>
     <p:extLst>
       <p:ext uri="{BB962C8B-B14F-4D97-AF65-F5344CB8AC3E}">
-        <p14:creationId xmlns:p14="http://schemas.microsoft.com/office/powerpoint/2010/main" xmlns="" val="3484567912"/>
+        <p14:creationId xmlns:p14="http://schemas.microsoft.com/office/powerpoint/2010/main" val="3484567912"/>
       </p:ext>
     </p:extLst>
   </p:cSld>
@@ -13285,7 +13291,7 @@
   <a:extraClrSchemeLst/>
   <a:extLst>
     <a:ext uri="{05A4C25C-085E-4340-85A3-A5531E510DB2}">
-      <thm15:themeFamily xmlns:thm15="http://schemas.microsoft.com/office/thememl/2012/main" xmlns="" name="Minimalist Presentation_tm67328976_Win32_LW_SL_v3" id="{B5A5B451-F186-4F05-917D-430247B33515}" vid="{C0610F80-F57F-4E6B-A096-3AEBDD5FC546}"/>
+      <thm15:themeFamily xmlns:thm15="http://schemas.microsoft.com/office/thememl/2012/main" name="Minimalist Presentation_tm67328976_Win32_LW_SL_v3" id="{B5A5B451-F186-4F05-917D-430247B33515}" vid="{C0610F80-F57F-4E6B-A096-3AEBDD5FC546}"/>
     </a:ext>
   </a:extLst>
 </a:theme>
@@ -13580,7 +13586,7 @@
   <a:extraClrSchemeLst/>
   <a:extLst>
     <a:ext uri="{05A4C25C-085E-4340-85A3-A5531E510DB2}">
-      <thm15:themeFamily xmlns:thm15="http://schemas.microsoft.com/office/thememl/2012/main" xmlns="" name="Office Theme" id="{62F939B6-93AF-4DB8-9C6B-D6C7DFDC589F}" vid="{4A3C46E8-61CC-4603-A589-7422A47A8E4A}"/>
+      <thm15:themeFamily xmlns:thm15="http://schemas.microsoft.com/office/thememl/2012/main" name="Office Theme" id="{62F939B6-93AF-4DB8-9C6B-D6C7DFDC589F}" vid="{4A3C46E8-61CC-4603-A589-7422A47A8E4A}"/>
     </a:ext>
   </a:extLst>
 </a:theme>
@@ -13875,13 +13881,22 @@
   <a:extraClrSchemeLst/>
   <a:extLst>
     <a:ext uri="{05A4C25C-085E-4340-85A3-A5531E510DB2}">
-      <thm15:themeFamily xmlns:thm15="http://schemas.microsoft.com/office/thememl/2012/main" xmlns="" name="Office Theme" id="{62F939B6-93AF-4DB8-9C6B-D6C7DFDC589F}" vid="{4A3C46E8-61CC-4603-A589-7422A47A8E4A}"/>
+      <thm15:themeFamily xmlns:thm15="http://schemas.microsoft.com/office/thememl/2012/main" name="Office Theme" id="{62F939B6-93AF-4DB8-9C6B-D6C7DFDC589F}" vid="{4A3C46E8-61CC-4603-A589-7422A47A8E4A}"/>
     </a:ext>
   </a:extLst>
 </a:theme>
 </file>
 
 <file path=customXml/item1.xml><?xml version="1.0" encoding="utf-8"?>
+<?mso-contentType ?>
+<FormTemplates xmlns="http://schemas.microsoft.com/sharepoint/v3/contenttype/forms">
+  <Display>DocumentLibraryForm</Display>
+  <Edit>DocumentLibraryForm</Edit>
+  <New>DocumentLibraryForm</New>
+</FormTemplates>
+</file>
+
+<file path=customXml/item2.xml><?xml version="1.0" encoding="utf-8"?>
 <ct:contentTypeSchema xmlns:ct="http://schemas.microsoft.com/office/2006/metadata/contentType" xmlns:ma="http://schemas.microsoft.com/office/2006/metadata/properties/metaAttributes" ct:_="" ma:_="" ma:contentTypeName="Document" ma:contentTypeID="0x01010079F111ED35F8CC479449609E8A0923A6" ma:contentTypeVersion="20" ma:contentTypeDescription="Create a new document." ma:contentTypeScope="" ma:versionID="1267097ee5f5874adfcc408041ae252e">
   <xsd:schema xmlns:xsd="http://www.w3.org/2001/XMLSchema" xmlns:xs="http://www.w3.org/2001/XMLSchema" xmlns:p="http://schemas.microsoft.com/office/2006/metadata/properties" xmlns:ns1="http://schemas.microsoft.com/sharepoint/v3" xmlns:ns2="71af3243-3dd4-4a8d-8c0d-dd76da1f02a5" xmlns:ns3="16c05727-aa75-4e4a-9b5f-8a80a1165891" xmlns:ns4="230e9df3-be65-4c73-a93b-d1236ebd677e" targetNamespace="http://schemas.microsoft.com/office/2006/metadata/properties" ma:root="true" ma:fieldsID="395891a93df65b14727750f2c06c306c" ns1:_="" ns2:_="" ns3:_="" ns4:_="">
     <xsd:import namespace="http://schemas.microsoft.com/sharepoint/v3"/>
@@ -14157,15 +14172,6 @@
 </ct:contentTypeSchema>
 </file>
 
-<file path=customXml/item2.xml><?xml version="1.0" encoding="utf-8"?>
-<?mso-contentType ?>
-<FormTemplates xmlns="http://schemas.microsoft.com/sharepoint/v3/contenttype/forms">
-  <Display>DocumentLibraryForm</Display>
-  <Edit>DocumentLibraryForm</Edit>
-  <New>DocumentLibraryForm</New>
-</FormTemplates>
-</file>
-
 <file path=customXml/item3.xml><?xml version="1.0" encoding="utf-8"?>
 <p:properties xmlns:p="http://schemas.microsoft.com/office/2006/metadata/properties" xmlns:xsi="http://www.w3.org/2001/XMLSchema-instance" xmlns:pc="http://schemas.microsoft.com/office/infopath/2007/PartnerControls">
   <documentManagement>
@@ -14186,6 +14192,14 @@
 </file>
 
 <file path=customXml/itemProps1.xml><?xml version="1.0" encoding="utf-8"?>
+<ds:datastoreItem xmlns:ds="http://schemas.openxmlformats.org/officeDocument/2006/customXml" ds:itemID="{0FD6FE22-81A0-4500-AFD0-342D21BB9A2C}">
+  <ds:schemaRefs>
+    <ds:schemaRef ds:uri="http://schemas.microsoft.com/sharepoint/v3/contenttype/forms"/>
+  </ds:schemaRefs>
+</ds:datastoreItem>
+</file>
+
+<file path=customXml/itemProps2.xml><?xml version="1.0" encoding="utf-8"?>
 <ds:datastoreItem xmlns:ds="http://schemas.openxmlformats.org/officeDocument/2006/customXml" ds:itemID="{CC96B61E-1B64-430F-934F-7D1B90028029}">
   <ds:schemaRefs>
     <ds:schemaRef ds:uri="http://schemas.microsoft.com/office/2006/metadata/contentType"/>
@@ -14202,14 +14216,6 @@
     <ds:schemaRef ds:uri="http://purl.org/dc/elements/1.1/"/>
     <ds:schemaRef ds:uri="http://purl.org/dc/terms/"/>
     <ds:schemaRef ds:uri="http://schemas.microsoft.com/internal/obd"/>
-  </ds:schemaRefs>
-</ds:datastoreItem>
-</file>
-
-<file path=customXml/itemProps2.xml><?xml version="1.0" encoding="utf-8"?>
-<ds:datastoreItem xmlns:ds="http://schemas.openxmlformats.org/officeDocument/2006/customXml" ds:itemID="{0FD6FE22-81A0-4500-AFD0-342D21BB9A2C}">
-  <ds:schemaRefs>
-    <ds:schemaRef ds:uri="http://schemas.microsoft.com/sharepoint/v3/contenttype/forms"/>
   </ds:schemaRefs>
 </ds:datastoreItem>
 </file>
